--- a/COSC 1437 - Final Project PPT Presentation.pptx
+++ b/COSC 1437 - Final Project PPT Presentation.pptx
@@ -2,16 +2,23 @@
 <file path=ppt/presentation.xml><?xml version="1.0" encoding="utf-8"?>
 <p:presentation xmlns:a="http://schemas.openxmlformats.org/drawingml/2006/main" xmlns:r="http://schemas.openxmlformats.org/officeDocument/2006/relationships" xmlns:p="http://schemas.openxmlformats.org/presentationml/2006/main" saveSubsetFonts="1">
   <p:sldMasterIdLst>
-    <p:sldMasterId id="2147483737" r:id="rId1"/>
+    <p:sldMasterId id="2147483737" r:id="rId4"/>
   </p:sldMasterIdLst>
   <p:sldIdLst>
-    <p:sldId id="256" r:id="rId2"/>
-    <p:sldId id="257" r:id="rId3"/>
-    <p:sldId id="258" r:id="rId4"/>
-    <p:sldId id="259" r:id="rId5"/>
-    <p:sldId id="260" r:id="rId6"/>
-    <p:sldId id="261" r:id="rId7"/>
-    <p:sldId id="262" r:id="rId8"/>
+    <p:sldId id="256" r:id="rId5"/>
+    <p:sldId id="257" r:id="rId6"/>
+    <p:sldId id="266" r:id="rId7"/>
+    <p:sldId id="263" r:id="rId8"/>
+    <p:sldId id="264" r:id="rId9"/>
+    <p:sldId id="265" r:id="rId10"/>
+    <p:sldId id="258" r:id="rId11"/>
+    <p:sldId id="259" r:id="rId12"/>
+    <p:sldId id="260" r:id="rId13"/>
+    <p:sldId id="261" r:id="rId14"/>
+    <p:sldId id="267" r:id="rId15"/>
+    <p:sldId id="268" r:id="rId16"/>
+    <p:sldId id="269" r:id="rId17"/>
+    <p:sldId id="270" r:id="rId18"/>
   </p:sldIdLst>
   <p:sldSz cx="12192000" cy="6858000"/>
   <p:notesSz cx="6858000" cy="9144000"/>
@@ -118,6 +125,28 @@
 </p:presentation>
 </file>
 
+<file path=ppt/revisionInfo.xml><?xml version="1.0" encoding="utf-8"?>
+<p1510:revInfo xmlns:a="http://schemas.openxmlformats.org/drawingml/2006/main" xmlns:r="http://schemas.openxmlformats.org/officeDocument/2006/relationships" xmlns:p1510="http://schemas.microsoft.com/office/powerpoint/2015/10/main">
+  <p1510:revLst>
+    <p1510:client id="{10D75018-9BE2-43FA-9617-A0414E35FEC5}" v="80" dt="2021-12-08T04:05:37.327"/>
+    <p1510:client id="{1D5687A8-B06A-486B-90F7-267396A796F0}" v="135" dt="2021-12-06T18:26:35.364"/>
+    <p1510:client id="{21108729-0BEC-4FC3-B201-D9AF55EAC473}" v="321" dt="2021-12-08T00:29:37.845"/>
+    <p1510:client id="{2EE22312-1972-4B73-A364-168040968A09}" v="104" dt="2021-12-08T02:51:18.231"/>
+    <p1510:client id="{30B172D9-63ED-40C0-A6DA-4124FCB9DD24}" v="2" dt="2021-12-08T04:14:39.418"/>
+    <p1510:client id="{47A04C92-7FA1-4E31-8484-64E7F920F046}" v="51" dt="2021-12-08T01:47:22.715"/>
+    <p1510:client id="{604F18B6-4D8D-4950-81A3-BEE9CED1B784}" v="428" dt="2021-12-07T03:16:39.069"/>
+    <p1510:client id="{6915F571-713C-4C62-91BD-0658F7236A43}" v="2" dt="2021-12-08T03:35:28.141"/>
+    <p1510:client id="{79D5A78D-D16A-4B25-97B8-BA72CBAB0929}" v="655" dt="2021-12-07T02:53:24.004"/>
+    <p1510:client id="{9582FD70-BC4F-4636-9461-DA9A9544CF53}" v="1" dt="2021-12-06T18:29:22.142"/>
+    <p1510:client id="{A40C162F-3D23-4E04-BE02-1E9FD4045152}" v="3" dt="2021-12-08T04:22:35.302"/>
+    <p1510:client id="{A8A62856-88A8-4F01-B7CC-4AB7F6A914BA}" v="91" dt="2021-12-08T02:40:05.429"/>
+    <p1510:client id="{D524A6D4-94BD-4077-805E-0A4DAE37374A}" v="6" dt="2021-12-08T02:41:35.873"/>
+    <p1510:client id="{D872DCA6-AFFB-4CC9-893B-254FE7857CF6}" v="119" dt="2021-12-07T03:35:40.743"/>
+    <p1510:client id="{ED0DFF21-03AF-484F-929D-F5D8807CB909}" v="3" dt="2021-12-08T03:26:04.678"/>
+  </p1510:revLst>
+</p1510:revInfo>
+</file>
+
 <file path=ppt/slideLayouts/slideLayout1.xml><?xml version="1.0" encoding="utf-8"?>
 <p:sldLayout xmlns:a="http://schemas.openxmlformats.org/drawingml/2006/main" xmlns:r="http://schemas.openxmlformats.org/officeDocument/2006/relationships" xmlns:p="http://schemas.openxmlformats.org/presentationml/2006/main" type="title" preserve="1">
   <p:cSld name="Title Slide">
@@ -174,7 +203,6 @@
               <a:rPr lang="en-US"/>
               <a:t>Click to edit Master title style</a:t>
             </a:r>
-            <a:endParaRPr lang="en-US" dirty="0"/>
           </a:p>
         </p:txBody>
       </p:sp>
@@ -256,7 +284,6 @@
               <a:rPr lang="en-US"/>
               <a:t>Click to edit Master subtitle style</a:t>
             </a:r>
-            <a:endParaRPr lang="en-US" dirty="0"/>
           </a:p>
         </p:txBody>
       </p:sp>
@@ -283,9 +310,9 @@
           <a:p>
             <a:fld id="{72EA7947-E287-4738-8C82-07CE4F01EF03}" type="datetime2">
               <a:rPr lang="en-US" smtClean="0"/>
-              <a:t>Sunday, December 5, 2021</a:t>
+              <a:t>Tuesday, December 7, 2021</a:t>
             </a:fld>
-            <a:endParaRPr lang="en-US" dirty="0"/>
+            <a:endParaRPr lang="en-US"/>
           </a:p>
         </p:txBody>
       </p:sp>
@@ -885,7 +912,7 @@
             <a:lstStyle/>
             <a:p>
               <a:pPr algn="ctr"/>
-              <a:endParaRPr lang="en-US" dirty="0"/>
+              <a:endParaRPr lang="en-US"/>
             </a:p>
           </p:txBody>
         </p:sp>
@@ -1021,7 +1048,7 @@
             <a:lstStyle/>
             <a:p>
               <a:pPr algn="ctr"/>
-              <a:endParaRPr lang="en-US" dirty="0">
+              <a:endParaRPr lang="en-US">
                 <a:solidFill>
                   <a:schemeClr val="tx1"/>
                 </a:solidFill>
@@ -1235,7 +1262,6 @@
               <a:rPr lang="en-US"/>
               <a:t>Click to edit Master title style</a:t>
             </a:r>
-            <a:endParaRPr lang="en-US" dirty="0"/>
           </a:p>
         </p:txBody>
       </p:sp>
@@ -1319,7 +1345,7 @@
           <a:p>
             <a:fld id="{EE2EBD84-71F4-4271-8C46-0D47C0A9B12E}" type="datetime2">
               <a:rPr lang="en-US" smtClean="0"/>
-              <a:t>Sunday, December 5, 2021</a:t>
+              <a:t>Tuesday, December 7, 2021</a:t>
             </a:fld>
             <a:endParaRPr lang="en-US"/>
           </a:p>
@@ -1530,7 +1556,7 @@
           <a:p>
             <a:fld id="{ABAE0CE1-F450-4107-B2CB-17B18F8A3F4A}" type="datetime2">
               <a:rPr lang="en-US" smtClean="0"/>
-              <a:t>Sunday, December 5, 2021</a:t>
+              <a:t>Tuesday, December 7, 2021</a:t>
             </a:fld>
             <a:endParaRPr lang="en-US"/>
           </a:p>
@@ -1777,7 +1803,7 @@
             <a:lstStyle/>
             <a:p>
               <a:pPr algn="ctr"/>
-              <a:endParaRPr lang="en-US" dirty="0">
+              <a:endParaRPr lang="en-US">
                 <a:solidFill>
                   <a:schemeClr val="tx1"/>
                 </a:solidFill>
@@ -2055,7 +2081,7 @@
             <a:lstStyle/>
             <a:p>
               <a:pPr algn="ctr"/>
-              <a:endParaRPr lang="en-US" dirty="0">
+              <a:endParaRPr lang="en-US">
                 <a:solidFill>
                   <a:schemeClr val="tx1"/>
                 </a:solidFill>
@@ -2105,7 +2131,6 @@
               <a:rPr lang="en-US"/>
               <a:t>Click to edit Master title style</a:t>
             </a:r>
-            <a:endParaRPr lang="en-US" dirty="0"/>
           </a:p>
         </p:txBody>
       </p:sp>
@@ -2168,7 +2193,6 @@
               <a:rPr lang="en-US"/>
               <a:t>Fifth level</a:t>
             </a:r>
-            <a:endParaRPr lang="en-US" dirty="0"/>
           </a:p>
         </p:txBody>
       </p:sp>
@@ -2195,7 +2219,7 @@
           <a:p>
             <a:fld id="{6FE8C025-CD7A-4966-867E-81CF82B15267}" type="datetime2">
               <a:rPr lang="en-US" smtClean="0"/>
-              <a:t>Sunday, December 5, 2021</a:t>
+              <a:t>Tuesday, December 7, 2021</a:t>
             </a:fld>
             <a:endParaRPr lang="en-US"/>
           </a:p>
@@ -2788,7 +2812,6 @@
               <a:rPr lang="en-US"/>
               <a:t>Click to edit Master title style</a:t>
             </a:r>
-            <a:endParaRPr lang="en-US" dirty="0"/>
           </a:p>
         </p:txBody>
       </p:sp>
@@ -2815,7 +2838,7 @@
           <a:p>
             <a:fld id="{FE809929-0719-4517-94D6-FDF7F99E70F6}" type="datetime2">
               <a:rPr lang="en-US" smtClean="0"/>
-              <a:t>Sunday, December 5, 2021</a:t>
+              <a:t>Tuesday, December 7, 2021</a:t>
             </a:fld>
             <a:endParaRPr lang="en-US"/>
           </a:p>
@@ -3780,7 +3803,6 @@
               <a:rPr lang="en-US"/>
               <a:t>Click to edit Master title style</a:t>
             </a:r>
-            <a:endParaRPr lang="en-US" dirty="0"/>
           </a:p>
         </p:txBody>
       </p:sp>
@@ -3843,7 +3865,6 @@
               <a:rPr lang="en-US"/>
               <a:t>Fifth level</a:t>
             </a:r>
-            <a:endParaRPr lang="en-US" dirty="0"/>
           </a:p>
         </p:txBody>
       </p:sp>
@@ -3906,7 +3927,6 @@
               <a:rPr lang="en-US"/>
               <a:t>Fifth level</a:t>
             </a:r>
-            <a:endParaRPr lang="en-US" dirty="0"/>
           </a:p>
         </p:txBody>
       </p:sp>
@@ -3933,7 +3953,7 @@
           <a:p>
             <a:fld id="{20E95673-5512-4AAA-9AEB-E00C61EC65D5}" type="datetime2">
               <a:rPr lang="en-US" smtClean="0"/>
-              <a:t>Sunday, December 5, 2021</a:t>
+              <a:t>Tuesday, December 7, 2021</a:t>
             </a:fld>
             <a:endParaRPr lang="en-US"/>
           </a:p>
@@ -4204,7 +4224,6 @@
               <a:rPr lang="en-US"/>
               <a:t>Click to edit Master title style</a:t>
             </a:r>
-            <a:endParaRPr lang="en-US" dirty="0"/>
           </a:p>
         </p:txBody>
       </p:sp>
@@ -4345,7 +4364,6 @@
               <a:rPr lang="en-US"/>
               <a:t>Fifth level</a:t>
             </a:r>
-            <a:endParaRPr lang="en-US" dirty="0"/>
           </a:p>
         </p:txBody>
       </p:sp>
@@ -4480,7 +4498,7 @@
           <a:p>
             <a:fld id="{C13138FA-2E87-4873-8BBA-13E447C9A99A}" type="datetime2">
               <a:rPr lang="en-US" smtClean="0"/>
-              <a:t>Sunday, December 5, 2021</a:t>
+              <a:t>Tuesday, December 7, 2021</a:t>
             </a:fld>
             <a:endParaRPr lang="en-US"/>
           </a:p>
@@ -4614,7 +4632,6 @@
               <a:rPr lang="en-US"/>
               <a:t>Click to edit Master title style</a:t>
             </a:r>
-            <a:endParaRPr lang="en-US" dirty="0"/>
           </a:p>
         </p:txBody>
       </p:sp>
@@ -4641,7 +4658,7 @@
           <a:p>
             <a:fld id="{D75BB40A-97BD-4BFB-B639-0BFF95FDE8B7}" type="datetime2">
               <a:rPr lang="en-US" smtClean="0"/>
-              <a:t>Sunday, December 5, 2021</a:t>
+              <a:t>Tuesday, December 7, 2021</a:t>
             </a:fld>
             <a:endParaRPr lang="en-US"/>
           </a:p>
@@ -4860,7 +4877,7 @@
           <a:lstStyle/>
           <a:p>
             <a:pPr algn="ctr"/>
-            <a:endParaRPr lang="en-US" dirty="0"/>
+            <a:endParaRPr lang="en-US"/>
           </a:p>
         </p:txBody>
       </p:sp>
@@ -5006,7 +5023,7 @@
           <a:lstStyle/>
           <a:p>
             <a:pPr algn="ctr"/>
-            <a:endParaRPr lang="en-US" dirty="0"/>
+            <a:endParaRPr lang="en-US"/>
           </a:p>
         </p:txBody>
       </p:sp>
@@ -5676,7 +5693,7 @@
           <a:p>
             <a:fld id="{9EE9E0E3-ECF6-4CFE-8698-AEFEBCECC3C0}" type="datetime2">
               <a:rPr lang="en-US" smtClean="0"/>
-              <a:t>Sunday, December 5, 2021</a:t>
+              <a:t>Tuesday, December 7, 2021</a:t>
             </a:fld>
             <a:endParaRPr lang="en-US"/>
           </a:p>
@@ -6131,7 +6148,6 @@
               <a:rPr lang="en-US"/>
               <a:t>Click to edit Master title style</a:t>
             </a:r>
-            <a:endParaRPr lang="en-US" dirty="0"/>
           </a:p>
         </p:txBody>
       </p:sp>
@@ -6224,7 +6240,6 @@
               <a:rPr lang="en-US"/>
               <a:t>Fifth level</a:t>
             </a:r>
-            <a:endParaRPr lang="en-US" dirty="0"/>
           </a:p>
         </p:txBody>
       </p:sp>
@@ -6322,7 +6337,7 @@
           <a:p>
             <a:fld id="{251462FC-960E-4740-921F-B36862979F21}" type="datetime2">
               <a:rPr lang="en-US" smtClean="0"/>
-              <a:t>Sunday, December 5, 2021</a:t>
+              <a:t>Tuesday, December 7, 2021</a:t>
             </a:fld>
             <a:endParaRPr lang="en-US"/>
           </a:p>
@@ -6915,7 +6930,6 @@
               <a:rPr lang="en-US"/>
               <a:t>Click to edit Master title style</a:t>
             </a:r>
-            <a:endParaRPr lang="en-US" dirty="0"/>
           </a:p>
         </p:txBody>
       </p:sp>
@@ -6988,7 +7002,6 @@
               <a:rPr lang="en-US"/>
               <a:t>Click icon to add picture</a:t>
             </a:r>
-            <a:endParaRPr lang="en-US" dirty="0"/>
           </a:p>
         </p:txBody>
       </p:sp>
@@ -7086,7 +7099,7 @@
           <a:p>
             <a:fld id="{E50BC9E2-CB44-4C05-9BB5-496C18A241E0}" type="datetime2">
               <a:rPr lang="en-US" smtClean="0"/>
-              <a:t>Sunday, December 5, 2021</a:t>
+              <a:t>Tuesday, December 7, 2021</a:t>
             </a:fld>
             <a:endParaRPr lang="en-US"/>
           </a:p>
@@ -7224,7 +7237,6 @@
               <a:rPr lang="en-US"/>
               <a:t>Click to edit Master title style</a:t>
             </a:r>
-            <a:endParaRPr lang="en-US" dirty="0"/>
           </a:p>
         </p:txBody>
       </p:sp>
@@ -7292,7 +7304,6 @@
               <a:rPr lang="en-US"/>
               <a:t>Fifth level</a:t>
             </a:r>
-            <a:endParaRPr lang="en-US" dirty="0"/>
           </a:p>
         </p:txBody>
       </p:sp>
@@ -7339,9 +7350,9 @@
           <a:p>
             <a:fld id="{246CB39B-5F4C-4A7E-9BE3-AAFD45576D16}" type="datetime2">
               <a:rPr lang="en-US" smtClean="0"/>
-              <a:t>Sunday, December 5, 2021</a:t>
+              <a:t>Tuesday, December 7, 2021</a:t>
             </a:fld>
-            <a:endParaRPr lang="en-US" dirty="0"/>
+            <a:endParaRPr lang="en-US"/>
           </a:p>
         </p:txBody>
       </p:sp>
@@ -7390,7 +7401,6 @@
               <a:rPr lang="en-US"/>
               <a:t>Sample Footer</a:t>
             </a:r>
-            <a:endParaRPr lang="en-US" dirty="0"/>
           </a:p>
         </p:txBody>
       </p:sp>
@@ -7887,20 +7897,34 @@
         </p:nvSpPr>
         <p:spPr>
           <a:xfrm>
-            <a:off x="550864" y="1051551"/>
-            <a:ext cx="3565524" cy="1194692"/>
+            <a:off x="1014244" y="639659"/>
+            <a:ext cx="10155791" cy="1163800"/>
           </a:xfrm>
         </p:spPr>
         <p:txBody>
-          <a:bodyPr anchor="b">
-            <a:normAutofit/>
+          <a:bodyPr vert="horz" wrap="square" lIns="0" tIns="0" rIns="0" bIns="0" rtlCol="0" anchor="t" anchorCtr="0">
+            <a:normAutofit fontScale="90000"/>
           </a:bodyPr>
           <a:lstStyle/>
           <a:p>
+            <a:pPr algn="ctr"/>
             <a:r>
-              <a:rPr lang="en-US" sz="4800" dirty="0"/>
-              <a:t>GROUP 4</a:t>
+              <a:rPr lang="en-US" sz="4800">
+                <a:ea typeface="+mj-lt"/>
+                <a:cs typeface="+mj-lt"/>
+              </a:rPr>
+              <a:t>Dunder Mifflin Database Systems</a:t>
             </a:r>
+            <a:br>
+              <a:rPr lang="en-US" sz="4800">
+                <a:ea typeface="+mj-lt"/>
+                <a:cs typeface="+mj-lt"/>
+              </a:rPr>
+            </a:br>
+            <a:endParaRPr lang="en-US" sz="4800">
+              <a:ea typeface="+mj-lt"/>
+              <a:cs typeface="+mj-lt"/>
+            </a:endParaRPr>
           </a:p>
         </p:txBody>
       </p:sp>
@@ -7916,8 +7940,8 @@
         </p:nvSpPr>
         <p:spPr>
           <a:xfrm>
-            <a:off x="550864" y="2378803"/>
-            <a:ext cx="3565525" cy="3626886"/>
+            <a:off x="4124028" y="2059587"/>
+            <a:ext cx="3936226" cy="3626886"/>
           </a:xfrm>
         </p:spPr>
         <p:txBody>
@@ -7927,7 +7951,7 @@
           <a:lstStyle/>
           <a:p>
             <a:r>
-              <a:rPr lang="en-US" sz="2000" dirty="0">
+              <a:rPr lang="en-US">
                 <a:solidFill>
                   <a:schemeClr val="tx1">
                     <a:alpha val="60000"/>
@@ -7935,12 +7959,20 @@
                 </a:solidFill>
                 <a:cs typeface="Calibri"/>
               </a:rPr>
-              <a:t>Raul Gutierrez</a:t>
+              <a:t>By: Raul Gutierrez</a:t>
             </a:r>
+            <a:endParaRPr lang="en-US">
+              <a:solidFill>
+                <a:schemeClr val="tx1">
+                  <a:alpha val="60000"/>
+                </a:schemeClr>
+              </a:solidFill>
+              <a:ea typeface="Source Sans Pro"/>
+            </a:endParaRPr>
           </a:p>
           <a:p>
             <a:r>
-              <a:rPr lang="en-US" sz="2000" dirty="0">
+              <a:rPr lang="en-US">
                 <a:solidFill>
                   <a:schemeClr val="tx1">
                     <a:alpha val="60000"/>
@@ -7949,12 +7981,12 @@
                 <a:ea typeface="Source Sans Pro"/>
                 <a:cs typeface="Calibri"/>
               </a:rPr>
-              <a:t>Aaron Caldwell</a:t>
+              <a:t>       Aaron Caldwell</a:t>
             </a:r>
           </a:p>
           <a:p>
             <a:r>
-              <a:rPr lang="en-US" sz="2000" dirty="0">
+              <a:rPr lang="en-US">
                 <a:solidFill>
                   <a:schemeClr val="tx1">
                     <a:alpha val="60000"/>
@@ -7963,12 +7995,12 @@
                 <a:ea typeface="Source Sans Pro"/>
                 <a:cs typeface="Calibri"/>
               </a:rPr>
-              <a:t>Michael Nguyen</a:t>
+              <a:t>       Michael Nguyen</a:t>
             </a:r>
           </a:p>
           <a:p>
             <a:r>
-              <a:rPr lang="en-US" sz="2000" dirty="0">
+              <a:rPr lang="en-US">
                 <a:solidFill>
                   <a:schemeClr val="tx1">
                     <a:alpha val="60000"/>
@@ -7977,12 +8009,12 @@
                 <a:ea typeface="Source Sans Pro"/>
                 <a:cs typeface="Calibri"/>
               </a:rPr>
-              <a:t>Stephanie Delgado</a:t>
+              <a:t>       Stephanie Delgado</a:t>
             </a:r>
           </a:p>
           <a:p>
             <a:r>
-              <a:rPr lang="en-US" sz="2000" dirty="0">
+              <a:rPr lang="en-US">
                 <a:solidFill>
                   <a:schemeClr val="tx1">
                     <a:alpha val="60000"/>
@@ -7991,7 +8023,7 @@
                 <a:ea typeface="Source Sans Pro"/>
                 <a:cs typeface="Calibri"/>
               </a:rPr>
-              <a:t>Jonathan Escobedo</a:t>
+              <a:t>      Jonathan Escobedo</a:t>
             </a:r>
           </a:p>
         </p:txBody>
@@ -8337,56 +8369,6 @@
           </p:txBody>
         </p:sp>
       </p:grpSp>
-      <p:pic>
-        <p:nvPicPr>
-          <p:cNvPr id="8" name="Picture 3" descr="Pink and purple powder explosion">
-            <a:extLst>
-              <a:ext uri="{FF2B5EF4-FFF2-40B4-BE49-F238E27FC236}">
-                <a16:creationId xmlns:a16="http://schemas.microsoft.com/office/drawing/2014/main" id="{44BB6A35-D082-4EF7-807F-8319B1A1369F}"/>
-              </a:ext>
-            </a:extLst>
-          </p:cNvPr>
-          <p:cNvPicPr>
-            <a:picLocks noChangeAspect="1"/>
-          </p:cNvPicPr>
-          <p:nvPr/>
-        </p:nvPicPr>
-        <p:blipFill rotWithShape="1">
-          <a:blip r:embed="rId2"/>
-          <a:srcRect t="16105" b="4734"/>
-          <a:stretch/>
-        </p:blipFill>
-        <p:spPr>
-          <a:xfrm>
-            <a:off x="4743450" y="10"/>
-            <a:ext cx="7448551" cy="6857990"/>
-          </a:xfrm>
-          <a:custGeom>
-            <a:avLst/>
-            <a:gdLst/>
-            <a:ahLst/>
-            <a:cxnLst/>
-            <a:rect l="l" t="t" r="r" b="b"/>
-            <a:pathLst>
-              <a:path w="7448551" h="6858000">
-                <a:moveTo>
-                  <a:pt x="0" y="0"/>
-                </a:moveTo>
-                <a:lnTo>
-                  <a:pt x="7448551" y="0"/>
-                </a:lnTo>
-                <a:lnTo>
-                  <a:pt x="7448551" y="6858000"/>
-                </a:lnTo>
-                <a:lnTo>
-                  <a:pt x="0" y="6858000"/>
-                </a:lnTo>
-                <a:close/>
-              </a:path>
-            </a:pathLst>
-          </a:custGeom>
-        </p:spPr>
-      </p:pic>
       <p:sp>
         <p:nvSpPr>
           <p:cNvPr id="10" name="Rectangle 14">
@@ -8580,6 +8562,1828 @@
 </p:sld>
 </file>
 
+<file path=ppt/slides/slide10.xml><?xml version="1.0" encoding="utf-8"?>
+<p:sld xmlns:a="http://schemas.openxmlformats.org/drawingml/2006/main" xmlns:r="http://schemas.openxmlformats.org/officeDocument/2006/relationships" xmlns:p="http://schemas.openxmlformats.org/presentationml/2006/main">
+  <p:cSld>
+    <p:bg>
+      <p:bgPr>
+        <a:solidFill>
+          <a:schemeClr val="bg2"/>
+        </a:solidFill>
+        <a:effectLst/>
+      </p:bgPr>
+    </p:bg>
+    <p:spTree>
+      <p:nvGrpSpPr>
+        <p:cNvPr id="1" name=""/>
+        <p:cNvGrpSpPr/>
+        <p:nvPr/>
+      </p:nvGrpSpPr>
+      <p:grpSpPr>
+        <a:xfrm>
+          <a:off x="0" y="0"/>
+          <a:ext cx="0" cy="0"/>
+          <a:chOff x="0" y="0"/>
+          <a:chExt cx="0" cy="0"/>
+        </a:xfrm>
+      </p:grpSpPr>
+      <p:grpSp>
+        <p:nvGrpSpPr>
+          <p:cNvPr id="10" name="Group 9">
+            <a:extLst>
+              <a:ext uri="{FF2B5EF4-FFF2-40B4-BE49-F238E27FC236}">
+                <a16:creationId xmlns:a16="http://schemas.microsoft.com/office/drawing/2014/main" id="{3BDBC526-6DCD-4FF6-8395-D8C22E46E527}"/>
+              </a:ext>
+              <a:ext uri="{C183D7F6-B498-43B3-948B-1728B52AA6E4}">
+                <adec:decorative xmlns:adec="http://schemas.microsoft.com/office/drawing/2017/decorative" val="1"/>
+              </a:ext>
+            </a:extLst>
+          </p:cNvPr>
+          <p:cNvGrpSpPr>
+            <a:grpSpLocks noGrp="1" noUngrp="1" noRot="1" noChangeAspect="1" noMove="1" noResize="1"/>
+          </p:cNvGrpSpPr>
+          <p:nvPr>
+            <p:extLst>
+              <p:ext uri="{386F3935-93C4-4BCD-93E2-E3B085C9AB24}">
+                <p16:designElem xmlns:p16="http://schemas.microsoft.com/office/powerpoint/2015/main" val="1"/>
+              </p:ext>
+            </p:extLst>
+          </p:nvPr>
+        </p:nvGrpSpPr>
+        <p:grpSpPr>
+          <a:xfrm>
+            <a:off x="613998" y="5334748"/>
+            <a:ext cx="678135" cy="990000"/>
+            <a:chOff x="10490969" y="1448827"/>
+            <a:chExt cx="678135" cy="990000"/>
+          </a:xfrm>
+        </p:grpSpPr>
+        <p:sp>
+          <p:nvSpPr>
+            <p:cNvPr id="11" name="Freeform: Shape 10">
+              <a:extLst>
+                <a:ext uri="{FF2B5EF4-FFF2-40B4-BE49-F238E27FC236}">
+                  <a16:creationId xmlns:a16="http://schemas.microsoft.com/office/drawing/2014/main" id="{02ECB475-568C-47AC-B16D-2E202DEB2DE0}"/>
+                </a:ext>
+                <a:ext uri="{C183D7F6-B498-43B3-948B-1728B52AA6E4}">
+                  <adec:decorative xmlns:adec="http://schemas.microsoft.com/office/drawing/2017/decorative" val="1"/>
+                </a:ext>
+              </a:extLst>
+            </p:cNvPr>
+            <p:cNvSpPr>
+              <a:spLocks noChangeAspect="1"/>
+            </p:cNvSpPr>
+            <p:nvPr>
+              <p:extLst>
+                <p:ext uri="{386F3935-93C4-4BCD-93E2-E3B085C9AB24}">
+                  <p16:designElem xmlns:p16="http://schemas.microsoft.com/office/powerpoint/2015/main" val="1"/>
+                </p:ext>
+              </p:extLst>
+            </p:nvPr>
+          </p:nvSpPr>
+          <p:spPr>
+            <a:xfrm rot="2700000" flipH="1" flipV="1">
+              <a:off x="10268976" y="1743588"/>
+              <a:ext cx="926985" cy="463493"/>
+            </a:xfrm>
+            <a:custGeom>
+              <a:avLst/>
+              <a:gdLst>
+                <a:gd name="connsiteX0" fmla="*/ 1329373 w 2658746"/>
+                <a:gd name="connsiteY0" fmla="*/ 0 h 1329373"/>
+                <a:gd name="connsiteX1" fmla="*/ 2658746 w 2658746"/>
+                <a:gd name="connsiteY1" fmla="*/ 1329373 h 1329373"/>
+                <a:gd name="connsiteX2" fmla="*/ 1994059 w 2658746"/>
+                <a:gd name="connsiteY2" fmla="*/ 1329373 h 1329373"/>
+                <a:gd name="connsiteX3" fmla="*/ 1329373 w 2658746"/>
+                <a:gd name="connsiteY3" fmla="*/ 664687 h 1329373"/>
+                <a:gd name="connsiteX4" fmla="*/ 664687 w 2658746"/>
+                <a:gd name="connsiteY4" fmla="*/ 1329373 h 1329373"/>
+                <a:gd name="connsiteX5" fmla="*/ 0 w 2658746"/>
+                <a:gd name="connsiteY5" fmla="*/ 1329373 h 1329373"/>
+                <a:gd name="connsiteX6" fmla="*/ 1329373 w 2658746"/>
+                <a:gd name="connsiteY6" fmla="*/ 0 h 1329373"/>
+              </a:gdLst>
+              <a:ahLst/>
+              <a:cxnLst>
+                <a:cxn ang="0">
+                  <a:pos x="connsiteX0" y="connsiteY0"/>
+                </a:cxn>
+                <a:cxn ang="0">
+                  <a:pos x="connsiteX1" y="connsiteY1"/>
+                </a:cxn>
+                <a:cxn ang="0">
+                  <a:pos x="connsiteX2" y="connsiteY2"/>
+                </a:cxn>
+                <a:cxn ang="0">
+                  <a:pos x="connsiteX3" y="connsiteY3"/>
+                </a:cxn>
+                <a:cxn ang="0">
+                  <a:pos x="connsiteX4" y="connsiteY4"/>
+                </a:cxn>
+                <a:cxn ang="0">
+                  <a:pos x="connsiteX5" y="connsiteY5"/>
+                </a:cxn>
+                <a:cxn ang="0">
+                  <a:pos x="connsiteX6" y="connsiteY6"/>
+                </a:cxn>
+              </a:cxnLst>
+              <a:rect l="l" t="t" r="r" b="b"/>
+              <a:pathLst>
+                <a:path w="2658746" h="1329373">
+                  <a:moveTo>
+                    <a:pt x="1329373" y="0"/>
+                  </a:moveTo>
+                  <a:cubicBezTo>
+                    <a:pt x="2063565" y="0"/>
+                    <a:pt x="2658746" y="595181"/>
+                    <a:pt x="2658746" y="1329373"/>
+                  </a:cubicBezTo>
+                  <a:lnTo>
+                    <a:pt x="1994059" y="1329373"/>
+                  </a:lnTo>
+                  <a:cubicBezTo>
+                    <a:pt x="1994059" y="962277"/>
+                    <a:pt x="1696469" y="664687"/>
+                    <a:pt x="1329373" y="664687"/>
+                  </a:cubicBezTo>
+                  <a:cubicBezTo>
+                    <a:pt x="962277" y="664687"/>
+                    <a:pt x="664687" y="962277"/>
+                    <a:pt x="664687" y="1329373"/>
+                  </a:cubicBezTo>
+                  <a:lnTo>
+                    <a:pt x="0" y="1329373"/>
+                  </a:lnTo>
+                  <a:cubicBezTo>
+                    <a:pt x="0" y="595181"/>
+                    <a:pt x="595181" y="0"/>
+                    <a:pt x="1329373" y="0"/>
+                  </a:cubicBezTo>
+                  <a:close/>
+                </a:path>
+              </a:pathLst>
+            </a:custGeom>
+            <a:solidFill>
+              <a:schemeClr val="bg2"/>
+            </a:solidFill>
+            <a:ln>
+              <a:noFill/>
+            </a:ln>
+            <a:effectLst>
+              <a:innerShdw blurRad="127000" dist="50800" dir="13500000">
+                <a:schemeClr val="accent1">
+                  <a:lumMod val="40000"/>
+                  <a:lumOff val="60000"/>
+                  <a:alpha val="20000"/>
+                </a:schemeClr>
+              </a:innerShdw>
+            </a:effectLst>
+          </p:spPr>
+          <p:style>
+            <a:lnRef idx="2">
+              <a:schemeClr val="accent1">
+                <a:shade val="50000"/>
+              </a:schemeClr>
+            </a:lnRef>
+            <a:fillRef idx="1">
+              <a:schemeClr val="accent1"/>
+            </a:fillRef>
+            <a:effectRef idx="0">
+              <a:schemeClr val="accent1"/>
+            </a:effectRef>
+            <a:fontRef idx="minor">
+              <a:schemeClr val="lt1"/>
+            </a:fontRef>
+          </p:style>
+          <p:txBody>
+            <a:bodyPr rtlCol="0" anchor="ctr"/>
+            <a:lstStyle/>
+            <a:p>
+              <a:pPr algn="ctr"/>
+              <a:endParaRPr lang="en-US">
+                <a:solidFill>
+                  <a:schemeClr val="tx1"/>
+                </a:solidFill>
+              </a:endParaRPr>
+            </a:p>
+          </p:txBody>
+        </p:sp>
+        <p:sp>
+          <p:nvSpPr>
+            <p:cNvPr id="12" name="Oval 11">
+              <a:extLst>
+                <a:ext uri="{FF2B5EF4-FFF2-40B4-BE49-F238E27FC236}">
+                  <a16:creationId xmlns:a16="http://schemas.microsoft.com/office/drawing/2014/main" id="{080D8764-525A-441E-B58F-068E82F09714}"/>
+                </a:ext>
+                <a:ext uri="{C183D7F6-B498-43B3-948B-1728B52AA6E4}">
+                  <adec:decorative xmlns:adec="http://schemas.microsoft.com/office/drawing/2017/decorative" val="1"/>
+                </a:ext>
+              </a:extLst>
+            </p:cNvPr>
+            <p:cNvSpPr/>
+            <p:nvPr>
+              <p:extLst>
+                <p:ext uri="{386F3935-93C4-4BCD-93E2-E3B085C9AB24}">
+                  <p16:designElem xmlns:p16="http://schemas.microsoft.com/office/powerpoint/2015/main" val="1"/>
+                </p:ext>
+              </p:extLst>
+            </p:nvPr>
+          </p:nvSpPr>
+          <p:spPr>
+            <a:xfrm rot="8100000" flipH="1" flipV="1">
+              <a:off x="11115555" y="1939340"/>
+              <a:ext cx="53549" cy="233295"/>
+            </a:xfrm>
+            <a:prstGeom prst="ellipse">
+              <a:avLst/>
+            </a:prstGeom>
+            <a:solidFill>
+              <a:schemeClr val="bg2">
+                <a:lumMod val="90000"/>
+                <a:lumOff val="10000"/>
+              </a:schemeClr>
+            </a:solidFill>
+            <a:ln>
+              <a:noFill/>
+            </a:ln>
+            <a:effectLst>
+              <a:innerShdw blurRad="63500" dist="2540000">
+                <a:schemeClr val="accent1">
+                  <a:lumMod val="60000"/>
+                  <a:lumOff val="40000"/>
+                  <a:alpha val="0"/>
+                </a:schemeClr>
+              </a:innerShdw>
+            </a:effectLst>
+          </p:spPr>
+          <p:style>
+            <a:lnRef idx="2">
+              <a:schemeClr val="accent1">
+                <a:shade val="50000"/>
+              </a:schemeClr>
+            </a:lnRef>
+            <a:fillRef idx="1">
+              <a:schemeClr val="accent1"/>
+            </a:fillRef>
+            <a:effectRef idx="0">
+              <a:schemeClr val="accent1"/>
+            </a:effectRef>
+            <a:fontRef idx="minor">
+              <a:schemeClr val="lt1"/>
+            </a:fontRef>
+          </p:style>
+          <p:txBody>
+            <a:bodyPr rot="0" spcFirstLastPara="0" vertOverflow="overflow" horzOverflow="overflow" vert="horz" wrap="square" lIns="91440" tIns="45720" rIns="91440" bIns="45720" numCol="1" spcCol="0" rtlCol="0" fromWordArt="0" anchor="ctr" anchorCtr="0" forceAA="0" compatLnSpc="1">
+              <a:prstTxWarp prst="textNoShape">
+                <a:avLst/>
+              </a:prstTxWarp>
+              <a:noAutofit/>
+            </a:bodyPr>
+            <a:lstStyle/>
+            <a:p>
+              <a:pPr algn="ctr"/>
+              <a:endParaRPr lang="en-US"/>
+            </a:p>
+          </p:txBody>
+        </p:sp>
+        <p:sp>
+          <p:nvSpPr>
+            <p:cNvPr id="13" name="Oval 12">
+              <a:extLst>
+                <a:ext uri="{FF2B5EF4-FFF2-40B4-BE49-F238E27FC236}">
+                  <a16:creationId xmlns:a16="http://schemas.microsoft.com/office/drawing/2014/main" id="{11196109-6F2B-4738-B2FC-2CCC753AABD4}"/>
+                </a:ext>
+                <a:ext uri="{C183D7F6-B498-43B3-948B-1728B52AA6E4}">
+                  <adec:decorative xmlns:adec="http://schemas.microsoft.com/office/drawing/2017/decorative" val="1"/>
+                </a:ext>
+              </a:extLst>
+            </p:cNvPr>
+            <p:cNvSpPr/>
+            <p:nvPr>
+              <p:extLst>
+                <p:ext uri="{386F3935-93C4-4BCD-93E2-E3B085C9AB24}">
+                  <p16:designElem xmlns:p16="http://schemas.microsoft.com/office/powerpoint/2015/main" val="1"/>
+                </p:ext>
+              </p:extLst>
+            </p:nvPr>
+          </p:nvSpPr>
+          <p:spPr>
+            <a:xfrm rot="8100000" flipH="1" flipV="1">
+              <a:off x="10625042" y="1448827"/>
+              <a:ext cx="53549" cy="233295"/>
+            </a:xfrm>
+            <a:prstGeom prst="ellipse">
+              <a:avLst/>
+            </a:prstGeom>
+            <a:solidFill>
+              <a:schemeClr val="bg2">
+                <a:lumMod val="90000"/>
+                <a:lumOff val="10000"/>
+              </a:schemeClr>
+            </a:solidFill>
+            <a:ln>
+              <a:noFill/>
+            </a:ln>
+            <a:effectLst>
+              <a:innerShdw blurRad="63500" dist="2540000">
+                <a:schemeClr val="accent1">
+                  <a:lumMod val="60000"/>
+                  <a:lumOff val="40000"/>
+                  <a:alpha val="0"/>
+                </a:schemeClr>
+              </a:innerShdw>
+            </a:effectLst>
+          </p:spPr>
+          <p:style>
+            <a:lnRef idx="2">
+              <a:schemeClr val="accent1">
+                <a:shade val="50000"/>
+              </a:schemeClr>
+            </a:lnRef>
+            <a:fillRef idx="1">
+              <a:schemeClr val="accent1"/>
+            </a:fillRef>
+            <a:effectRef idx="0">
+              <a:schemeClr val="accent1"/>
+            </a:effectRef>
+            <a:fontRef idx="minor">
+              <a:schemeClr val="lt1"/>
+            </a:fontRef>
+          </p:style>
+          <p:txBody>
+            <a:bodyPr rot="0" spcFirstLastPara="0" vertOverflow="overflow" horzOverflow="overflow" vert="horz" wrap="square" lIns="91440" tIns="45720" rIns="91440" bIns="45720" numCol="1" spcCol="0" rtlCol="0" fromWordArt="0" anchor="ctr" anchorCtr="0" forceAA="0" compatLnSpc="1">
+              <a:prstTxWarp prst="textNoShape">
+                <a:avLst/>
+              </a:prstTxWarp>
+              <a:noAutofit/>
+            </a:bodyPr>
+            <a:lstStyle/>
+            <a:p>
+              <a:pPr algn="ctr"/>
+              <a:endParaRPr lang="en-US"/>
+            </a:p>
+          </p:txBody>
+        </p:sp>
+        <p:sp>
+          <p:nvSpPr>
+            <p:cNvPr id="14" name="Freeform: Shape 13">
+              <a:extLst>
+                <a:ext uri="{FF2B5EF4-FFF2-40B4-BE49-F238E27FC236}">
+                  <a16:creationId xmlns:a16="http://schemas.microsoft.com/office/drawing/2014/main" id="{F7E468C2-69B8-470B-85E3-801A3CB1D7E2}"/>
+                </a:ext>
+                <a:ext uri="{C183D7F6-B498-43B3-948B-1728B52AA6E4}">
+                  <adec:decorative xmlns:adec="http://schemas.microsoft.com/office/drawing/2017/decorative" val="1"/>
+                </a:ext>
+              </a:extLst>
+            </p:cNvPr>
+            <p:cNvSpPr>
+              <a:spLocks noChangeAspect="1"/>
+            </p:cNvSpPr>
+            <p:nvPr>
+              <p:extLst>
+                <p:ext uri="{386F3935-93C4-4BCD-93E2-E3B085C9AB24}">
+                  <p16:designElem xmlns:p16="http://schemas.microsoft.com/office/powerpoint/2015/main" val="1"/>
+                </p:ext>
+              </p:extLst>
+            </p:nvPr>
+          </p:nvSpPr>
+          <p:spPr>
+            <a:xfrm rot="2700000" flipH="1" flipV="1">
+              <a:off x="10292519" y="1686748"/>
+              <a:ext cx="926985" cy="530086"/>
+            </a:xfrm>
+            <a:custGeom>
+              <a:avLst/>
+              <a:gdLst>
+                <a:gd name="connsiteX0" fmla="*/ 1329373 w 2658746"/>
+                <a:gd name="connsiteY0" fmla="*/ 0 h 1329373"/>
+                <a:gd name="connsiteX1" fmla="*/ 2658746 w 2658746"/>
+                <a:gd name="connsiteY1" fmla="*/ 1329373 h 1329373"/>
+                <a:gd name="connsiteX2" fmla="*/ 1994059 w 2658746"/>
+                <a:gd name="connsiteY2" fmla="*/ 1329373 h 1329373"/>
+                <a:gd name="connsiteX3" fmla="*/ 1329373 w 2658746"/>
+                <a:gd name="connsiteY3" fmla="*/ 664687 h 1329373"/>
+                <a:gd name="connsiteX4" fmla="*/ 664687 w 2658746"/>
+                <a:gd name="connsiteY4" fmla="*/ 1329373 h 1329373"/>
+                <a:gd name="connsiteX5" fmla="*/ 0 w 2658746"/>
+                <a:gd name="connsiteY5" fmla="*/ 1329373 h 1329373"/>
+                <a:gd name="connsiteX6" fmla="*/ 1329373 w 2658746"/>
+                <a:gd name="connsiteY6" fmla="*/ 0 h 1329373"/>
+              </a:gdLst>
+              <a:ahLst/>
+              <a:cxnLst>
+                <a:cxn ang="0">
+                  <a:pos x="connsiteX0" y="connsiteY0"/>
+                </a:cxn>
+                <a:cxn ang="0">
+                  <a:pos x="connsiteX1" y="connsiteY1"/>
+                </a:cxn>
+                <a:cxn ang="0">
+                  <a:pos x="connsiteX2" y="connsiteY2"/>
+                </a:cxn>
+                <a:cxn ang="0">
+                  <a:pos x="connsiteX3" y="connsiteY3"/>
+                </a:cxn>
+                <a:cxn ang="0">
+                  <a:pos x="connsiteX4" y="connsiteY4"/>
+                </a:cxn>
+                <a:cxn ang="0">
+                  <a:pos x="connsiteX5" y="connsiteY5"/>
+                </a:cxn>
+                <a:cxn ang="0">
+                  <a:pos x="connsiteX6" y="connsiteY6"/>
+                </a:cxn>
+              </a:cxnLst>
+              <a:rect l="l" t="t" r="r" b="b"/>
+              <a:pathLst>
+                <a:path w="2658746" h="1329373">
+                  <a:moveTo>
+                    <a:pt x="1329373" y="0"/>
+                  </a:moveTo>
+                  <a:cubicBezTo>
+                    <a:pt x="2063565" y="0"/>
+                    <a:pt x="2658746" y="595181"/>
+                    <a:pt x="2658746" y="1329373"/>
+                  </a:cubicBezTo>
+                  <a:lnTo>
+                    <a:pt x="1994059" y="1329373"/>
+                  </a:lnTo>
+                  <a:cubicBezTo>
+                    <a:pt x="1994059" y="962277"/>
+                    <a:pt x="1696469" y="664687"/>
+                    <a:pt x="1329373" y="664687"/>
+                  </a:cubicBezTo>
+                  <a:cubicBezTo>
+                    <a:pt x="962277" y="664687"/>
+                    <a:pt x="664687" y="962277"/>
+                    <a:pt x="664687" y="1329373"/>
+                  </a:cubicBezTo>
+                  <a:lnTo>
+                    <a:pt x="0" y="1329373"/>
+                  </a:lnTo>
+                  <a:cubicBezTo>
+                    <a:pt x="0" y="595181"/>
+                    <a:pt x="595181" y="0"/>
+                    <a:pt x="1329373" y="0"/>
+                  </a:cubicBezTo>
+                  <a:close/>
+                </a:path>
+              </a:pathLst>
+            </a:custGeom>
+            <a:solidFill>
+              <a:schemeClr val="bg2">
+                <a:lumMod val="50000"/>
+                <a:lumOff val="50000"/>
+                <a:alpha val="20000"/>
+              </a:schemeClr>
+            </a:solidFill>
+            <a:ln>
+              <a:noFill/>
+            </a:ln>
+            <a:effectLst>
+              <a:softEdge rad="101600"/>
+            </a:effectLst>
+          </p:spPr>
+          <p:style>
+            <a:lnRef idx="2">
+              <a:schemeClr val="accent1">
+                <a:shade val="50000"/>
+              </a:schemeClr>
+            </a:lnRef>
+            <a:fillRef idx="1">
+              <a:schemeClr val="accent1"/>
+            </a:fillRef>
+            <a:effectRef idx="0">
+              <a:schemeClr val="accent1"/>
+            </a:effectRef>
+            <a:fontRef idx="minor">
+              <a:schemeClr val="lt1"/>
+            </a:fontRef>
+          </p:style>
+          <p:txBody>
+            <a:bodyPr rtlCol="0" anchor="ctr"/>
+            <a:lstStyle/>
+            <a:p>
+              <a:pPr algn="ctr"/>
+              <a:endParaRPr lang="en-US">
+                <a:solidFill>
+                  <a:schemeClr val="tx1"/>
+                </a:solidFill>
+              </a:endParaRPr>
+            </a:p>
+          </p:txBody>
+        </p:sp>
+      </p:grpSp>
+      <p:sp useBgFill="1">
+        <p:nvSpPr>
+          <p:cNvPr id="16" name="Rectangle 15">
+            <a:extLst>
+              <a:ext uri="{FF2B5EF4-FFF2-40B4-BE49-F238E27FC236}">
+                <a16:creationId xmlns:a16="http://schemas.microsoft.com/office/drawing/2014/main" id="{A5931BE0-4B93-4D6C-878E-ACC59D6B4587}"/>
+              </a:ext>
+              <a:ext uri="{C183D7F6-B498-43B3-948B-1728B52AA6E4}">
+                <adec:decorative xmlns:adec="http://schemas.microsoft.com/office/drawing/2017/decorative" val="1"/>
+              </a:ext>
+            </a:extLst>
+          </p:cNvPr>
+          <p:cNvSpPr>
+            <a:spLocks noGrp="1" noRot="1" noChangeAspect="1" noMove="1" noResize="1" noEditPoints="1" noAdjustHandles="1" noChangeArrowheads="1" noChangeShapeType="1" noTextEdit="1"/>
+          </p:cNvSpPr>
+          <p:nvPr>
+            <p:extLst>
+              <p:ext uri="{386F3935-93C4-4BCD-93E2-E3B085C9AB24}">
+                <p16:designElem xmlns:p16="http://schemas.microsoft.com/office/powerpoint/2015/main" val="1"/>
+              </p:ext>
+            </p:extLst>
+          </p:nvPr>
+        </p:nvSpPr>
+        <p:spPr>
+          <a:xfrm>
+            <a:off x="0" y="0"/>
+            <a:ext cx="12192000" cy="6858000"/>
+          </a:xfrm>
+          <a:prstGeom prst="rect">
+            <a:avLst/>
+          </a:prstGeom>
+          <a:ln w="12700" cap="flat" cmpd="sng" algn="ctr">
+            <a:noFill/>
+            <a:prstDash val="solid"/>
+            <a:miter lim="800000"/>
+          </a:ln>
+          <a:effectLst/>
+          <a:extLst>
+            <a:ext uri="{91240B29-F687-4F45-9708-019B960494DF}">
+              <a14:hiddenLine xmlns:a14="http://schemas.microsoft.com/office/drawing/2010/main" w="12700" cap="flat" cmpd="sng" algn="ctr">
+                <a:solidFill>
+                  <a:schemeClr val="accent1">
+                    <a:shade val="50000"/>
+                  </a:schemeClr>
+                </a:solidFill>
+                <a:prstDash val="solid"/>
+                <a:miter lim="800000"/>
+              </a14:hiddenLine>
+            </a:ext>
+          </a:extLst>
+        </p:spPr>
+        <p:style>
+          <a:lnRef idx="2">
+            <a:schemeClr val="accent1">
+              <a:shade val="50000"/>
+            </a:schemeClr>
+          </a:lnRef>
+          <a:fillRef idx="1">
+            <a:schemeClr val="accent1"/>
+          </a:fillRef>
+          <a:effectRef idx="0">
+            <a:schemeClr val="accent1"/>
+          </a:effectRef>
+          <a:fontRef idx="minor">
+            <a:schemeClr val="lt1"/>
+          </a:fontRef>
+        </p:style>
+        <p:txBody>
+          <a:bodyPr rtlCol="0" anchor="ctr"/>
+          <a:lstStyle/>
+          <a:p>
+            <a:pPr algn="ctr"/>
+            <a:endParaRPr lang="en-US"/>
+          </a:p>
+        </p:txBody>
+      </p:sp>
+      <p:sp>
+        <p:nvSpPr>
+          <p:cNvPr id="2" name="Title 1">
+            <a:extLst>
+              <a:ext uri="{FF2B5EF4-FFF2-40B4-BE49-F238E27FC236}">
+                <a16:creationId xmlns:a16="http://schemas.microsoft.com/office/drawing/2014/main" id="{3940A167-6620-4FE9-A34C-6B7B42D740B9}"/>
+              </a:ext>
+            </a:extLst>
+          </p:cNvPr>
+          <p:cNvSpPr>
+            <a:spLocks noGrp="1"/>
+          </p:cNvSpPr>
+          <p:nvPr>
+            <p:ph type="title"/>
+          </p:nvPr>
+        </p:nvSpPr>
+        <p:spPr>
+          <a:xfrm>
+            <a:off x="550862" y="580363"/>
+            <a:ext cx="7524859" cy="790260"/>
+          </a:xfrm>
+        </p:spPr>
+        <p:txBody>
+          <a:bodyPr vert="horz" wrap="square" lIns="0" tIns="0" rIns="0" bIns="0" rtlCol="0" anchor="t" anchorCtr="0">
+            <a:normAutofit/>
+          </a:bodyPr>
+          <a:lstStyle/>
+          <a:p>
+            <a:pPr>
+              <a:lnSpc>
+                <a:spcPct val="90000"/>
+              </a:lnSpc>
+            </a:pPr>
+            <a:r>
+              <a:rPr lang="en-US"/>
+              <a:t>New Sales Representatives</a:t>
+            </a:r>
+          </a:p>
+        </p:txBody>
+      </p:sp>
+      <p:grpSp>
+        <p:nvGrpSpPr>
+          <p:cNvPr id="18" name="Group 17">
+            <a:extLst>
+              <a:ext uri="{FF2B5EF4-FFF2-40B4-BE49-F238E27FC236}">
+                <a16:creationId xmlns:a16="http://schemas.microsoft.com/office/drawing/2014/main" id="{D0342557-9691-41B1-9FFF-027845ED041F}"/>
+              </a:ext>
+              <a:ext uri="{C183D7F6-B498-43B3-948B-1728B52AA6E4}">
+                <adec:decorative xmlns:adec="http://schemas.microsoft.com/office/drawing/2017/decorative" val="1"/>
+              </a:ext>
+            </a:extLst>
+          </p:cNvPr>
+          <p:cNvGrpSpPr>
+            <a:grpSpLocks noGrp="1" noUngrp="1" noRot="1" noChangeAspect="1" noMove="1" noResize="1"/>
+          </p:cNvGrpSpPr>
+          <p:nvPr>
+            <p:extLst>
+              <p:ext uri="{386F3935-93C4-4BCD-93E2-E3B085C9AB24}">
+                <p16:designElem xmlns:p16="http://schemas.microsoft.com/office/powerpoint/2015/main" val="1"/>
+              </p:ext>
+            </p:extLst>
+          </p:nvPr>
+        </p:nvGrpSpPr>
+        <p:grpSpPr>
+          <a:xfrm>
+            <a:off x="940971" y="1982786"/>
+            <a:ext cx="734257" cy="760506"/>
+            <a:chOff x="5243759" y="1363788"/>
+            <a:chExt cx="734257" cy="760506"/>
+          </a:xfrm>
+        </p:grpSpPr>
+        <p:sp>
+          <p:nvSpPr>
+            <p:cNvPr id="19" name="Freeform 5">
+              <a:extLst>
+                <a:ext uri="{FF2B5EF4-FFF2-40B4-BE49-F238E27FC236}">
+                  <a16:creationId xmlns:a16="http://schemas.microsoft.com/office/drawing/2014/main" id="{086D6FFF-B330-42B3-9F1F-607CECF8D90F}"/>
+                </a:ext>
+                <a:ext uri="{C183D7F6-B498-43B3-948B-1728B52AA6E4}">
+                  <adec:decorative xmlns:adec="http://schemas.microsoft.com/office/drawing/2017/decorative" val="1"/>
+                </a:ext>
+              </a:extLst>
+            </p:cNvPr>
+            <p:cNvSpPr>
+              <a:spLocks/>
+            </p:cNvSpPr>
+            <p:nvPr>
+              <p:extLst>
+                <p:ext uri="{386F3935-93C4-4BCD-93E2-E3B085C9AB24}">
+                  <p16:designElem xmlns:p16="http://schemas.microsoft.com/office/powerpoint/2015/main" val="1"/>
+                </p:ext>
+              </p:extLst>
+            </p:nvPr>
+          </p:nvSpPr>
+          <p:spPr bwMode="auto">
+            <a:xfrm rot="1800000">
+              <a:off x="5356930" y="1363788"/>
+              <a:ext cx="621086" cy="364601"/>
+            </a:xfrm>
+            <a:custGeom>
+              <a:avLst/>
+              <a:gdLst>
+                <a:gd name="T0" fmla="*/ 266 w 540"/>
+                <a:gd name="T1" fmla="*/ 0 h 317"/>
+                <a:gd name="T2" fmla="*/ 0 w 540"/>
+                <a:gd name="T3" fmla="*/ 158 h 317"/>
+                <a:gd name="T4" fmla="*/ 266 w 540"/>
+                <a:gd name="T5" fmla="*/ 317 h 317"/>
+                <a:gd name="T6" fmla="*/ 540 w 540"/>
+                <a:gd name="T7" fmla="*/ 158 h 317"/>
+                <a:gd name="T8" fmla="*/ 266 w 540"/>
+                <a:gd name="T9" fmla="*/ 0 h 317"/>
+              </a:gdLst>
+              <a:ahLst/>
+              <a:cxnLst>
+                <a:cxn ang="0">
+                  <a:pos x="T0" y="T1"/>
+                </a:cxn>
+                <a:cxn ang="0">
+                  <a:pos x="T2" y="T3"/>
+                </a:cxn>
+                <a:cxn ang="0">
+                  <a:pos x="T4" y="T5"/>
+                </a:cxn>
+                <a:cxn ang="0">
+                  <a:pos x="T6" y="T7"/>
+                </a:cxn>
+                <a:cxn ang="0">
+                  <a:pos x="T8" y="T9"/>
+                </a:cxn>
+              </a:cxnLst>
+              <a:rect l="0" t="0" r="r" b="b"/>
+              <a:pathLst>
+                <a:path w="540" h="317">
+                  <a:moveTo>
+                    <a:pt x="266" y="0"/>
+                  </a:moveTo>
+                  <a:lnTo>
+                    <a:pt x="0" y="158"/>
+                  </a:lnTo>
+                  <a:lnTo>
+                    <a:pt x="266" y="317"/>
+                  </a:lnTo>
+                  <a:lnTo>
+                    <a:pt x="540" y="158"/>
+                  </a:lnTo>
+                  <a:lnTo>
+                    <a:pt x="266" y="0"/>
+                  </a:lnTo>
+                  <a:close/>
+                </a:path>
+              </a:pathLst>
+            </a:custGeom>
+            <a:gradFill flip="none" rotWithShape="1">
+              <a:gsLst>
+                <a:gs pos="20000">
+                  <a:schemeClr val="bg2">
+                    <a:lumMod val="90000"/>
+                    <a:lumOff val="10000"/>
+                    <a:alpha val="20000"/>
+                  </a:schemeClr>
+                </a:gs>
+                <a:gs pos="100000">
+                  <a:schemeClr val="accent1">
+                    <a:lumMod val="60000"/>
+                    <a:lumOff val="40000"/>
+                    <a:alpha val="20000"/>
+                  </a:schemeClr>
+                </a:gs>
+              </a:gsLst>
+              <a:lin ang="0" scaled="0"/>
+              <a:tileRect/>
+            </a:gradFill>
+            <a:ln>
+              <a:noFill/>
+            </a:ln>
+            <a:effectLst>
+              <a:innerShdw blurRad="254000">
+                <a:schemeClr val="bg2">
+                  <a:lumMod val="90000"/>
+                  <a:lumOff val="10000"/>
+                </a:schemeClr>
+              </a:innerShdw>
+            </a:effectLst>
+          </p:spPr>
+          <p:style>
+            <a:lnRef idx="2">
+              <a:schemeClr val="accent1">
+                <a:shade val="50000"/>
+              </a:schemeClr>
+            </a:lnRef>
+            <a:fillRef idx="1">
+              <a:schemeClr val="accent1"/>
+            </a:fillRef>
+            <a:effectRef idx="0">
+              <a:schemeClr val="accent1"/>
+            </a:effectRef>
+            <a:fontRef idx="minor">
+              <a:schemeClr val="lt1"/>
+            </a:fontRef>
+          </p:style>
+          <p:txBody>
+            <a:bodyPr rot="0" spcFirstLastPara="0" vertOverflow="overflow" horzOverflow="overflow" vert="horz" wrap="square" lIns="91440" tIns="45720" rIns="91440" bIns="45720" numCol="1" spcCol="0" rtlCol="0" fromWordArt="0" anchor="ctr" anchorCtr="0" forceAA="0" compatLnSpc="1">
+              <a:prstTxWarp prst="textNoShape">
+                <a:avLst/>
+              </a:prstTxWarp>
+              <a:noAutofit/>
+            </a:bodyPr>
+            <a:lstStyle/>
+            <a:p>
+              <a:pPr algn="ctr"/>
+              <a:endParaRPr lang="en-US"/>
+            </a:p>
+          </p:txBody>
+        </p:sp>
+        <p:sp>
+          <p:nvSpPr>
+            <p:cNvPr id="20" name="Freeform 6">
+              <a:extLst>
+                <a:ext uri="{FF2B5EF4-FFF2-40B4-BE49-F238E27FC236}">
+                  <a16:creationId xmlns:a16="http://schemas.microsoft.com/office/drawing/2014/main" id="{8D054D43-E740-4CA9-8197-85FBE2ECCE38}"/>
+                </a:ext>
+                <a:ext uri="{C183D7F6-B498-43B3-948B-1728B52AA6E4}">
+                  <adec:decorative xmlns:adec="http://schemas.microsoft.com/office/drawing/2017/decorative" val="1"/>
+                </a:ext>
+              </a:extLst>
+            </p:cNvPr>
+            <p:cNvSpPr>
+              <a:spLocks/>
+            </p:cNvSpPr>
+            <p:nvPr>
+              <p:extLst>
+                <p:ext uri="{386F3935-93C4-4BCD-93E2-E3B085C9AB24}">
+                  <p16:designElem xmlns:p16="http://schemas.microsoft.com/office/powerpoint/2015/main" val="1"/>
+                </p:ext>
+              </p:extLst>
+            </p:nvPr>
+          </p:nvSpPr>
+          <p:spPr bwMode="auto">
+            <a:xfrm rot="1800000">
+              <a:off x="5243759" y="1430747"/>
+              <a:ext cx="305942" cy="538275"/>
+            </a:xfrm>
+            <a:custGeom>
+              <a:avLst/>
+              <a:gdLst>
+                <a:gd name="T0" fmla="*/ 266 w 266"/>
+                <a:gd name="T1" fmla="*/ 468 h 468"/>
+                <a:gd name="T2" fmla="*/ 0 w 266"/>
+                <a:gd name="T3" fmla="*/ 310 h 468"/>
+                <a:gd name="T4" fmla="*/ 0 w 266"/>
+                <a:gd name="T5" fmla="*/ 310 h 468"/>
+                <a:gd name="T6" fmla="*/ 0 w 266"/>
+                <a:gd name="T7" fmla="*/ 0 h 468"/>
+                <a:gd name="T8" fmla="*/ 0 w 266"/>
+                <a:gd name="T9" fmla="*/ 0 h 468"/>
+                <a:gd name="T10" fmla="*/ 266 w 266"/>
+                <a:gd name="T11" fmla="*/ 159 h 468"/>
+                <a:gd name="T12" fmla="*/ 266 w 266"/>
+                <a:gd name="T13" fmla="*/ 468 h 468"/>
+              </a:gdLst>
+              <a:ahLst/>
+              <a:cxnLst>
+                <a:cxn ang="0">
+                  <a:pos x="T0" y="T1"/>
+                </a:cxn>
+                <a:cxn ang="0">
+                  <a:pos x="T2" y="T3"/>
+                </a:cxn>
+                <a:cxn ang="0">
+                  <a:pos x="T4" y="T5"/>
+                </a:cxn>
+                <a:cxn ang="0">
+                  <a:pos x="T6" y="T7"/>
+                </a:cxn>
+                <a:cxn ang="0">
+                  <a:pos x="T8" y="T9"/>
+                </a:cxn>
+                <a:cxn ang="0">
+                  <a:pos x="T10" y="T11"/>
+                </a:cxn>
+                <a:cxn ang="0">
+                  <a:pos x="T12" y="T13"/>
+                </a:cxn>
+              </a:cxnLst>
+              <a:rect l="0" t="0" r="r" b="b"/>
+              <a:pathLst>
+                <a:path w="266" h="468">
+                  <a:moveTo>
+                    <a:pt x="266" y="468"/>
+                  </a:moveTo>
+                  <a:lnTo>
+                    <a:pt x="0" y="310"/>
+                  </a:lnTo>
+                  <a:lnTo>
+                    <a:pt x="0" y="310"/>
+                  </a:lnTo>
+                  <a:lnTo>
+                    <a:pt x="0" y="0"/>
+                  </a:lnTo>
+                  <a:lnTo>
+                    <a:pt x="0" y="0"/>
+                  </a:lnTo>
+                  <a:lnTo>
+                    <a:pt x="266" y="159"/>
+                  </a:lnTo>
+                  <a:lnTo>
+                    <a:pt x="266" y="468"/>
+                  </a:lnTo>
+                  <a:close/>
+                </a:path>
+              </a:pathLst>
+            </a:custGeom>
+            <a:gradFill flip="none" rotWithShape="1">
+              <a:gsLst>
+                <a:gs pos="20000">
+                  <a:schemeClr val="bg2">
+                    <a:lumMod val="90000"/>
+                    <a:lumOff val="10000"/>
+                    <a:alpha val="20000"/>
+                  </a:schemeClr>
+                </a:gs>
+                <a:gs pos="100000">
+                  <a:schemeClr val="accent1">
+                    <a:lumMod val="60000"/>
+                    <a:lumOff val="40000"/>
+                    <a:alpha val="20000"/>
+                  </a:schemeClr>
+                </a:gs>
+              </a:gsLst>
+              <a:lin ang="19800000" scaled="0"/>
+              <a:tileRect/>
+            </a:gradFill>
+            <a:ln>
+              <a:noFill/>
+            </a:ln>
+            <a:effectLst>
+              <a:innerShdw blurRad="254000">
+                <a:schemeClr val="bg2">
+                  <a:lumMod val="90000"/>
+                  <a:lumOff val="10000"/>
+                </a:schemeClr>
+              </a:innerShdw>
+            </a:effectLst>
+          </p:spPr>
+          <p:style>
+            <a:lnRef idx="2">
+              <a:schemeClr val="accent1">
+                <a:shade val="50000"/>
+              </a:schemeClr>
+            </a:lnRef>
+            <a:fillRef idx="1">
+              <a:schemeClr val="accent1"/>
+            </a:fillRef>
+            <a:effectRef idx="0">
+              <a:schemeClr val="accent1"/>
+            </a:effectRef>
+            <a:fontRef idx="minor">
+              <a:schemeClr val="lt1"/>
+            </a:fontRef>
+          </p:style>
+          <p:txBody>
+            <a:bodyPr rot="0" spcFirstLastPara="0" vertOverflow="overflow" horzOverflow="overflow" vert="horz" wrap="square" lIns="91440" tIns="45720" rIns="91440" bIns="45720" numCol="1" spcCol="0" rtlCol="0" fromWordArt="0" anchor="ctr" anchorCtr="0" forceAA="0" compatLnSpc="1">
+              <a:prstTxWarp prst="textNoShape">
+                <a:avLst/>
+              </a:prstTxWarp>
+              <a:noAutofit/>
+            </a:bodyPr>
+            <a:lstStyle/>
+            <a:p>
+              <a:pPr algn="ctr"/>
+              <a:endParaRPr lang="en-US"/>
+            </a:p>
+          </p:txBody>
+        </p:sp>
+        <p:sp>
+          <p:nvSpPr>
+            <p:cNvPr id="21" name="Freeform 8">
+              <a:extLst>
+                <a:ext uri="{FF2B5EF4-FFF2-40B4-BE49-F238E27FC236}">
+                  <a16:creationId xmlns:a16="http://schemas.microsoft.com/office/drawing/2014/main" id="{CB5EB56C-B805-41B2-88BA-B198E68E6927}"/>
+                </a:ext>
+                <a:ext uri="{C183D7F6-B498-43B3-948B-1728B52AA6E4}">
+                  <adec:decorative xmlns:adec="http://schemas.microsoft.com/office/drawing/2017/decorative" val="1"/>
+                </a:ext>
+              </a:extLst>
+            </p:cNvPr>
+            <p:cNvSpPr>
+              <a:spLocks/>
+            </p:cNvSpPr>
+            <p:nvPr>
+              <p:extLst>
+                <p:ext uri="{386F3935-93C4-4BCD-93E2-E3B085C9AB24}">
+                  <p16:designElem xmlns:p16="http://schemas.microsoft.com/office/powerpoint/2015/main" val="1"/>
+                </p:ext>
+              </p:extLst>
+            </p:nvPr>
+          </p:nvSpPr>
+          <p:spPr bwMode="auto">
+            <a:xfrm rot="1800000">
+              <a:off x="5508097" y="1586019"/>
+              <a:ext cx="315144" cy="538275"/>
+            </a:xfrm>
+            <a:custGeom>
+              <a:avLst/>
+              <a:gdLst>
+                <a:gd name="T0" fmla="*/ 274 w 274"/>
+                <a:gd name="T1" fmla="*/ 0 h 468"/>
+                <a:gd name="T2" fmla="*/ 274 w 274"/>
+                <a:gd name="T3" fmla="*/ 310 h 468"/>
+                <a:gd name="T4" fmla="*/ 274 w 274"/>
+                <a:gd name="T5" fmla="*/ 310 h 468"/>
+                <a:gd name="T6" fmla="*/ 0 w 274"/>
+                <a:gd name="T7" fmla="*/ 468 h 468"/>
+                <a:gd name="T8" fmla="*/ 0 w 274"/>
+                <a:gd name="T9" fmla="*/ 159 h 468"/>
+                <a:gd name="T10" fmla="*/ 274 w 274"/>
+                <a:gd name="T11" fmla="*/ 0 h 468"/>
+                <a:gd name="T12" fmla="*/ 274 w 274"/>
+                <a:gd name="T13" fmla="*/ 0 h 468"/>
+              </a:gdLst>
+              <a:ahLst/>
+              <a:cxnLst>
+                <a:cxn ang="0">
+                  <a:pos x="T0" y="T1"/>
+                </a:cxn>
+                <a:cxn ang="0">
+                  <a:pos x="T2" y="T3"/>
+                </a:cxn>
+                <a:cxn ang="0">
+                  <a:pos x="T4" y="T5"/>
+                </a:cxn>
+                <a:cxn ang="0">
+                  <a:pos x="T6" y="T7"/>
+                </a:cxn>
+                <a:cxn ang="0">
+                  <a:pos x="T8" y="T9"/>
+                </a:cxn>
+                <a:cxn ang="0">
+                  <a:pos x="T10" y="T11"/>
+                </a:cxn>
+                <a:cxn ang="0">
+                  <a:pos x="T12" y="T13"/>
+                </a:cxn>
+              </a:cxnLst>
+              <a:rect l="0" t="0" r="r" b="b"/>
+              <a:pathLst>
+                <a:path w="274" h="468">
+                  <a:moveTo>
+                    <a:pt x="274" y="0"/>
+                  </a:moveTo>
+                  <a:lnTo>
+                    <a:pt x="274" y="310"/>
+                  </a:lnTo>
+                  <a:lnTo>
+                    <a:pt x="274" y="310"/>
+                  </a:lnTo>
+                  <a:lnTo>
+                    <a:pt x="0" y="468"/>
+                  </a:lnTo>
+                  <a:lnTo>
+                    <a:pt x="0" y="159"/>
+                  </a:lnTo>
+                  <a:lnTo>
+                    <a:pt x="274" y="0"/>
+                  </a:lnTo>
+                  <a:lnTo>
+                    <a:pt x="274" y="0"/>
+                  </a:lnTo>
+                  <a:close/>
+                </a:path>
+              </a:pathLst>
+            </a:custGeom>
+            <a:gradFill flip="none" rotWithShape="1">
+              <a:gsLst>
+                <a:gs pos="20000">
+                  <a:schemeClr val="bg2">
+                    <a:lumMod val="90000"/>
+                    <a:lumOff val="10000"/>
+                    <a:alpha val="20000"/>
+                  </a:schemeClr>
+                </a:gs>
+                <a:gs pos="100000">
+                  <a:schemeClr val="accent1">
+                    <a:lumMod val="60000"/>
+                    <a:lumOff val="40000"/>
+                    <a:alpha val="20000"/>
+                  </a:schemeClr>
+                </a:gs>
+              </a:gsLst>
+              <a:lin ang="18000000" scaled="0"/>
+              <a:tileRect/>
+            </a:gradFill>
+            <a:ln>
+              <a:noFill/>
+            </a:ln>
+            <a:effectLst>
+              <a:innerShdw blurRad="254000">
+                <a:schemeClr val="accent1">
+                  <a:lumMod val="60000"/>
+                  <a:lumOff val="40000"/>
+                  <a:alpha val="60000"/>
+                </a:schemeClr>
+              </a:innerShdw>
+            </a:effectLst>
+          </p:spPr>
+          <p:style>
+            <a:lnRef idx="2">
+              <a:schemeClr val="accent1">
+                <a:shade val="50000"/>
+              </a:schemeClr>
+            </a:lnRef>
+            <a:fillRef idx="1">
+              <a:schemeClr val="accent1"/>
+            </a:fillRef>
+            <a:effectRef idx="0">
+              <a:schemeClr val="accent1"/>
+            </a:effectRef>
+            <a:fontRef idx="minor">
+              <a:schemeClr val="lt1"/>
+            </a:fontRef>
+          </p:style>
+          <p:txBody>
+            <a:bodyPr rot="0" spcFirstLastPara="0" vertOverflow="overflow" horzOverflow="overflow" vert="horz" wrap="square" lIns="91440" tIns="45720" rIns="91440" bIns="45720" numCol="1" spcCol="0" rtlCol="0" fromWordArt="0" anchor="ctr" anchorCtr="0" forceAA="0" compatLnSpc="1">
+              <a:prstTxWarp prst="textNoShape">
+                <a:avLst/>
+              </a:prstTxWarp>
+              <a:noAutofit/>
+            </a:bodyPr>
+            <a:lstStyle/>
+            <a:p>
+              <a:pPr algn="ctr"/>
+              <a:endParaRPr lang="en-US"/>
+            </a:p>
+          </p:txBody>
+        </p:sp>
+      </p:grpSp>
+      <p:pic>
+        <p:nvPicPr>
+          <p:cNvPr id="5" name="Picture 5" descr="Text&#10;&#10;Description automatically generated">
+            <a:extLst>
+              <a:ext uri="{FF2B5EF4-FFF2-40B4-BE49-F238E27FC236}">
+                <a16:creationId xmlns:a16="http://schemas.microsoft.com/office/drawing/2014/main" id="{A6E8D182-2F62-43A0-8C5F-51E5D564FEA6}"/>
+              </a:ext>
+            </a:extLst>
+          </p:cNvPr>
+          <p:cNvPicPr>
+            <a:picLocks noGrp="1" noChangeAspect="1"/>
+          </p:cNvPicPr>
+          <p:nvPr>
+            <p:ph sz="half" idx="1"/>
+          </p:nvPr>
+        </p:nvPicPr>
+        <p:blipFill>
+          <a:blip r:embed="rId2"/>
+          <a:stretch>
+            <a:fillRect/>
+          </a:stretch>
+        </p:blipFill>
+        <p:spPr>
+          <a:xfrm>
+            <a:off x="550863" y="1366718"/>
+            <a:ext cx="6441791" cy="4959130"/>
+          </a:xfrm>
+          <a:custGeom>
+            <a:avLst/>
+            <a:gdLst/>
+            <a:ahLst/>
+            <a:cxnLst/>
+            <a:rect l="l" t="t" r="r" b="b"/>
+            <a:pathLst>
+              <a:path w="5773738" h="3779838">
+                <a:moveTo>
+                  <a:pt x="0" y="0"/>
+                </a:moveTo>
+                <a:lnTo>
+                  <a:pt x="5773738" y="0"/>
+                </a:lnTo>
+                <a:lnTo>
+                  <a:pt x="5773738" y="3779838"/>
+                </a:lnTo>
+                <a:lnTo>
+                  <a:pt x="0" y="3779838"/>
+                </a:lnTo>
+                <a:close/>
+              </a:path>
+            </a:pathLst>
+          </a:custGeom>
+        </p:spPr>
+      </p:pic>
+      <p:sp>
+        <p:nvSpPr>
+          <p:cNvPr id="4" name="Content Placeholder 3">
+            <a:extLst>
+              <a:ext uri="{FF2B5EF4-FFF2-40B4-BE49-F238E27FC236}">
+                <a16:creationId xmlns:a16="http://schemas.microsoft.com/office/drawing/2014/main" id="{E6764479-9ED1-464A-A181-02D989CCA811}"/>
+              </a:ext>
+            </a:extLst>
+          </p:cNvPr>
+          <p:cNvSpPr>
+            <a:spLocks noGrp="1"/>
+          </p:cNvSpPr>
+          <p:nvPr>
+            <p:ph sz="half" idx="2"/>
+          </p:nvPr>
+        </p:nvSpPr>
+        <p:spPr>
+          <a:xfrm>
+            <a:off x="7140575" y="1364249"/>
+            <a:ext cx="4500562" cy="4728576"/>
+          </a:xfrm>
+        </p:spPr>
+        <p:txBody>
+          <a:bodyPr vert="horz" wrap="square" lIns="0" tIns="0" rIns="0" bIns="0" rtlCol="0" anchor="t">
+            <a:normAutofit/>
+          </a:bodyPr>
+          <a:lstStyle/>
+          <a:p>
+            <a:r>
+              <a:rPr lang="en-US" sz="2200">
+                <a:solidFill>
+                  <a:srgbClr val="FFFFFF">
+                    <a:alpha val="60000"/>
+                  </a:srgbClr>
+                </a:solidFill>
+                <a:ea typeface="Source Sans Pro"/>
+              </a:rPr>
+              <a:t>Option 3 is shown being implemented by the algorithm to find new Sales Representatives for the benefit of Dunder Mifflin office supplies sales and to better the quality of business conducted.</a:t>
+            </a:r>
+          </a:p>
+        </p:txBody>
+      </p:sp>
+    </p:spTree>
+    <p:extLst>
+      <p:ext uri="{BB962C8B-B14F-4D97-AF65-F5344CB8AC3E}">
+        <p14:creationId xmlns:p14="http://schemas.microsoft.com/office/powerpoint/2010/main" val="3496266124"/>
+      </p:ext>
+    </p:extLst>
+  </p:cSld>
+  <p:clrMapOvr>
+    <a:masterClrMapping/>
+  </p:clrMapOvr>
+  <mc:AlternateContent xmlns:mc="http://schemas.openxmlformats.org/markup-compatibility/2006">
+    <mc:Choice xmlns:p14="http://schemas.microsoft.com/office/powerpoint/2010/main" Requires="p14">
+      <p:transition spd="slow" p14:dur="4000">
+        <p14:vortex dir="r"/>
+      </p:transition>
+    </mc:Choice>
+    <mc:Fallback>
+      <p:transition spd="slow">
+        <p:fade/>
+      </p:transition>
+    </mc:Fallback>
+  </mc:AlternateContent>
+</p:sld>
+</file>
+
+<file path=ppt/slides/slide11.xml><?xml version="1.0" encoding="utf-8"?>
+<p:sld xmlns:a="http://schemas.openxmlformats.org/drawingml/2006/main" xmlns:r="http://schemas.openxmlformats.org/officeDocument/2006/relationships" xmlns:p="http://schemas.openxmlformats.org/presentationml/2006/main">
+  <p:cSld>
+    <p:spTree>
+      <p:nvGrpSpPr>
+        <p:cNvPr id="1" name=""/>
+        <p:cNvGrpSpPr/>
+        <p:nvPr/>
+      </p:nvGrpSpPr>
+      <p:grpSpPr>
+        <a:xfrm>
+          <a:off x="0" y="0"/>
+          <a:ext cx="0" cy="0"/>
+          <a:chOff x="0" y="0"/>
+          <a:chExt cx="0" cy="0"/>
+        </a:xfrm>
+      </p:grpSpPr>
+      <p:sp>
+        <p:nvSpPr>
+          <p:cNvPr id="2" name="Title 1">
+            <a:extLst>
+              <a:ext uri="{FF2B5EF4-FFF2-40B4-BE49-F238E27FC236}">
+                <a16:creationId xmlns:a16="http://schemas.microsoft.com/office/drawing/2014/main" id="{F106BC69-AD7B-4DD7-BF4E-014EDB1F81AB}"/>
+              </a:ext>
+            </a:extLst>
+          </p:cNvPr>
+          <p:cNvSpPr>
+            <a:spLocks noGrp="1"/>
+          </p:cNvSpPr>
+          <p:nvPr>
+            <p:ph type="title"/>
+          </p:nvPr>
+        </p:nvSpPr>
+        <p:spPr>
+          <a:xfrm>
+            <a:off x="550863" y="549275"/>
+            <a:ext cx="11079977" cy="755352"/>
+          </a:xfrm>
+        </p:spPr>
+        <p:txBody>
+          <a:bodyPr/>
+          <a:lstStyle/>
+          <a:p>
+            <a:r>
+              <a:rPr lang="en-US"/>
+              <a:t>Product Menu</a:t>
+            </a:r>
+          </a:p>
+        </p:txBody>
+      </p:sp>
+      <p:pic>
+        <p:nvPicPr>
+          <p:cNvPr id="5" name="Picture 5" descr="Text&#10;&#10;Description automatically generated">
+            <a:extLst>
+              <a:ext uri="{FF2B5EF4-FFF2-40B4-BE49-F238E27FC236}">
+                <a16:creationId xmlns:a16="http://schemas.microsoft.com/office/drawing/2014/main" id="{C783ADCE-92E0-467C-9E0D-ECBFDC9AADD6}"/>
+              </a:ext>
+            </a:extLst>
+          </p:cNvPr>
+          <p:cNvPicPr>
+            <a:picLocks noGrp="1" noChangeAspect="1"/>
+          </p:cNvPicPr>
+          <p:nvPr>
+            <p:ph sz="half" idx="1"/>
+          </p:nvPr>
+        </p:nvPicPr>
+        <p:blipFill>
+          <a:blip r:embed="rId2"/>
+          <a:stretch>
+            <a:fillRect/>
+          </a:stretch>
+        </p:blipFill>
+        <p:spPr>
+          <a:xfrm>
+            <a:off x="553009" y="1600608"/>
+            <a:ext cx="4926739" cy="4700458"/>
+          </a:xfrm>
+        </p:spPr>
+      </p:pic>
+      <p:sp>
+        <p:nvSpPr>
+          <p:cNvPr id="4" name="Content Placeholder 3">
+            <a:extLst>
+              <a:ext uri="{FF2B5EF4-FFF2-40B4-BE49-F238E27FC236}">
+                <a16:creationId xmlns:a16="http://schemas.microsoft.com/office/drawing/2014/main" id="{1D5F01D8-898F-469A-882E-4D1E5CF8EAC2}"/>
+              </a:ext>
+            </a:extLst>
+          </p:cNvPr>
+          <p:cNvSpPr>
+            <a:spLocks noGrp="1"/>
+          </p:cNvSpPr>
+          <p:nvPr>
+            <p:ph sz="half" idx="2"/>
+          </p:nvPr>
+        </p:nvSpPr>
+        <p:spPr>
+          <a:xfrm>
+            <a:off x="5814241" y="1602905"/>
+            <a:ext cx="5826897" cy="4706163"/>
+          </a:xfrm>
+        </p:spPr>
+        <p:txBody>
+          <a:bodyPr vert="horz" wrap="square" lIns="0" tIns="0" rIns="0" bIns="0" rtlCol="0" anchor="t">
+            <a:normAutofit/>
+          </a:bodyPr>
+          <a:lstStyle/>
+          <a:p>
+            <a:r>
+              <a:rPr lang="en-US" sz="2200">
+                <a:solidFill>
+                  <a:srgbClr val="FFFFFF">
+                    <a:alpha val="60000"/>
+                  </a:srgbClr>
+                </a:solidFill>
+                <a:ea typeface="Source Sans Pro"/>
+              </a:rPr>
+              <a:t>Here is the Product Menu for Dunder Mifflin Database Systems where the algorithm selects an option to add new products, release old stock, or print all given items available. </a:t>
+            </a:r>
+          </a:p>
+        </p:txBody>
+      </p:sp>
+    </p:spTree>
+    <p:extLst>
+      <p:ext uri="{BB962C8B-B14F-4D97-AF65-F5344CB8AC3E}">
+        <p14:creationId xmlns:p14="http://schemas.microsoft.com/office/powerpoint/2010/main" val="3637768508"/>
+      </p:ext>
+    </p:extLst>
+  </p:cSld>
+  <p:clrMapOvr>
+    <a:masterClrMapping/>
+  </p:clrMapOvr>
+  <mc:AlternateContent xmlns:mc="http://schemas.openxmlformats.org/markup-compatibility/2006">
+    <mc:Choice xmlns:p159="http://schemas.microsoft.com/office/powerpoint/2015/09/main" Requires="p159">
+      <p:transition xmlns:p14="http://schemas.microsoft.com/office/powerpoint/2010/main" spd="slow" p14:dur="2000">
+        <p159:morph option="byObject"/>
+      </p:transition>
+    </mc:Choice>
+    <mc:Fallback>
+      <p:transition spd="slow">
+        <p:fade/>
+      </p:transition>
+    </mc:Fallback>
+  </mc:AlternateContent>
+</p:sld>
+</file>
+
+<file path=ppt/slides/slide12.xml><?xml version="1.0" encoding="utf-8"?>
+<p:sld xmlns:a="http://schemas.openxmlformats.org/drawingml/2006/main" xmlns:r="http://schemas.openxmlformats.org/officeDocument/2006/relationships" xmlns:p="http://schemas.openxmlformats.org/presentationml/2006/main">
+  <p:cSld>
+    <p:spTree>
+      <p:nvGrpSpPr>
+        <p:cNvPr id="1" name=""/>
+        <p:cNvGrpSpPr/>
+        <p:nvPr/>
+      </p:nvGrpSpPr>
+      <p:grpSpPr>
+        <a:xfrm>
+          <a:off x="0" y="0"/>
+          <a:ext cx="0" cy="0"/>
+          <a:chOff x="0" y="0"/>
+          <a:chExt cx="0" cy="0"/>
+        </a:xfrm>
+      </p:grpSpPr>
+      <p:sp>
+        <p:nvSpPr>
+          <p:cNvPr id="2" name="Title 1">
+            <a:extLst>
+              <a:ext uri="{FF2B5EF4-FFF2-40B4-BE49-F238E27FC236}">
+                <a16:creationId xmlns:a16="http://schemas.microsoft.com/office/drawing/2014/main" id="{0014490A-B563-4C24-A52D-F0BAECC549D5}"/>
+              </a:ext>
+            </a:extLst>
+          </p:cNvPr>
+          <p:cNvSpPr>
+            <a:spLocks noGrp="1"/>
+          </p:cNvSpPr>
+          <p:nvPr>
+            <p:ph type="title"/>
+          </p:nvPr>
+        </p:nvSpPr>
+        <p:spPr>
+          <a:xfrm>
+            <a:off x="550863" y="549275"/>
+            <a:ext cx="11079977" cy="930406"/>
+          </a:xfrm>
+        </p:spPr>
+        <p:txBody>
+          <a:bodyPr/>
+          <a:lstStyle/>
+          <a:p>
+            <a:r>
+              <a:rPr lang="en-US"/>
+              <a:t>Products Purchased</a:t>
+            </a:r>
+          </a:p>
+        </p:txBody>
+      </p:sp>
+      <p:pic>
+        <p:nvPicPr>
+          <p:cNvPr id="5" name="Picture 5" descr="Text&#10;&#10;Description automatically generated">
+            <a:extLst>
+              <a:ext uri="{FF2B5EF4-FFF2-40B4-BE49-F238E27FC236}">
+                <a16:creationId xmlns:a16="http://schemas.microsoft.com/office/drawing/2014/main" id="{1E1FA618-2B46-4B25-B370-0215668213F1}"/>
+              </a:ext>
+            </a:extLst>
+          </p:cNvPr>
+          <p:cNvPicPr>
+            <a:picLocks noGrp="1" noChangeAspect="1"/>
+          </p:cNvPicPr>
+          <p:nvPr>
+            <p:ph sz="half" idx="1"/>
+          </p:nvPr>
+        </p:nvPicPr>
+        <p:blipFill>
+          <a:blip r:embed="rId2"/>
+          <a:stretch>
+            <a:fillRect/>
+          </a:stretch>
+        </p:blipFill>
+        <p:spPr>
+          <a:xfrm>
+            <a:off x="550562" y="1490170"/>
+            <a:ext cx="5878983" cy="4818362"/>
+          </a:xfrm>
+        </p:spPr>
+      </p:pic>
+      <p:sp>
+        <p:nvSpPr>
+          <p:cNvPr id="4" name="Content Placeholder 3">
+            <a:extLst>
+              <a:ext uri="{FF2B5EF4-FFF2-40B4-BE49-F238E27FC236}">
+                <a16:creationId xmlns:a16="http://schemas.microsoft.com/office/drawing/2014/main" id="{05C73CEC-DF5A-4C38-83FE-FCD54662490F}"/>
+              </a:ext>
+            </a:extLst>
+          </p:cNvPr>
+          <p:cNvSpPr>
+            <a:spLocks noGrp="1"/>
+          </p:cNvSpPr>
+          <p:nvPr>
+            <p:ph sz="half" idx="2"/>
+          </p:nvPr>
+        </p:nvSpPr>
+        <p:spPr>
+          <a:xfrm>
+            <a:off x="6432078" y="1489635"/>
+            <a:ext cx="5209060" cy="4819433"/>
+          </a:xfrm>
+        </p:spPr>
+        <p:txBody>
+          <a:bodyPr vert="horz" wrap="square" lIns="0" tIns="0" rIns="0" bIns="0" rtlCol="0" anchor="t">
+            <a:normAutofit/>
+          </a:bodyPr>
+          <a:lstStyle/>
+          <a:p>
+            <a:r>
+              <a:rPr lang="en-US" sz="2200">
+                <a:solidFill>
+                  <a:srgbClr val="FFFFFF">
+                    <a:alpha val="60000"/>
+                  </a:srgbClr>
+                </a:solidFill>
+                <a:ea typeface="Source Sans Pro"/>
+              </a:rPr>
+              <a:t>The Products class selects an option from the numbered choices shown here and outputs the name of the product: Pens, price: $4.00, and quantity sold: Sold 10 for $40.00</a:t>
+            </a:r>
+            <a:endParaRPr lang="en-US"/>
+          </a:p>
+        </p:txBody>
+      </p:sp>
+    </p:spTree>
+    <p:extLst>
+      <p:ext uri="{BB962C8B-B14F-4D97-AF65-F5344CB8AC3E}">
+        <p14:creationId xmlns:p14="http://schemas.microsoft.com/office/powerpoint/2010/main" val="3053900433"/>
+      </p:ext>
+    </p:extLst>
+  </p:cSld>
+  <p:clrMapOvr>
+    <a:masterClrMapping/>
+  </p:clrMapOvr>
+  <mc:AlternateContent xmlns:mc="http://schemas.openxmlformats.org/markup-compatibility/2006">
+    <mc:Choice xmlns:p14="http://schemas.microsoft.com/office/powerpoint/2010/main" Requires="p14">
+      <p:transition spd="slow" p14:dur="1500">
+        <p:split orient="vert"/>
+      </p:transition>
+    </mc:Choice>
+    <mc:Fallback>
+      <p:transition spd="slow">
+        <p:split orient="vert"/>
+      </p:transition>
+    </mc:Fallback>
+  </mc:AlternateContent>
+</p:sld>
+</file>
+
+<file path=ppt/slides/slide13.xml><?xml version="1.0" encoding="utf-8"?>
+<p:sld xmlns:a="http://schemas.openxmlformats.org/drawingml/2006/main" xmlns:r="http://schemas.openxmlformats.org/officeDocument/2006/relationships" xmlns:p="http://schemas.openxmlformats.org/presentationml/2006/main">
+  <p:cSld>
+    <p:spTree>
+      <p:nvGrpSpPr>
+        <p:cNvPr id="1" name=""/>
+        <p:cNvGrpSpPr/>
+        <p:nvPr/>
+      </p:nvGrpSpPr>
+      <p:grpSpPr>
+        <a:xfrm>
+          <a:off x="0" y="0"/>
+          <a:ext cx="0" cy="0"/>
+          <a:chOff x="0" y="0"/>
+          <a:chExt cx="0" cy="0"/>
+        </a:xfrm>
+      </p:grpSpPr>
+      <p:sp>
+        <p:nvSpPr>
+          <p:cNvPr id="2" name="Title 1">
+            <a:extLst>
+              <a:ext uri="{FF2B5EF4-FFF2-40B4-BE49-F238E27FC236}">
+                <a16:creationId xmlns:a16="http://schemas.microsoft.com/office/drawing/2014/main" id="{0E2881E0-0627-4659-8BA4-A74DB7067C26}"/>
+              </a:ext>
+            </a:extLst>
+          </p:cNvPr>
+          <p:cNvSpPr>
+            <a:spLocks noGrp="1"/>
+          </p:cNvSpPr>
+          <p:nvPr>
+            <p:ph type="title"/>
+          </p:nvPr>
+        </p:nvSpPr>
+        <p:spPr>
+          <a:xfrm>
+            <a:off x="550863" y="549275"/>
+            <a:ext cx="11079977" cy="858325"/>
+          </a:xfrm>
+        </p:spPr>
+        <p:txBody>
+          <a:bodyPr/>
+          <a:lstStyle/>
+          <a:p>
+            <a:r>
+              <a:rPr lang="en-US"/>
+              <a:t>Clients Menu</a:t>
+            </a:r>
+          </a:p>
+        </p:txBody>
+      </p:sp>
+      <p:pic>
+        <p:nvPicPr>
+          <p:cNvPr id="5" name="Picture 5" descr="Text&#10;&#10;Description automatically generated">
+            <a:extLst>
+              <a:ext uri="{FF2B5EF4-FFF2-40B4-BE49-F238E27FC236}">
+                <a16:creationId xmlns:a16="http://schemas.microsoft.com/office/drawing/2014/main" id="{35CA0AB0-77E2-4DF4-A56A-A593E5740E4F}"/>
+              </a:ext>
+            </a:extLst>
+          </p:cNvPr>
+          <p:cNvPicPr>
+            <a:picLocks noGrp="1" noChangeAspect="1"/>
+          </p:cNvPicPr>
+          <p:nvPr>
+            <p:ph sz="half" idx="1"/>
+          </p:nvPr>
+        </p:nvPicPr>
+        <p:blipFill rotWithShape="1">
+          <a:blip r:embed="rId2"/>
+          <a:srcRect l="1014"/>
+          <a:stretch/>
+        </p:blipFill>
+        <p:spPr>
+          <a:xfrm>
+            <a:off x="622943" y="1460648"/>
+            <a:ext cx="7464185" cy="4578786"/>
+          </a:xfrm>
+        </p:spPr>
+      </p:pic>
+      <p:sp>
+        <p:nvSpPr>
+          <p:cNvPr id="4" name="Content Placeholder 3">
+            <a:extLst>
+              <a:ext uri="{FF2B5EF4-FFF2-40B4-BE49-F238E27FC236}">
+                <a16:creationId xmlns:a16="http://schemas.microsoft.com/office/drawing/2014/main" id="{DCC7FA0A-2683-41AA-910F-CB6DF57370CD}"/>
+              </a:ext>
+            </a:extLst>
+          </p:cNvPr>
+          <p:cNvSpPr>
+            <a:spLocks noGrp="1"/>
+          </p:cNvSpPr>
+          <p:nvPr>
+            <p:ph sz="half" idx="2"/>
+          </p:nvPr>
+        </p:nvSpPr>
+        <p:spPr>
+          <a:xfrm>
+            <a:off x="8089941" y="1417554"/>
+            <a:ext cx="3551197" cy="4623785"/>
+          </a:xfrm>
+        </p:spPr>
+        <p:txBody>
+          <a:bodyPr vert="horz" wrap="square" lIns="0" tIns="0" rIns="0" bIns="0" rtlCol="0" anchor="t">
+            <a:normAutofit/>
+          </a:bodyPr>
+          <a:lstStyle/>
+          <a:p>
+            <a:r>
+              <a:rPr lang="en-US">
+                <a:solidFill>
+                  <a:srgbClr val="FFFFFF">
+                    <a:alpha val="60000"/>
+                  </a:srgbClr>
+                </a:solidFill>
+                <a:ea typeface="Source Sans Pro"/>
+              </a:rPr>
+              <a:t>Here is the Dunder Mifflin Database Clients Menu along with the options used by the algorithm to add and show client information.</a:t>
+            </a:r>
+            <a:endParaRPr lang="en-US"/>
+          </a:p>
+        </p:txBody>
+      </p:sp>
+    </p:spTree>
+    <p:extLst>
+      <p:ext uri="{BB962C8B-B14F-4D97-AF65-F5344CB8AC3E}">
+        <p14:creationId xmlns:p14="http://schemas.microsoft.com/office/powerpoint/2010/main" val="573332323"/>
+      </p:ext>
+    </p:extLst>
+  </p:cSld>
+  <p:clrMapOvr>
+    <a:masterClrMapping/>
+  </p:clrMapOvr>
+  <p:transition spd="slow">
+    <p:wheel spokes="1"/>
+  </p:transition>
+</p:sld>
+</file>
+
+<file path=ppt/slides/slide14.xml><?xml version="1.0" encoding="utf-8"?>
+<p:sld xmlns:a="http://schemas.openxmlformats.org/drawingml/2006/main" xmlns:r="http://schemas.openxmlformats.org/officeDocument/2006/relationships" xmlns:p="http://schemas.openxmlformats.org/presentationml/2006/main">
+  <p:cSld>
+    <p:spTree>
+      <p:nvGrpSpPr>
+        <p:cNvPr id="1" name=""/>
+        <p:cNvGrpSpPr/>
+        <p:nvPr/>
+      </p:nvGrpSpPr>
+      <p:grpSpPr>
+        <a:xfrm>
+          <a:off x="0" y="0"/>
+          <a:ext cx="0" cy="0"/>
+          <a:chOff x="0" y="0"/>
+          <a:chExt cx="0" cy="0"/>
+        </a:xfrm>
+      </p:grpSpPr>
+      <p:sp>
+        <p:nvSpPr>
+          <p:cNvPr id="2" name="Title 1">
+            <a:extLst>
+              <a:ext uri="{FF2B5EF4-FFF2-40B4-BE49-F238E27FC236}">
+                <a16:creationId xmlns:a16="http://schemas.microsoft.com/office/drawing/2014/main" id="{56A952D7-BBB5-4B50-92B3-9CAE683F3D11}"/>
+              </a:ext>
+            </a:extLst>
+          </p:cNvPr>
+          <p:cNvSpPr>
+            <a:spLocks noGrp="1"/>
+          </p:cNvSpPr>
+          <p:nvPr>
+            <p:ph type="title"/>
+          </p:nvPr>
+        </p:nvSpPr>
+        <p:spPr>
+          <a:xfrm>
+            <a:off x="550863" y="549275"/>
+            <a:ext cx="11079977" cy="827433"/>
+          </a:xfrm>
+        </p:spPr>
+        <p:txBody>
+          <a:bodyPr/>
+          <a:lstStyle/>
+          <a:p>
+            <a:r>
+              <a:rPr lang="en-US"/>
+              <a:t>Client Information</a:t>
+            </a:r>
+          </a:p>
+        </p:txBody>
+      </p:sp>
+      <p:pic>
+        <p:nvPicPr>
+          <p:cNvPr id="5" name="Picture 5" descr="Text&#10;&#10;Description automatically generated">
+            <a:extLst>
+              <a:ext uri="{FF2B5EF4-FFF2-40B4-BE49-F238E27FC236}">
+                <a16:creationId xmlns:a16="http://schemas.microsoft.com/office/drawing/2014/main" id="{CFF2EA56-66AC-492F-B906-CEEE8D0F1C7E}"/>
+              </a:ext>
+            </a:extLst>
+          </p:cNvPr>
+          <p:cNvPicPr>
+            <a:picLocks noGrp="1" noChangeAspect="1"/>
+          </p:cNvPicPr>
+          <p:nvPr>
+            <p:ph sz="half" idx="1"/>
+          </p:nvPr>
+        </p:nvPicPr>
+        <p:blipFill rotWithShape="1">
+          <a:blip r:embed="rId2"/>
+          <a:srcRect l="917" b="15"/>
+          <a:stretch/>
+        </p:blipFill>
+        <p:spPr>
+          <a:xfrm>
+            <a:off x="612646" y="1550947"/>
+            <a:ext cx="6671236" cy="4703640"/>
+          </a:xfrm>
+        </p:spPr>
+      </p:pic>
+      <p:sp>
+        <p:nvSpPr>
+          <p:cNvPr id="4" name="Content Placeholder 3">
+            <a:extLst>
+              <a:ext uri="{FF2B5EF4-FFF2-40B4-BE49-F238E27FC236}">
+                <a16:creationId xmlns:a16="http://schemas.microsoft.com/office/drawing/2014/main" id="{4E8082D8-ED8C-47BF-AE65-106DA28C0CDB}"/>
+              </a:ext>
+            </a:extLst>
+          </p:cNvPr>
+          <p:cNvSpPr>
+            <a:spLocks noGrp="1"/>
+          </p:cNvSpPr>
+          <p:nvPr>
+            <p:ph sz="half" idx="2"/>
+          </p:nvPr>
+        </p:nvSpPr>
+        <p:spPr>
+          <a:xfrm>
+            <a:off x="7358835" y="1551419"/>
+            <a:ext cx="4282303" cy="4706162"/>
+          </a:xfrm>
+        </p:spPr>
+        <p:txBody>
+          <a:bodyPr vert="horz" wrap="square" lIns="0" tIns="0" rIns="0" bIns="0" rtlCol="0" anchor="t">
+            <a:normAutofit/>
+          </a:bodyPr>
+          <a:lstStyle/>
+          <a:p>
+            <a:r>
+              <a:rPr lang="en-US">
+                <a:solidFill>
+                  <a:srgbClr val="FFFFFF">
+                    <a:alpha val="60000"/>
+                  </a:srgbClr>
+                </a:solidFill>
+                <a:ea typeface="Source Sans Pro"/>
+              </a:rPr>
+              <a:t>Shown here is the Clients programming class compiling Option 2 to output the information of Creed Bratton along with his home address and money amount.</a:t>
+            </a:r>
+            <a:endParaRPr lang="en-US"/>
+          </a:p>
+        </p:txBody>
+      </p:sp>
+    </p:spTree>
+    <p:extLst>
+      <p:ext uri="{BB962C8B-B14F-4D97-AF65-F5344CB8AC3E}">
+        <p14:creationId xmlns:p14="http://schemas.microsoft.com/office/powerpoint/2010/main" val="1131109002"/>
+      </p:ext>
+    </p:extLst>
+  </p:cSld>
+  <p:clrMapOvr>
+    <a:masterClrMapping/>
+  </p:clrMapOvr>
+  <mc:AlternateContent xmlns:mc="http://schemas.openxmlformats.org/markup-compatibility/2006">
+    <mc:Choice xmlns:p15="http://schemas.microsoft.com/office/powerpoint/2012/main" Requires="p15">
+      <p:transition xmlns:p14="http://schemas.microsoft.com/office/powerpoint/2010/main" spd="slow" p14:dur="2000">
+        <p15:prstTrans prst="wind"/>
+      </p:transition>
+    </mc:Choice>
+    <mc:Fallback>
+      <p:transition spd="slow">
+        <p:fade/>
+      </p:transition>
+    </mc:Fallback>
+  </mc:AlternateContent>
+</p:sld>
+</file>
+
 <file path=ppt/slides/slide2.xml><?xml version="1.0" encoding="utf-8"?>
 <p:sld xmlns:a="http://schemas.openxmlformats.org/drawingml/2006/main" xmlns:r="http://schemas.openxmlformats.org/officeDocument/2006/relationships" xmlns:p="http://schemas.openxmlformats.org/presentationml/2006/main">
   <p:cSld>
@@ -8613,7 +10417,12 @@
             <p:ph type="title"/>
           </p:nvPr>
         </p:nvSpPr>
-        <p:spPr/>
+        <p:spPr>
+          <a:xfrm>
+            <a:off x="550862" y="549275"/>
+            <a:ext cx="11091600" cy="1023081"/>
+          </a:xfrm>
+        </p:spPr>
         <p:txBody>
           <a:bodyPr>
             <a:normAutofit fontScale="90000"/>
@@ -8621,17 +10430,13 @@
           <a:lstStyle/>
           <a:p>
             <a:r>
-              <a:rPr lang="en-US" dirty="0" err="1"/>
-              <a:t>Dunder</a:t>
-            </a:r>
-            <a:r>
-              <a:rPr lang="en-US" dirty="0"/>
-              <a:t> Mifflin Database</a:t>
+              <a:rPr lang="en-US"/>
+              <a:t>Dunder Mifflin Office Supplies</a:t>
             </a:r>
             <a:br>
-              <a:rPr lang="en-US" dirty="0"/>
+              <a:rPr lang="en-US"/>
             </a:br>
-            <a:endParaRPr lang="en-US" dirty="0"/>
+            <a:endParaRPr lang="en-US"/>
           </a:p>
         </p:txBody>
       </p:sp>
@@ -8651,19 +10456,30 @@
             <p:ph idx="1"/>
           </p:nvPr>
         </p:nvSpPr>
-        <p:spPr/>
+        <p:spPr>
+          <a:xfrm>
+            <a:off x="550863" y="1711605"/>
+            <a:ext cx="11090274" cy="4381219"/>
+          </a:xfrm>
+        </p:spPr>
         <p:txBody>
-          <a:bodyPr/>
+          <a:bodyPr vert="horz" wrap="square" lIns="0" tIns="0" rIns="0" bIns="0" rtlCol="0" anchor="t">
+            <a:normAutofit/>
+          </a:bodyPr>
           <a:lstStyle/>
           <a:p>
             <a:r>
-              <a:rPr lang="en-US" dirty="0" err="1"/>
-              <a:t>Dunder</a:t>
+              <a:rPr lang="en-US" sz="2400"/>
+              <a:t>Dunder Mifflin Database systems is an organization in which office supplies are sold through algorithms, contacting sales representatives, and monthly sales are stored and called through programming classes known as Sales, Products, Clients,  and Sales Representatives. </a:t>
             </a:r>
-            <a:r>
-              <a:rPr lang="en-US" dirty="0"/>
-              <a:t> Mifflin Database systems is an organization in which office supplies are sold </a:t>
-            </a:r>
+            <a:endParaRPr lang="en-US" sz="2400">
+              <a:solidFill>
+                <a:srgbClr val="FFFFFF">
+                  <a:alpha val="60000"/>
+                </a:srgbClr>
+              </a:solidFill>
+              <a:ea typeface="Source Sans Pro"/>
+            </a:endParaRPr>
           </a:p>
         </p:txBody>
       </p:sp>
@@ -8714,7 +10530,7 @@
           <p:cNvPr id="2" name="Title 1">
             <a:extLst>
               <a:ext uri="{FF2B5EF4-FFF2-40B4-BE49-F238E27FC236}">
-                <a16:creationId xmlns:a16="http://schemas.microsoft.com/office/drawing/2014/main" id="{BB736461-28E6-4233-B00E-A3D1E6921EA4}"/>
+                <a16:creationId xmlns:a16="http://schemas.microsoft.com/office/drawing/2014/main" id="{7F3C0A4C-4A91-433B-847C-5942EA2BADAF}"/>
               </a:ext>
             </a:extLst>
           </p:cNvPr>
@@ -8725,26 +10541,29 @@
             <p:ph type="title"/>
           </p:nvPr>
         </p:nvSpPr>
-        <p:spPr/>
+        <p:spPr>
+          <a:xfrm>
+            <a:off x="550862" y="549275"/>
+            <a:ext cx="11091600" cy="951001"/>
+          </a:xfrm>
+        </p:spPr>
         <p:txBody>
-          <a:bodyPr>
-            <a:normAutofit/>
-          </a:bodyPr>
+          <a:bodyPr/>
           <a:lstStyle/>
           <a:p>
             <a:r>
-              <a:rPr lang="en-US" sz="4800" dirty="0"/>
-              <a:t>Clients</a:t>
+              <a:rPr lang="en-US"/>
+              <a:t>Roles</a:t>
             </a:r>
           </a:p>
         </p:txBody>
       </p:sp>
       <p:sp>
         <p:nvSpPr>
-          <p:cNvPr id="3" name="Picture Placeholder 2">
+          <p:cNvPr id="3" name="Content Placeholder 2">
             <a:extLst>
               <a:ext uri="{FF2B5EF4-FFF2-40B4-BE49-F238E27FC236}">
-                <a16:creationId xmlns:a16="http://schemas.microsoft.com/office/drawing/2014/main" id="{C8EDB5C3-F8E9-4C24-9BFF-2738EE0CDE62}"/>
+                <a16:creationId xmlns:a16="http://schemas.microsoft.com/office/drawing/2014/main" id="{6820E6FE-8F8B-4E7A-947F-FE2EF8111AC8}"/>
               </a:ext>
             </a:extLst>
           </p:cNvPr>
@@ -8752,40 +10571,140 @@
             <a:spLocks noGrp="1"/>
           </p:cNvSpPr>
           <p:nvPr>
-            <p:ph type="pic" idx="1"/>
+            <p:ph idx="1"/>
           </p:nvPr>
         </p:nvSpPr>
-        <p:spPr/>
-      </p:sp>
-      <p:sp>
-        <p:nvSpPr>
-          <p:cNvPr id="4" name="Text Placeholder 3">
-            <a:extLst>
-              <a:ext uri="{FF2B5EF4-FFF2-40B4-BE49-F238E27FC236}">
-                <a16:creationId xmlns:a16="http://schemas.microsoft.com/office/drawing/2014/main" id="{537F9C93-DDBA-4169-995D-50409DDE938A}"/>
-              </a:ext>
-            </a:extLst>
-          </p:cNvPr>
-          <p:cNvSpPr>
-            <a:spLocks noGrp="1"/>
-          </p:cNvSpPr>
-          <p:nvPr>
-            <p:ph type="body" sz="half" idx="2"/>
-          </p:nvPr>
-        </p:nvSpPr>
-        <p:spPr/>
+        <p:spPr>
+          <a:xfrm>
+            <a:off x="550863" y="1505659"/>
+            <a:ext cx="11090274" cy="4587165"/>
+          </a:xfrm>
+        </p:spPr>
         <p:txBody>
-          <a:bodyPr/>
+          <a:bodyPr vert="horz" wrap="square" lIns="0" tIns="0" rIns="0" bIns="0" rtlCol="0" anchor="t">
+            <a:normAutofit/>
+          </a:bodyPr>
           <a:lstStyle/>
           <a:p>
-            <a:endParaRPr lang="en-US"/>
+            <a:pPr>
+              <a:lnSpc>
+                <a:spcPct val="100000"/>
+              </a:lnSpc>
+            </a:pPr>
+            <a:r>
+              <a:rPr lang="en-US" sz="2400">
+                <a:ea typeface="+mn-lt"/>
+                <a:cs typeface="+mn-lt"/>
+              </a:rPr>
+              <a:t>Raul Gutierrez – Sales Representatives designer/code developer  </a:t>
+            </a:r>
+            <a:endParaRPr lang="en-US" sz="2400">
+              <a:solidFill>
+                <a:srgbClr val="FFFFFF">
+                  <a:alpha val="60000"/>
+                </a:srgbClr>
+              </a:solidFill>
+              <a:ea typeface="+mn-lt"/>
+              <a:cs typeface="+mn-lt"/>
+            </a:endParaRPr>
+          </a:p>
+          <a:p>
+            <a:pPr>
+              <a:lnSpc>
+                <a:spcPct val="100000"/>
+              </a:lnSpc>
+            </a:pPr>
+            <a:r>
+              <a:rPr lang="en-US" sz="2400">
+                <a:ea typeface="+mn-lt"/>
+                <a:cs typeface="+mn-lt"/>
+              </a:rPr>
+              <a:t>Aaron Caldwell – Products class designer/code developer  </a:t>
+            </a:r>
+            <a:endParaRPr lang="en-US" sz="2400">
+              <a:solidFill>
+                <a:srgbClr val="FFFFFF">
+                  <a:alpha val="60000"/>
+                </a:srgbClr>
+              </a:solidFill>
+              <a:ea typeface="+mn-lt"/>
+              <a:cs typeface="+mn-lt"/>
+            </a:endParaRPr>
+          </a:p>
+          <a:p>
+            <a:pPr>
+              <a:lnSpc>
+                <a:spcPct val="100000"/>
+              </a:lnSpc>
+            </a:pPr>
+            <a:r>
+              <a:rPr lang="en-US" sz="2400">
+                <a:ea typeface="+mn-lt"/>
+                <a:cs typeface="+mn-lt"/>
+              </a:rPr>
+              <a:t>Michael Nguyen – Sales Menu &amp; History designer/code developer</a:t>
+            </a:r>
+            <a:endParaRPr lang="en-US" sz="2400">
+              <a:solidFill>
+                <a:srgbClr val="FFFFFF">
+                  <a:alpha val="60000"/>
+                </a:srgbClr>
+              </a:solidFill>
+              <a:ea typeface="+mn-lt"/>
+              <a:cs typeface="+mn-lt"/>
+            </a:endParaRPr>
+          </a:p>
+          <a:p>
+            <a:pPr>
+              <a:lnSpc>
+                <a:spcPct val="100000"/>
+              </a:lnSpc>
+            </a:pPr>
+            <a:r>
+              <a:rPr lang="en-US" sz="2400">
+                <a:ea typeface="+mn-lt"/>
+                <a:cs typeface="+mn-lt"/>
+              </a:rPr>
+              <a:t>Stephanie Delgado -  Client Information designer/code developer</a:t>
+            </a:r>
+            <a:endParaRPr lang="en-US" sz="2400">
+              <a:solidFill>
+                <a:srgbClr val="FFFFFF">
+                  <a:alpha val="60000"/>
+                </a:srgbClr>
+              </a:solidFill>
+              <a:ea typeface="+mn-lt"/>
+              <a:cs typeface="+mn-lt"/>
+            </a:endParaRPr>
+          </a:p>
+          <a:p>
+            <a:pPr>
+              <a:lnSpc>
+                <a:spcPct val="100000"/>
+              </a:lnSpc>
+            </a:pPr>
+            <a:r>
+              <a:rPr lang="en-US" sz="2400">
+                <a:ea typeface="+mn-lt"/>
+                <a:cs typeface="+mn-lt"/>
+              </a:rPr>
+              <a:t>Jonathan Escobedo – Project Presentation creator/designer</a:t>
+            </a:r>
+            <a:endParaRPr lang="en-US" sz="2400">
+              <a:solidFill>
+                <a:srgbClr val="FFFFFF">
+                  <a:alpha val="60000"/>
+                </a:srgbClr>
+              </a:solidFill>
+              <a:ea typeface="Source Sans Pro"/>
+            </a:endParaRPr>
           </a:p>
         </p:txBody>
       </p:sp>
     </p:spTree>
     <p:extLst>
       <p:ext uri="{BB962C8B-B14F-4D97-AF65-F5344CB8AC3E}">
-        <p14:creationId xmlns:p14="http://schemas.microsoft.com/office/powerpoint/2010/main" val="1616419267"/>
+        <p14:creationId xmlns:p14="http://schemas.microsoft.com/office/powerpoint/2010/main" val="1377821038"/>
       </p:ext>
     </p:extLst>
   </p:cSld>
@@ -8793,9 +10712,9 @@
     <a:masterClrMapping/>
   </p:clrMapOvr>
   <mc:AlternateContent xmlns:mc="http://schemas.openxmlformats.org/markup-compatibility/2006">
-    <mc:Choice xmlns:p14="http://schemas.microsoft.com/office/powerpoint/2010/main" Requires="p14">
-      <p:transition spd="slow" p14:dur="3400">
-        <p14:reveal/>
+    <mc:Choice xmlns:p15="http://schemas.microsoft.com/office/powerpoint/2012/main" Requires="p15">
+      <p:transition xmlns:p14="http://schemas.microsoft.com/office/powerpoint/2010/main" spd="slow" p14:dur="1250">
+        <p15:prstTrans prst="peelOff"/>
       </p:transition>
     </mc:Choice>
     <mc:Fallback>
@@ -8810,6 +10729,14 @@
 <file path=ppt/slides/slide4.xml><?xml version="1.0" encoding="utf-8"?>
 <p:sld xmlns:a="http://schemas.openxmlformats.org/drawingml/2006/main" xmlns:r="http://schemas.openxmlformats.org/officeDocument/2006/relationships" xmlns:p="http://schemas.openxmlformats.org/presentationml/2006/main">
   <p:cSld>
+    <p:bg>
+      <p:bgPr>
+        <a:solidFill>
+          <a:schemeClr val="bg2"/>
+        </a:solidFill>
+        <a:effectLst/>
+      </p:bgPr>
+    </p:bg>
     <p:spTree>
       <p:nvGrpSpPr>
         <p:cNvPr id="1" name=""/>
@@ -8824,12 +10751,88 @@
           <a:chExt cx="0" cy="0"/>
         </a:xfrm>
       </p:grpSpPr>
+      <p:sp useBgFill="1">
+        <p:nvSpPr>
+          <p:cNvPr id="10" name="Rectangle 9">
+            <a:extLst>
+              <a:ext uri="{FF2B5EF4-FFF2-40B4-BE49-F238E27FC236}">
+                <a16:creationId xmlns:a16="http://schemas.microsoft.com/office/drawing/2014/main" id="{A5931BE0-4B93-4D6C-878E-ACC59D6B4587}"/>
+              </a:ext>
+              <a:ext uri="{C183D7F6-B498-43B3-948B-1728B52AA6E4}">
+                <adec:decorative xmlns:adec="http://schemas.microsoft.com/office/drawing/2017/decorative" val="1"/>
+              </a:ext>
+            </a:extLst>
+          </p:cNvPr>
+          <p:cNvSpPr>
+            <a:spLocks noGrp="1" noRot="1" noChangeAspect="1" noMove="1" noResize="1" noEditPoints="1" noAdjustHandles="1" noChangeArrowheads="1" noChangeShapeType="1" noTextEdit="1"/>
+          </p:cNvSpPr>
+          <p:nvPr>
+            <p:extLst>
+              <p:ext uri="{386F3935-93C4-4BCD-93E2-E3B085C9AB24}">
+                <p16:designElem xmlns:p16="http://schemas.microsoft.com/office/powerpoint/2015/main" val="1"/>
+              </p:ext>
+            </p:extLst>
+          </p:nvPr>
+        </p:nvSpPr>
+        <p:spPr>
+          <a:xfrm>
+            <a:off x="0" y="0"/>
+            <a:ext cx="12192000" cy="6858000"/>
+          </a:xfrm>
+          <a:prstGeom prst="rect">
+            <a:avLst/>
+          </a:prstGeom>
+          <a:ln w="12700" cap="flat" cmpd="sng" algn="ctr">
+            <a:noFill/>
+            <a:prstDash val="solid"/>
+            <a:miter lim="800000"/>
+          </a:ln>
+          <a:effectLst/>
+          <a:extLst>
+            <a:ext uri="{91240B29-F687-4F45-9708-019B960494DF}">
+              <a14:hiddenLine xmlns:a14="http://schemas.microsoft.com/office/drawing/2010/main" w="12700" cap="flat" cmpd="sng" algn="ctr">
+                <a:solidFill>
+                  <a:schemeClr val="accent1">
+                    <a:shade val="50000"/>
+                  </a:schemeClr>
+                </a:solidFill>
+                <a:prstDash val="solid"/>
+                <a:miter lim="800000"/>
+              </a14:hiddenLine>
+            </a:ext>
+          </a:extLst>
+        </p:spPr>
+        <p:style>
+          <a:lnRef idx="2">
+            <a:schemeClr val="accent1">
+              <a:shade val="50000"/>
+            </a:schemeClr>
+          </a:lnRef>
+          <a:fillRef idx="1">
+            <a:schemeClr val="accent1"/>
+          </a:fillRef>
+          <a:effectRef idx="0">
+            <a:schemeClr val="accent1"/>
+          </a:effectRef>
+          <a:fontRef idx="minor">
+            <a:schemeClr val="lt1"/>
+          </a:fontRef>
+        </p:style>
+        <p:txBody>
+          <a:bodyPr rtlCol="0" anchor="ctr"/>
+          <a:lstStyle/>
+          <a:p>
+            <a:pPr algn="ctr"/>
+            <a:endParaRPr lang="en-US"/>
+          </a:p>
+        </p:txBody>
+      </p:sp>
       <p:sp>
         <p:nvSpPr>
           <p:cNvPr id="2" name="Title 1">
             <a:extLst>
               <a:ext uri="{FF2B5EF4-FFF2-40B4-BE49-F238E27FC236}">
-                <a16:creationId xmlns:a16="http://schemas.microsoft.com/office/drawing/2014/main" id="{380FF145-197E-406D-AABF-E44B3A2E20BB}"/>
+                <a16:creationId xmlns:a16="http://schemas.microsoft.com/office/drawing/2014/main" id="{9EBD3D8E-0492-4909-ACB4-59D0E0157FF3}"/>
               </a:ext>
             </a:extLst>
           </p:cNvPr>
@@ -8840,72 +10843,669 @@
             <p:ph type="title"/>
           </p:nvPr>
         </p:nvSpPr>
-        <p:spPr/>
+        <p:spPr>
+          <a:xfrm>
+            <a:off x="540565" y="580363"/>
+            <a:ext cx="5447485" cy="818191"/>
+          </a:xfrm>
+        </p:spPr>
         <p:txBody>
-          <a:bodyPr/>
+          <a:bodyPr vert="horz" wrap="square" lIns="0" tIns="0" rIns="0" bIns="0" rtlCol="0" anchor="t" anchorCtr="0">
+            <a:normAutofit/>
+          </a:bodyPr>
           <a:lstStyle/>
           <a:p>
             <a:r>
-              <a:rPr lang="en-US" dirty="0"/>
-              <a:t>Sales Representatives</a:t>
+              <a:rPr lang="en-US"/>
+              <a:t>Main Menu</a:t>
             </a:r>
           </a:p>
         </p:txBody>
       </p:sp>
+      <p:grpSp>
+        <p:nvGrpSpPr>
+          <p:cNvPr id="12" name="Group 11">
+            <a:extLst>
+              <a:ext uri="{FF2B5EF4-FFF2-40B4-BE49-F238E27FC236}">
+                <a16:creationId xmlns:a16="http://schemas.microsoft.com/office/drawing/2014/main" id="{D0342557-9691-41B1-9FFF-027845ED041F}"/>
+              </a:ext>
+              <a:ext uri="{C183D7F6-B498-43B3-948B-1728B52AA6E4}">
+                <adec:decorative xmlns:adec="http://schemas.microsoft.com/office/drawing/2017/decorative" val="1"/>
+              </a:ext>
+            </a:extLst>
+          </p:cNvPr>
+          <p:cNvGrpSpPr>
+            <a:grpSpLocks noGrp="1" noUngrp="1" noRot="1" noChangeAspect="1" noMove="1" noResize="1"/>
+          </p:cNvGrpSpPr>
+          <p:nvPr>
+            <p:extLst>
+              <p:ext uri="{386F3935-93C4-4BCD-93E2-E3B085C9AB24}">
+                <p16:designElem xmlns:p16="http://schemas.microsoft.com/office/powerpoint/2015/main" val="1"/>
+              </p:ext>
+            </p:extLst>
+          </p:nvPr>
+        </p:nvGrpSpPr>
+        <p:grpSpPr>
+          <a:xfrm>
+            <a:off x="940971" y="1982786"/>
+            <a:ext cx="734257" cy="760506"/>
+            <a:chOff x="5243759" y="1363788"/>
+            <a:chExt cx="734257" cy="760506"/>
+          </a:xfrm>
+        </p:grpSpPr>
+        <p:sp>
+          <p:nvSpPr>
+            <p:cNvPr id="13" name="Freeform 5">
+              <a:extLst>
+                <a:ext uri="{FF2B5EF4-FFF2-40B4-BE49-F238E27FC236}">
+                  <a16:creationId xmlns:a16="http://schemas.microsoft.com/office/drawing/2014/main" id="{086D6FFF-B330-42B3-9F1F-607CECF8D90F}"/>
+                </a:ext>
+                <a:ext uri="{C183D7F6-B498-43B3-948B-1728B52AA6E4}">
+                  <adec:decorative xmlns:adec="http://schemas.microsoft.com/office/drawing/2017/decorative" val="1"/>
+                </a:ext>
+              </a:extLst>
+            </p:cNvPr>
+            <p:cNvSpPr>
+              <a:spLocks/>
+            </p:cNvSpPr>
+            <p:nvPr>
+              <p:extLst>
+                <p:ext uri="{386F3935-93C4-4BCD-93E2-E3B085C9AB24}">
+                  <p16:designElem xmlns:p16="http://schemas.microsoft.com/office/powerpoint/2015/main" val="1"/>
+                </p:ext>
+              </p:extLst>
+            </p:nvPr>
+          </p:nvSpPr>
+          <p:spPr bwMode="auto">
+            <a:xfrm rot="1800000">
+              <a:off x="5356930" y="1363788"/>
+              <a:ext cx="621086" cy="364601"/>
+            </a:xfrm>
+            <a:custGeom>
+              <a:avLst/>
+              <a:gdLst>
+                <a:gd name="T0" fmla="*/ 266 w 540"/>
+                <a:gd name="T1" fmla="*/ 0 h 317"/>
+                <a:gd name="T2" fmla="*/ 0 w 540"/>
+                <a:gd name="T3" fmla="*/ 158 h 317"/>
+                <a:gd name="T4" fmla="*/ 266 w 540"/>
+                <a:gd name="T5" fmla="*/ 317 h 317"/>
+                <a:gd name="T6" fmla="*/ 540 w 540"/>
+                <a:gd name="T7" fmla="*/ 158 h 317"/>
+                <a:gd name="T8" fmla="*/ 266 w 540"/>
+                <a:gd name="T9" fmla="*/ 0 h 317"/>
+              </a:gdLst>
+              <a:ahLst/>
+              <a:cxnLst>
+                <a:cxn ang="0">
+                  <a:pos x="T0" y="T1"/>
+                </a:cxn>
+                <a:cxn ang="0">
+                  <a:pos x="T2" y="T3"/>
+                </a:cxn>
+                <a:cxn ang="0">
+                  <a:pos x="T4" y="T5"/>
+                </a:cxn>
+                <a:cxn ang="0">
+                  <a:pos x="T6" y="T7"/>
+                </a:cxn>
+                <a:cxn ang="0">
+                  <a:pos x="T8" y="T9"/>
+                </a:cxn>
+              </a:cxnLst>
+              <a:rect l="0" t="0" r="r" b="b"/>
+              <a:pathLst>
+                <a:path w="540" h="317">
+                  <a:moveTo>
+                    <a:pt x="266" y="0"/>
+                  </a:moveTo>
+                  <a:lnTo>
+                    <a:pt x="0" y="158"/>
+                  </a:lnTo>
+                  <a:lnTo>
+                    <a:pt x="266" y="317"/>
+                  </a:lnTo>
+                  <a:lnTo>
+                    <a:pt x="540" y="158"/>
+                  </a:lnTo>
+                  <a:lnTo>
+                    <a:pt x="266" y="0"/>
+                  </a:lnTo>
+                  <a:close/>
+                </a:path>
+              </a:pathLst>
+            </a:custGeom>
+            <a:gradFill flip="none" rotWithShape="1">
+              <a:gsLst>
+                <a:gs pos="20000">
+                  <a:schemeClr val="bg2">
+                    <a:lumMod val="90000"/>
+                    <a:lumOff val="10000"/>
+                    <a:alpha val="20000"/>
+                  </a:schemeClr>
+                </a:gs>
+                <a:gs pos="100000">
+                  <a:schemeClr val="accent1">
+                    <a:lumMod val="60000"/>
+                    <a:lumOff val="40000"/>
+                    <a:alpha val="20000"/>
+                  </a:schemeClr>
+                </a:gs>
+              </a:gsLst>
+              <a:lin ang="0" scaled="0"/>
+              <a:tileRect/>
+            </a:gradFill>
+            <a:ln>
+              <a:noFill/>
+            </a:ln>
+            <a:effectLst>
+              <a:innerShdw blurRad="254000">
+                <a:schemeClr val="bg2">
+                  <a:lumMod val="90000"/>
+                  <a:lumOff val="10000"/>
+                </a:schemeClr>
+              </a:innerShdw>
+            </a:effectLst>
+          </p:spPr>
+          <p:style>
+            <a:lnRef idx="2">
+              <a:schemeClr val="accent1">
+                <a:shade val="50000"/>
+              </a:schemeClr>
+            </a:lnRef>
+            <a:fillRef idx="1">
+              <a:schemeClr val="accent1"/>
+            </a:fillRef>
+            <a:effectRef idx="0">
+              <a:schemeClr val="accent1"/>
+            </a:effectRef>
+            <a:fontRef idx="minor">
+              <a:schemeClr val="lt1"/>
+            </a:fontRef>
+          </p:style>
+          <p:txBody>
+            <a:bodyPr rot="0" spcFirstLastPara="0" vertOverflow="overflow" horzOverflow="overflow" vert="horz" wrap="square" lIns="91440" tIns="45720" rIns="91440" bIns="45720" numCol="1" spcCol="0" rtlCol="0" fromWordArt="0" anchor="ctr" anchorCtr="0" forceAA="0" compatLnSpc="1">
+              <a:prstTxWarp prst="textNoShape">
+                <a:avLst/>
+              </a:prstTxWarp>
+              <a:noAutofit/>
+            </a:bodyPr>
+            <a:lstStyle/>
+            <a:p>
+              <a:pPr algn="ctr"/>
+              <a:endParaRPr lang="en-US"/>
+            </a:p>
+          </p:txBody>
+        </p:sp>
+        <p:sp>
+          <p:nvSpPr>
+            <p:cNvPr id="14" name="Freeform 6">
+              <a:extLst>
+                <a:ext uri="{FF2B5EF4-FFF2-40B4-BE49-F238E27FC236}">
+                  <a16:creationId xmlns:a16="http://schemas.microsoft.com/office/drawing/2014/main" id="{8D054D43-E740-4CA9-8197-85FBE2ECCE38}"/>
+                </a:ext>
+                <a:ext uri="{C183D7F6-B498-43B3-948B-1728B52AA6E4}">
+                  <adec:decorative xmlns:adec="http://schemas.microsoft.com/office/drawing/2017/decorative" val="1"/>
+                </a:ext>
+              </a:extLst>
+            </p:cNvPr>
+            <p:cNvSpPr>
+              <a:spLocks/>
+            </p:cNvSpPr>
+            <p:nvPr>
+              <p:extLst>
+                <p:ext uri="{386F3935-93C4-4BCD-93E2-E3B085C9AB24}">
+                  <p16:designElem xmlns:p16="http://schemas.microsoft.com/office/powerpoint/2015/main" val="1"/>
+                </p:ext>
+              </p:extLst>
+            </p:nvPr>
+          </p:nvSpPr>
+          <p:spPr bwMode="auto">
+            <a:xfrm rot="1800000">
+              <a:off x="5243759" y="1430747"/>
+              <a:ext cx="305942" cy="538275"/>
+            </a:xfrm>
+            <a:custGeom>
+              <a:avLst/>
+              <a:gdLst>
+                <a:gd name="T0" fmla="*/ 266 w 266"/>
+                <a:gd name="T1" fmla="*/ 468 h 468"/>
+                <a:gd name="T2" fmla="*/ 0 w 266"/>
+                <a:gd name="T3" fmla="*/ 310 h 468"/>
+                <a:gd name="T4" fmla="*/ 0 w 266"/>
+                <a:gd name="T5" fmla="*/ 310 h 468"/>
+                <a:gd name="T6" fmla="*/ 0 w 266"/>
+                <a:gd name="T7" fmla="*/ 0 h 468"/>
+                <a:gd name="T8" fmla="*/ 0 w 266"/>
+                <a:gd name="T9" fmla="*/ 0 h 468"/>
+                <a:gd name="T10" fmla="*/ 266 w 266"/>
+                <a:gd name="T11" fmla="*/ 159 h 468"/>
+                <a:gd name="T12" fmla="*/ 266 w 266"/>
+                <a:gd name="T13" fmla="*/ 468 h 468"/>
+              </a:gdLst>
+              <a:ahLst/>
+              <a:cxnLst>
+                <a:cxn ang="0">
+                  <a:pos x="T0" y="T1"/>
+                </a:cxn>
+                <a:cxn ang="0">
+                  <a:pos x="T2" y="T3"/>
+                </a:cxn>
+                <a:cxn ang="0">
+                  <a:pos x="T4" y="T5"/>
+                </a:cxn>
+                <a:cxn ang="0">
+                  <a:pos x="T6" y="T7"/>
+                </a:cxn>
+                <a:cxn ang="0">
+                  <a:pos x="T8" y="T9"/>
+                </a:cxn>
+                <a:cxn ang="0">
+                  <a:pos x="T10" y="T11"/>
+                </a:cxn>
+                <a:cxn ang="0">
+                  <a:pos x="T12" y="T13"/>
+                </a:cxn>
+              </a:cxnLst>
+              <a:rect l="0" t="0" r="r" b="b"/>
+              <a:pathLst>
+                <a:path w="266" h="468">
+                  <a:moveTo>
+                    <a:pt x="266" y="468"/>
+                  </a:moveTo>
+                  <a:lnTo>
+                    <a:pt x="0" y="310"/>
+                  </a:lnTo>
+                  <a:lnTo>
+                    <a:pt x="0" y="310"/>
+                  </a:lnTo>
+                  <a:lnTo>
+                    <a:pt x="0" y="0"/>
+                  </a:lnTo>
+                  <a:lnTo>
+                    <a:pt x="0" y="0"/>
+                  </a:lnTo>
+                  <a:lnTo>
+                    <a:pt x="266" y="159"/>
+                  </a:lnTo>
+                  <a:lnTo>
+                    <a:pt x="266" y="468"/>
+                  </a:lnTo>
+                  <a:close/>
+                </a:path>
+              </a:pathLst>
+            </a:custGeom>
+            <a:gradFill flip="none" rotWithShape="1">
+              <a:gsLst>
+                <a:gs pos="20000">
+                  <a:schemeClr val="bg2">
+                    <a:lumMod val="90000"/>
+                    <a:lumOff val="10000"/>
+                    <a:alpha val="20000"/>
+                  </a:schemeClr>
+                </a:gs>
+                <a:gs pos="100000">
+                  <a:schemeClr val="accent1">
+                    <a:lumMod val="60000"/>
+                    <a:lumOff val="40000"/>
+                    <a:alpha val="20000"/>
+                  </a:schemeClr>
+                </a:gs>
+              </a:gsLst>
+              <a:lin ang="19800000" scaled="0"/>
+              <a:tileRect/>
+            </a:gradFill>
+            <a:ln>
+              <a:noFill/>
+            </a:ln>
+            <a:effectLst>
+              <a:innerShdw blurRad="254000">
+                <a:schemeClr val="bg2">
+                  <a:lumMod val="90000"/>
+                  <a:lumOff val="10000"/>
+                </a:schemeClr>
+              </a:innerShdw>
+            </a:effectLst>
+          </p:spPr>
+          <p:style>
+            <a:lnRef idx="2">
+              <a:schemeClr val="accent1">
+                <a:shade val="50000"/>
+              </a:schemeClr>
+            </a:lnRef>
+            <a:fillRef idx="1">
+              <a:schemeClr val="accent1"/>
+            </a:fillRef>
+            <a:effectRef idx="0">
+              <a:schemeClr val="accent1"/>
+            </a:effectRef>
+            <a:fontRef idx="minor">
+              <a:schemeClr val="lt1"/>
+            </a:fontRef>
+          </p:style>
+          <p:txBody>
+            <a:bodyPr rot="0" spcFirstLastPara="0" vertOverflow="overflow" horzOverflow="overflow" vert="horz" wrap="square" lIns="91440" tIns="45720" rIns="91440" bIns="45720" numCol="1" spcCol="0" rtlCol="0" fromWordArt="0" anchor="ctr" anchorCtr="0" forceAA="0" compatLnSpc="1">
+              <a:prstTxWarp prst="textNoShape">
+                <a:avLst/>
+              </a:prstTxWarp>
+              <a:noAutofit/>
+            </a:bodyPr>
+            <a:lstStyle/>
+            <a:p>
+              <a:pPr algn="ctr"/>
+              <a:endParaRPr lang="en-US"/>
+            </a:p>
+          </p:txBody>
+        </p:sp>
+        <p:sp>
+          <p:nvSpPr>
+            <p:cNvPr id="15" name="Freeform 8">
+              <a:extLst>
+                <a:ext uri="{FF2B5EF4-FFF2-40B4-BE49-F238E27FC236}">
+                  <a16:creationId xmlns:a16="http://schemas.microsoft.com/office/drawing/2014/main" id="{CB5EB56C-B805-41B2-88BA-B198E68E6927}"/>
+                </a:ext>
+                <a:ext uri="{C183D7F6-B498-43B3-948B-1728B52AA6E4}">
+                  <adec:decorative xmlns:adec="http://schemas.microsoft.com/office/drawing/2017/decorative" val="1"/>
+                </a:ext>
+              </a:extLst>
+            </p:cNvPr>
+            <p:cNvSpPr>
+              <a:spLocks/>
+            </p:cNvSpPr>
+            <p:nvPr>
+              <p:extLst>
+                <p:ext uri="{386F3935-93C4-4BCD-93E2-E3B085C9AB24}">
+                  <p16:designElem xmlns:p16="http://schemas.microsoft.com/office/powerpoint/2015/main" val="1"/>
+                </p:ext>
+              </p:extLst>
+            </p:nvPr>
+          </p:nvSpPr>
+          <p:spPr bwMode="auto">
+            <a:xfrm rot="1800000">
+              <a:off x="5508097" y="1586019"/>
+              <a:ext cx="315144" cy="538275"/>
+            </a:xfrm>
+            <a:custGeom>
+              <a:avLst/>
+              <a:gdLst>
+                <a:gd name="T0" fmla="*/ 274 w 274"/>
+                <a:gd name="T1" fmla="*/ 0 h 468"/>
+                <a:gd name="T2" fmla="*/ 274 w 274"/>
+                <a:gd name="T3" fmla="*/ 310 h 468"/>
+                <a:gd name="T4" fmla="*/ 274 w 274"/>
+                <a:gd name="T5" fmla="*/ 310 h 468"/>
+                <a:gd name="T6" fmla="*/ 0 w 274"/>
+                <a:gd name="T7" fmla="*/ 468 h 468"/>
+                <a:gd name="T8" fmla="*/ 0 w 274"/>
+                <a:gd name="T9" fmla="*/ 159 h 468"/>
+                <a:gd name="T10" fmla="*/ 274 w 274"/>
+                <a:gd name="T11" fmla="*/ 0 h 468"/>
+                <a:gd name="T12" fmla="*/ 274 w 274"/>
+                <a:gd name="T13" fmla="*/ 0 h 468"/>
+              </a:gdLst>
+              <a:ahLst/>
+              <a:cxnLst>
+                <a:cxn ang="0">
+                  <a:pos x="T0" y="T1"/>
+                </a:cxn>
+                <a:cxn ang="0">
+                  <a:pos x="T2" y="T3"/>
+                </a:cxn>
+                <a:cxn ang="0">
+                  <a:pos x="T4" y="T5"/>
+                </a:cxn>
+                <a:cxn ang="0">
+                  <a:pos x="T6" y="T7"/>
+                </a:cxn>
+                <a:cxn ang="0">
+                  <a:pos x="T8" y="T9"/>
+                </a:cxn>
+                <a:cxn ang="0">
+                  <a:pos x="T10" y="T11"/>
+                </a:cxn>
+                <a:cxn ang="0">
+                  <a:pos x="T12" y="T13"/>
+                </a:cxn>
+              </a:cxnLst>
+              <a:rect l="0" t="0" r="r" b="b"/>
+              <a:pathLst>
+                <a:path w="274" h="468">
+                  <a:moveTo>
+                    <a:pt x="274" y="0"/>
+                  </a:moveTo>
+                  <a:lnTo>
+                    <a:pt x="274" y="310"/>
+                  </a:lnTo>
+                  <a:lnTo>
+                    <a:pt x="274" y="310"/>
+                  </a:lnTo>
+                  <a:lnTo>
+                    <a:pt x="0" y="468"/>
+                  </a:lnTo>
+                  <a:lnTo>
+                    <a:pt x="0" y="159"/>
+                  </a:lnTo>
+                  <a:lnTo>
+                    <a:pt x="274" y="0"/>
+                  </a:lnTo>
+                  <a:lnTo>
+                    <a:pt x="274" y="0"/>
+                  </a:lnTo>
+                  <a:close/>
+                </a:path>
+              </a:pathLst>
+            </a:custGeom>
+            <a:gradFill flip="none" rotWithShape="1">
+              <a:gsLst>
+                <a:gs pos="20000">
+                  <a:schemeClr val="bg2">
+                    <a:lumMod val="90000"/>
+                    <a:lumOff val="10000"/>
+                    <a:alpha val="20000"/>
+                  </a:schemeClr>
+                </a:gs>
+                <a:gs pos="100000">
+                  <a:schemeClr val="accent1">
+                    <a:lumMod val="60000"/>
+                    <a:lumOff val="40000"/>
+                    <a:alpha val="20000"/>
+                  </a:schemeClr>
+                </a:gs>
+              </a:gsLst>
+              <a:lin ang="18000000" scaled="0"/>
+              <a:tileRect/>
+            </a:gradFill>
+            <a:ln>
+              <a:noFill/>
+            </a:ln>
+            <a:effectLst>
+              <a:innerShdw blurRad="254000">
+                <a:schemeClr val="accent1">
+                  <a:lumMod val="60000"/>
+                  <a:lumOff val="40000"/>
+                  <a:alpha val="60000"/>
+                </a:schemeClr>
+              </a:innerShdw>
+            </a:effectLst>
+          </p:spPr>
+          <p:style>
+            <a:lnRef idx="2">
+              <a:schemeClr val="accent1">
+                <a:shade val="50000"/>
+              </a:schemeClr>
+            </a:lnRef>
+            <a:fillRef idx="1">
+              <a:schemeClr val="accent1"/>
+            </a:fillRef>
+            <a:effectRef idx="0">
+              <a:schemeClr val="accent1"/>
+            </a:effectRef>
+            <a:fontRef idx="minor">
+              <a:schemeClr val="lt1"/>
+            </a:fontRef>
+          </p:style>
+          <p:txBody>
+            <a:bodyPr rot="0" spcFirstLastPara="0" vertOverflow="overflow" horzOverflow="overflow" vert="horz" wrap="square" lIns="91440" tIns="45720" rIns="91440" bIns="45720" numCol="1" spcCol="0" rtlCol="0" fromWordArt="0" anchor="ctr" anchorCtr="0" forceAA="0" compatLnSpc="1">
+              <a:prstTxWarp prst="textNoShape">
+                <a:avLst/>
+              </a:prstTxWarp>
+              <a:noAutofit/>
+            </a:bodyPr>
+            <a:lstStyle/>
+            <a:p>
+              <a:pPr algn="ctr"/>
+              <a:endParaRPr lang="en-US"/>
+            </a:p>
+          </p:txBody>
+        </p:sp>
+      </p:grpSp>
+      <p:pic>
+        <p:nvPicPr>
+          <p:cNvPr id="4" name="Picture 4" descr="Text&#10;&#10;Description automatically generated">
+            <a:extLst>
+              <a:ext uri="{FF2B5EF4-FFF2-40B4-BE49-F238E27FC236}">
+                <a16:creationId xmlns:a16="http://schemas.microsoft.com/office/drawing/2014/main" id="{D3E3B8D2-9532-4C66-B05F-61CC924FB5BE}"/>
+              </a:ext>
+            </a:extLst>
+          </p:cNvPr>
+          <p:cNvPicPr>
+            <a:picLocks noGrp="1" noChangeAspect="1"/>
+          </p:cNvPicPr>
+          <p:nvPr>
+            <p:ph idx="1"/>
+          </p:nvPr>
+        </p:nvPicPr>
+        <p:blipFill rotWithShape="1">
+          <a:blip r:embed="rId2"/>
+          <a:srcRect l="855" r="171"/>
+          <a:stretch/>
+        </p:blipFill>
+        <p:spPr>
+          <a:xfrm>
+            <a:off x="592651" y="1521340"/>
+            <a:ext cx="5957937" cy="4788972"/>
+          </a:xfrm>
+          <a:custGeom>
+            <a:avLst/>
+            <a:gdLst/>
+            <a:ahLst/>
+            <a:cxnLst/>
+            <a:rect l="l" t="t" r="r" b="b"/>
+            <a:pathLst>
+              <a:path w="5773738" h="3779838">
+                <a:moveTo>
+                  <a:pt x="0" y="0"/>
+                </a:moveTo>
+                <a:lnTo>
+                  <a:pt x="5773738" y="0"/>
+                </a:lnTo>
+                <a:lnTo>
+                  <a:pt x="5773738" y="3779838"/>
+                </a:lnTo>
+                <a:lnTo>
+                  <a:pt x="0" y="3779838"/>
+                </a:lnTo>
+                <a:close/>
+              </a:path>
+            </a:pathLst>
+          </a:custGeom>
+        </p:spPr>
+      </p:pic>
       <p:sp>
         <p:nvSpPr>
-          <p:cNvPr id="3" name="Content Placeholder 2">
+          <p:cNvPr id="5" name="TextBox 4">
             <a:extLst>
               <a:ext uri="{FF2B5EF4-FFF2-40B4-BE49-F238E27FC236}">
-                <a16:creationId xmlns:a16="http://schemas.microsoft.com/office/drawing/2014/main" id="{0D4AF958-3041-424B-AF16-FBC4DC9073C5}"/>
+                <a16:creationId xmlns:a16="http://schemas.microsoft.com/office/drawing/2014/main" id="{484FC1B2-223B-437D-A154-762E0457432C}"/>
               </a:ext>
             </a:extLst>
           </p:cNvPr>
-          <p:cNvSpPr>
-            <a:spLocks noGrp="1"/>
-          </p:cNvSpPr>
-          <p:nvPr>
-            <p:ph sz="half" idx="1"/>
-          </p:nvPr>
+          <p:cNvSpPr txBox="1"/>
+          <p:nvPr/>
         </p:nvSpPr>
-        <p:spPr/>
+        <p:spPr>
+          <a:xfrm>
+            <a:off x="7017008" y="1562014"/>
+            <a:ext cx="4624129" cy="4747054"/>
+          </a:xfrm>
+          <a:prstGeom prst="rect">
+            <a:avLst/>
+          </a:prstGeom>
+        </p:spPr>
         <p:txBody>
-          <a:bodyPr/>
+          <a:bodyPr rot="0" spcFirstLastPara="0" vertOverflow="overflow" horzOverflow="overflow" vert="horz" wrap="square" lIns="0" tIns="0" rIns="0" bIns="0" numCol="1" spcCol="0" rtlCol="0" fromWordArt="0" anchor="t" anchorCtr="0" forceAA="0" compatLnSpc="1">
+            <a:prstTxWarp prst="textNoShape">
+              <a:avLst/>
+            </a:prstTxWarp>
+            <a:normAutofit/>
+          </a:bodyPr>
           <a:lstStyle/>
           <a:p>
-            <a:endParaRPr lang="en-US"/>
-          </a:p>
-        </p:txBody>
-      </p:sp>
-      <p:sp>
-        <p:nvSpPr>
-          <p:cNvPr id="4" name="Content Placeholder 3">
-            <a:extLst>
-              <a:ext uri="{FF2B5EF4-FFF2-40B4-BE49-F238E27FC236}">
-                <a16:creationId xmlns:a16="http://schemas.microsoft.com/office/drawing/2014/main" id="{0526F023-6824-41FD-A91C-2E4C72FD2D17}"/>
-              </a:ext>
-            </a:extLst>
-          </p:cNvPr>
-          <p:cNvSpPr>
-            <a:spLocks noGrp="1"/>
-          </p:cNvSpPr>
-          <p:nvPr>
-            <p:ph sz="half" idx="2"/>
-          </p:nvPr>
-        </p:nvSpPr>
-        <p:spPr/>
-        <p:txBody>
-          <a:bodyPr/>
-          <a:lstStyle/>
-          <a:p>
-            <a:endParaRPr lang="en-US"/>
+            <a:pPr indent="-228600">
+              <a:lnSpc>
+                <a:spcPct val="110000"/>
+              </a:lnSpc>
+              <a:spcAft>
+                <a:spcPts val="800"/>
+              </a:spcAft>
+              <a:buFont typeface="Arial" panose="020B0604020202020204" pitchFamily="34" charset="0"/>
+              <a:buChar char="•"/>
+            </a:pPr>
+            <a:r>
+              <a:rPr lang="en-US" sz="2200">
+                <a:solidFill>
+                  <a:schemeClr val="tx1">
+                    <a:alpha val="60000"/>
+                  </a:schemeClr>
+                </a:solidFill>
+              </a:rPr>
+              <a:t>Shown here is the Main Menu for the Dunder Mifflin Database algorithm complete with a Product Menu, Sales Menu, Clients Menu, and Representative information.</a:t>
+            </a:r>
+            <a:endParaRPr lang="en-US" sz="2200">
+              <a:solidFill>
+                <a:schemeClr val="tx1">
+                  <a:alpha val="60000"/>
+                </a:schemeClr>
+              </a:solidFill>
+              <a:ea typeface="Source Sans Pro"/>
+            </a:endParaRPr>
+          </a:p>
+          <a:p>
+            <a:pPr indent="-228600">
+              <a:lnSpc>
+                <a:spcPct val="110000"/>
+              </a:lnSpc>
+              <a:spcAft>
+                <a:spcPts val="800"/>
+              </a:spcAft>
+              <a:buFont typeface="Arial" panose="020B0604020202020204" pitchFamily="34" charset="0"/>
+              <a:buChar char="•"/>
+            </a:pPr>
+            <a:r>
+              <a:rPr lang="en-US" sz="2200">
+                <a:solidFill>
+                  <a:schemeClr val="tx1">
+                    <a:alpha val="60000"/>
+                  </a:schemeClr>
+                </a:solidFill>
+              </a:rPr>
+              <a:t>The Quit function is also listed to exit the program.</a:t>
+            </a:r>
+            <a:endParaRPr lang="en-US" sz="2200">
+              <a:solidFill>
+                <a:schemeClr val="tx1">
+                  <a:alpha val="60000"/>
+                </a:schemeClr>
+              </a:solidFill>
+              <a:ea typeface="Source Sans Pro"/>
+            </a:endParaRPr>
           </a:p>
         </p:txBody>
       </p:sp>
     </p:spTree>
     <p:extLst>
       <p:ext uri="{BB962C8B-B14F-4D97-AF65-F5344CB8AC3E}">
-        <p14:creationId xmlns:p14="http://schemas.microsoft.com/office/powerpoint/2010/main" val="3833442739"/>
+        <p14:creationId xmlns:p14="http://schemas.microsoft.com/office/powerpoint/2010/main" val="3419415514"/>
       </p:ext>
     </p:extLst>
   </p:cSld>
@@ -8913,14 +11513,14 @@
     <a:masterClrMapping/>
   </p:clrMapOvr>
   <mc:AlternateContent xmlns:mc="http://schemas.openxmlformats.org/markup-compatibility/2006">
-    <mc:Choice xmlns:p15="http://schemas.microsoft.com/office/powerpoint/2012/main" Requires="p15">
-      <p:transition xmlns:p14="http://schemas.microsoft.com/office/powerpoint/2010/main" spd="slow" p14:dur="2000">
-        <p15:prstTrans prst="drape"/>
+    <mc:Choice xmlns:p14="http://schemas.microsoft.com/office/powerpoint/2010/main" Requires="p14">
+      <p:transition p14:dur="100">
+        <p:cut/>
       </p:transition>
     </mc:Choice>
     <mc:Fallback>
-      <p:transition spd="slow">
-        <p:fade/>
+      <p:transition>
+        <p:cut/>
       </p:transition>
     </mc:Fallback>
   </mc:AlternateContent>
@@ -8949,7 +11549,7 @@
           <p:cNvPr id="2" name="Title 1">
             <a:extLst>
               <a:ext uri="{FF2B5EF4-FFF2-40B4-BE49-F238E27FC236}">
-                <a16:creationId xmlns:a16="http://schemas.microsoft.com/office/drawing/2014/main" id="{53C9650C-15AB-4ECF-91EA-688DFBB47662}"/>
+                <a16:creationId xmlns:a16="http://schemas.microsoft.com/office/drawing/2014/main" id="{F0A879A9-A1C8-46E2-B7AA-5B2F6DA1B75B}"/>
               </a:ext>
             </a:extLst>
           </p:cNvPr>
@@ -8960,49 +11560,58 @@
             <p:ph type="title"/>
           </p:nvPr>
         </p:nvSpPr>
-        <p:spPr/>
+        <p:spPr>
+          <a:xfrm>
+            <a:off x="550863" y="549275"/>
+            <a:ext cx="11079977" cy="899514"/>
+          </a:xfrm>
+        </p:spPr>
         <p:txBody>
           <a:bodyPr/>
           <a:lstStyle/>
           <a:p>
             <a:r>
-              <a:rPr lang="en-US" dirty="0"/>
-              <a:t>Products offered</a:t>
+              <a:rPr lang="en-US"/>
+              <a:t>Sales Menu </a:t>
             </a:r>
           </a:p>
         </p:txBody>
       </p:sp>
-      <p:sp>
-        <p:nvSpPr>
-          <p:cNvPr id="3" name="Content Placeholder 2">
+      <p:pic>
+        <p:nvPicPr>
+          <p:cNvPr id="5" name="Picture 5">
             <a:extLst>
               <a:ext uri="{FF2B5EF4-FFF2-40B4-BE49-F238E27FC236}">
-                <a16:creationId xmlns:a16="http://schemas.microsoft.com/office/drawing/2014/main" id="{C191BD65-C003-4ABB-B3FC-84A8FCC538D5}"/>
+                <a16:creationId xmlns:a16="http://schemas.microsoft.com/office/drawing/2014/main" id="{EEB3FC34-8BB8-417D-BA33-F09DBCDC7A77}"/>
               </a:ext>
             </a:extLst>
           </p:cNvPr>
-          <p:cNvSpPr>
-            <a:spLocks noGrp="1"/>
-          </p:cNvSpPr>
+          <p:cNvPicPr>
+            <a:picLocks noGrp="1" noChangeAspect="1"/>
+          </p:cNvPicPr>
           <p:nvPr>
             <p:ph sz="half" idx="1"/>
           </p:nvPr>
-        </p:nvSpPr>
-        <p:spPr/>
-        <p:txBody>
-          <a:bodyPr/>
-          <a:lstStyle/>
-          <a:p>
-            <a:endParaRPr lang="en-US"/>
-          </a:p>
-        </p:txBody>
-      </p:sp>
+        </p:nvPicPr>
+        <p:blipFill>
+          <a:blip r:embed="rId2"/>
+          <a:stretch>
+            <a:fillRect/>
+          </a:stretch>
+        </p:blipFill>
+        <p:spPr>
+          <a:xfrm>
+            <a:off x="550862" y="1450877"/>
+            <a:ext cx="5991654" cy="4680705"/>
+          </a:xfrm>
+        </p:spPr>
+      </p:pic>
       <p:sp>
         <p:nvSpPr>
           <p:cNvPr id="4" name="Content Placeholder 3">
             <a:extLst>
               <a:ext uri="{FF2B5EF4-FFF2-40B4-BE49-F238E27FC236}">
-                <a16:creationId xmlns:a16="http://schemas.microsoft.com/office/drawing/2014/main" id="{37D0CFEB-9027-4B7B-B9D3-658BDFA38AD0}"/>
+                <a16:creationId xmlns:a16="http://schemas.microsoft.com/office/drawing/2014/main" id="{BD5B74BD-29CF-4371-963F-A7DCA1528759}"/>
               </a:ext>
             </a:extLst>
           </p:cNvPr>
@@ -9013,28 +11622,124 @@
             <p:ph sz="half" idx="2"/>
           </p:nvPr>
         </p:nvSpPr>
-        <p:spPr/>
+        <p:spPr>
+          <a:xfrm>
+            <a:off x="6699808" y="1458743"/>
+            <a:ext cx="4941330" cy="4634082"/>
+          </a:xfrm>
+        </p:spPr>
         <p:txBody>
-          <a:bodyPr/>
+          <a:bodyPr vert="horz" wrap="square" lIns="0" tIns="0" rIns="0" bIns="0" rtlCol="0" anchor="t">
+            <a:normAutofit/>
+          </a:bodyPr>
           <a:lstStyle/>
           <a:p>
-            <a:endParaRPr lang="en-US"/>
+            <a:r>
+              <a:rPr lang="en-US" sz="2200">
+                <a:solidFill>
+                  <a:srgbClr val="FFFFFF">
+                    <a:alpha val="60000"/>
+                  </a:srgbClr>
+                </a:solidFill>
+                <a:ea typeface="Source Sans Pro"/>
+              </a:rPr>
+              <a:t>Here is a list of all office supplies sales dates and total profits earned labeled with a </a:t>
+            </a:r>
+            <a:r>
+              <a:rPr lang="en-US" sz="2200" err="1">
+                <a:solidFill>
+                  <a:srgbClr val="FFFFFF">
+                    <a:alpha val="60000"/>
+                  </a:srgbClr>
+                </a:solidFill>
+                <a:ea typeface="Source Sans Pro"/>
+              </a:rPr>
+              <a:t>Sales</a:t>
+            </a:r>
+            <a:r>
+              <a:rPr lang="en-US" sz="2200" err="1"/>
+              <a:t>ID</a:t>
+            </a:r>
+            <a:r>
+              <a:rPr lang="en-US" sz="2200">
+                <a:solidFill>
+                  <a:srgbClr val="FFFFFF">
+                    <a:alpha val="60000"/>
+                  </a:srgbClr>
+                </a:solidFill>
+                <a:ea typeface="Source Sans Pro"/>
+              </a:rPr>
+              <a:t>, </a:t>
+            </a:r>
+            <a:r>
+              <a:rPr lang="en-US" sz="2200" err="1">
+                <a:solidFill>
+                  <a:srgbClr val="FFFFFF">
+                    <a:alpha val="60000"/>
+                  </a:srgbClr>
+                </a:solidFill>
+                <a:ea typeface="Source Sans Pro"/>
+              </a:rPr>
+              <a:t>RepID</a:t>
+            </a:r>
+            <a:r>
+              <a:rPr lang="en-US" sz="2200">
+                <a:solidFill>
+                  <a:srgbClr val="FFFFFF">
+                    <a:alpha val="60000"/>
+                  </a:srgbClr>
+                </a:solidFill>
+                <a:ea typeface="Source Sans Pro"/>
+              </a:rPr>
+              <a:t>, and </a:t>
+            </a:r>
+            <a:r>
+              <a:rPr lang="en-US" sz="2200" err="1">
+                <a:solidFill>
+                  <a:srgbClr val="FFFFFF">
+                    <a:alpha val="60000"/>
+                  </a:srgbClr>
+                </a:solidFill>
+                <a:ea typeface="Source Sans Pro"/>
+              </a:rPr>
+              <a:t>ProductID</a:t>
+            </a:r>
+            <a:r>
+              <a:rPr lang="en-US" sz="2200">
+                <a:solidFill>
+                  <a:srgbClr val="FFFFFF">
+                    <a:alpha val="60000"/>
+                  </a:srgbClr>
+                </a:solidFill>
+                <a:ea typeface="Source Sans Pro"/>
+              </a:rPr>
+              <a:t> for simplicity. </a:t>
+            </a:r>
           </a:p>
         </p:txBody>
       </p:sp>
     </p:spTree>
     <p:extLst>
       <p:ext uri="{BB962C8B-B14F-4D97-AF65-F5344CB8AC3E}">
-        <p14:creationId xmlns:p14="http://schemas.microsoft.com/office/powerpoint/2010/main" val="3342804087"/>
+        <p14:creationId xmlns:p14="http://schemas.microsoft.com/office/powerpoint/2010/main" val="2913196956"/>
       </p:ext>
     </p:extLst>
   </p:cSld>
   <p:clrMapOvr>
     <a:masterClrMapping/>
   </p:clrMapOvr>
-  <p:transition spd="slow">
-    <p:cover/>
-  </p:transition>
+  <mc:AlternateContent xmlns:mc="http://schemas.openxmlformats.org/markup-compatibility/2006">
+    <mc:Choice xmlns:p14="http://schemas.microsoft.com/office/powerpoint/2010/main" Requires="p14">
+      <p:transition spd="slow" p14:dur="1500">
+        <p:split orient="vert"/>
+      </p:transition>
+    </mc:Choice>
+    <mc:Fallback>
+      <p:transition spd="slow">
+        <p:split orient="vert"/>
+      </p:transition>
+    </mc:Fallback>
+  </mc:AlternateContent>
 </p:sld>
 </file>
 
@@ -9060,7 +11765,7 @@
           <p:cNvPr id="2" name="Title 1">
             <a:extLst>
               <a:ext uri="{FF2B5EF4-FFF2-40B4-BE49-F238E27FC236}">
-                <a16:creationId xmlns:a16="http://schemas.microsoft.com/office/drawing/2014/main" id="{3940A167-6620-4FE9-A34C-6B7B42D740B9}"/>
+                <a16:creationId xmlns:a16="http://schemas.microsoft.com/office/drawing/2014/main" id="{F0A879A9-A1C8-46E2-B7AA-5B2F6DA1B75B}"/>
               </a:ext>
             </a:extLst>
           </p:cNvPr>
@@ -9071,49 +11776,58 @@
             <p:ph type="title"/>
           </p:nvPr>
         </p:nvSpPr>
-        <p:spPr/>
+        <p:spPr>
+          <a:xfrm>
+            <a:off x="550863" y="549275"/>
+            <a:ext cx="11079977" cy="899514"/>
+          </a:xfrm>
+        </p:spPr>
         <p:txBody>
           <a:bodyPr/>
           <a:lstStyle/>
           <a:p>
             <a:r>
-              <a:rPr lang="en-US" dirty="0"/>
-              <a:t>Services</a:t>
+              <a:rPr lang="en-US"/>
+              <a:t>Sales Purchase </a:t>
             </a:r>
           </a:p>
         </p:txBody>
       </p:sp>
-      <p:sp>
-        <p:nvSpPr>
-          <p:cNvPr id="3" name="Content Placeholder 2">
+      <p:pic>
+        <p:nvPicPr>
+          <p:cNvPr id="5" name="Picture 5" descr="Text&#10;&#10;Description automatically generated">
             <a:extLst>
               <a:ext uri="{FF2B5EF4-FFF2-40B4-BE49-F238E27FC236}">
-                <a16:creationId xmlns:a16="http://schemas.microsoft.com/office/drawing/2014/main" id="{04152F34-E61B-4E5D-AD30-7B31A0DBD2F1}"/>
+                <a16:creationId xmlns:a16="http://schemas.microsoft.com/office/drawing/2014/main" id="{EEB3FC34-8BB8-417D-BA33-F09DBCDC7A77}"/>
               </a:ext>
             </a:extLst>
           </p:cNvPr>
-          <p:cNvSpPr>
-            <a:spLocks noGrp="1"/>
-          </p:cNvSpPr>
+          <p:cNvPicPr>
+            <a:picLocks noGrp="1" noChangeAspect="1"/>
+          </p:cNvPicPr>
           <p:nvPr>
             <p:ph sz="half" idx="1"/>
           </p:nvPr>
-        </p:nvSpPr>
-        <p:spPr/>
-        <p:txBody>
-          <a:bodyPr/>
-          <a:lstStyle/>
-          <a:p>
-            <a:endParaRPr lang="en-US"/>
-          </a:p>
-        </p:txBody>
-      </p:sp>
+        </p:nvPicPr>
+        <p:blipFill>
+          <a:blip r:embed="rId2"/>
+          <a:stretch>
+            <a:fillRect/>
+          </a:stretch>
+        </p:blipFill>
+        <p:spPr>
+          <a:xfrm>
+            <a:off x="550862" y="1456690"/>
+            <a:ext cx="5991654" cy="4627890"/>
+          </a:xfrm>
+        </p:spPr>
+      </p:pic>
       <p:sp>
         <p:nvSpPr>
           <p:cNvPr id="4" name="Content Placeholder 3">
             <a:extLst>
               <a:ext uri="{FF2B5EF4-FFF2-40B4-BE49-F238E27FC236}">
-                <a16:creationId xmlns:a16="http://schemas.microsoft.com/office/drawing/2014/main" id="{E6764479-9ED1-464A-A181-02D989CCA811}"/>
+                <a16:creationId xmlns:a16="http://schemas.microsoft.com/office/drawing/2014/main" id="{BD5B74BD-29CF-4371-963F-A7DCA1528759}"/>
               </a:ext>
             </a:extLst>
           </p:cNvPr>
@@ -9124,19 +11838,888 @@
             <p:ph sz="half" idx="2"/>
           </p:nvPr>
         </p:nvSpPr>
-        <p:spPr/>
+        <p:spPr>
+          <a:xfrm>
+            <a:off x="6699808" y="1458743"/>
+            <a:ext cx="4941330" cy="4634082"/>
+          </a:xfrm>
+        </p:spPr>
         <p:txBody>
-          <a:bodyPr/>
+          <a:bodyPr vert="horz" wrap="square" lIns="0" tIns="0" rIns="0" bIns="0" rtlCol="0" anchor="t">
+            <a:normAutofit/>
+          </a:bodyPr>
           <a:lstStyle/>
           <a:p>
-            <a:endParaRPr lang="en-US"/>
+            <a:r>
+              <a:rPr lang="en-US" sz="2200">
+                <a:solidFill>
+                  <a:srgbClr val="FFFFFF">
+                    <a:alpha val="60000"/>
+                  </a:srgbClr>
+                </a:solidFill>
+                <a:ea typeface="Source Sans Pro"/>
+              </a:rPr>
+              <a:t>Here is a client entering information in order to purchase office supplies and the order is recorded in the Product Sales program with a profit of $20000.00. </a:t>
+            </a:r>
           </a:p>
         </p:txBody>
       </p:sp>
     </p:spTree>
     <p:extLst>
       <p:ext uri="{BB962C8B-B14F-4D97-AF65-F5344CB8AC3E}">
-        <p14:creationId xmlns:p14="http://schemas.microsoft.com/office/powerpoint/2010/main" val="3496266124"/>
+        <p14:creationId xmlns:p14="http://schemas.microsoft.com/office/powerpoint/2010/main" val="4017028374"/>
+      </p:ext>
+    </p:extLst>
+  </p:cSld>
+  <p:clrMapOvr>
+    <a:masterClrMapping/>
+  </p:clrMapOvr>
+  <p:transition spd="slow">
+    <p:wipe/>
+  </p:transition>
+</p:sld>
+</file>
+
+<file path=ppt/slides/slide7.xml><?xml version="1.0" encoding="utf-8"?>
+<p:sld xmlns:a="http://schemas.openxmlformats.org/drawingml/2006/main" xmlns:r="http://schemas.openxmlformats.org/officeDocument/2006/relationships" xmlns:p="http://schemas.openxmlformats.org/presentationml/2006/main">
+  <p:cSld>
+    <p:bg>
+      <p:bgPr>
+        <a:solidFill>
+          <a:schemeClr val="bg2"/>
+        </a:solidFill>
+        <a:effectLst/>
+      </p:bgPr>
+    </p:bg>
+    <p:spTree>
+      <p:nvGrpSpPr>
+        <p:cNvPr id="1" name=""/>
+        <p:cNvGrpSpPr/>
+        <p:nvPr/>
+      </p:nvGrpSpPr>
+      <p:grpSpPr>
+        <a:xfrm>
+          <a:off x="0" y="0"/>
+          <a:ext cx="0" cy="0"/>
+          <a:chOff x="0" y="0"/>
+          <a:chExt cx="0" cy="0"/>
+        </a:xfrm>
+      </p:grpSpPr>
+      <p:grpSp>
+        <p:nvGrpSpPr>
+          <p:cNvPr id="20" name="Group 22">
+            <a:extLst>
+              <a:ext uri="{FF2B5EF4-FFF2-40B4-BE49-F238E27FC236}">
+                <a16:creationId xmlns:a16="http://schemas.microsoft.com/office/drawing/2014/main" id="{3BDBC526-6DCD-4FF6-8395-D8C22E46E527}"/>
+              </a:ext>
+              <a:ext uri="{C183D7F6-B498-43B3-948B-1728B52AA6E4}">
+                <adec:decorative xmlns:adec="http://schemas.microsoft.com/office/drawing/2017/decorative" val="1"/>
+              </a:ext>
+            </a:extLst>
+          </p:cNvPr>
+          <p:cNvGrpSpPr>
+            <a:grpSpLocks noGrp="1" noUngrp="1" noRot="1" noChangeAspect="1" noMove="1" noResize="1"/>
+          </p:cNvGrpSpPr>
+          <p:nvPr>
+            <p:extLst>
+              <p:ext uri="{386F3935-93C4-4BCD-93E2-E3B085C9AB24}">
+                <p16:designElem xmlns:p16="http://schemas.microsoft.com/office/powerpoint/2015/main" val="1"/>
+              </p:ext>
+            </p:extLst>
+          </p:nvPr>
+        </p:nvGrpSpPr>
+        <p:grpSpPr>
+          <a:xfrm>
+            <a:off x="613998" y="5334748"/>
+            <a:ext cx="678135" cy="990000"/>
+            <a:chOff x="10490969" y="1448827"/>
+            <a:chExt cx="678135" cy="990000"/>
+          </a:xfrm>
+        </p:grpSpPr>
+        <p:sp>
+          <p:nvSpPr>
+            <p:cNvPr id="21" name="Freeform: Shape 23">
+              <a:extLst>
+                <a:ext uri="{FF2B5EF4-FFF2-40B4-BE49-F238E27FC236}">
+                  <a16:creationId xmlns:a16="http://schemas.microsoft.com/office/drawing/2014/main" id="{02ECB475-568C-47AC-B16D-2E202DEB2DE0}"/>
+                </a:ext>
+                <a:ext uri="{C183D7F6-B498-43B3-948B-1728B52AA6E4}">
+                  <adec:decorative xmlns:adec="http://schemas.microsoft.com/office/drawing/2017/decorative" val="1"/>
+                </a:ext>
+              </a:extLst>
+            </p:cNvPr>
+            <p:cNvSpPr>
+              <a:spLocks noChangeAspect="1"/>
+            </p:cNvSpPr>
+            <p:nvPr>
+              <p:extLst>
+                <p:ext uri="{386F3935-93C4-4BCD-93E2-E3B085C9AB24}">
+                  <p16:designElem xmlns:p16="http://schemas.microsoft.com/office/powerpoint/2015/main" val="1"/>
+                </p:ext>
+              </p:extLst>
+            </p:nvPr>
+          </p:nvSpPr>
+          <p:spPr>
+            <a:xfrm rot="2700000" flipH="1" flipV="1">
+              <a:off x="10268976" y="1743588"/>
+              <a:ext cx="926985" cy="463493"/>
+            </a:xfrm>
+            <a:custGeom>
+              <a:avLst/>
+              <a:gdLst>
+                <a:gd name="connsiteX0" fmla="*/ 1329373 w 2658746"/>
+                <a:gd name="connsiteY0" fmla="*/ 0 h 1329373"/>
+                <a:gd name="connsiteX1" fmla="*/ 2658746 w 2658746"/>
+                <a:gd name="connsiteY1" fmla="*/ 1329373 h 1329373"/>
+                <a:gd name="connsiteX2" fmla="*/ 1994059 w 2658746"/>
+                <a:gd name="connsiteY2" fmla="*/ 1329373 h 1329373"/>
+                <a:gd name="connsiteX3" fmla="*/ 1329373 w 2658746"/>
+                <a:gd name="connsiteY3" fmla="*/ 664687 h 1329373"/>
+                <a:gd name="connsiteX4" fmla="*/ 664687 w 2658746"/>
+                <a:gd name="connsiteY4" fmla="*/ 1329373 h 1329373"/>
+                <a:gd name="connsiteX5" fmla="*/ 0 w 2658746"/>
+                <a:gd name="connsiteY5" fmla="*/ 1329373 h 1329373"/>
+                <a:gd name="connsiteX6" fmla="*/ 1329373 w 2658746"/>
+                <a:gd name="connsiteY6" fmla="*/ 0 h 1329373"/>
+              </a:gdLst>
+              <a:ahLst/>
+              <a:cxnLst>
+                <a:cxn ang="0">
+                  <a:pos x="connsiteX0" y="connsiteY0"/>
+                </a:cxn>
+                <a:cxn ang="0">
+                  <a:pos x="connsiteX1" y="connsiteY1"/>
+                </a:cxn>
+                <a:cxn ang="0">
+                  <a:pos x="connsiteX2" y="connsiteY2"/>
+                </a:cxn>
+                <a:cxn ang="0">
+                  <a:pos x="connsiteX3" y="connsiteY3"/>
+                </a:cxn>
+                <a:cxn ang="0">
+                  <a:pos x="connsiteX4" y="connsiteY4"/>
+                </a:cxn>
+                <a:cxn ang="0">
+                  <a:pos x="connsiteX5" y="connsiteY5"/>
+                </a:cxn>
+                <a:cxn ang="0">
+                  <a:pos x="connsiteX6" y="connsiteY6"/>
+                </a:cxn>
+              </a:cxnLst>
+              <a:rect l="l" t="t" r="r" b="b"/>
+              <a:pathLst>
+                <a:path w="2658746" h="1329373">
+                  <a:moveTo>
+                    <a:pt x="1329373" y="0"/>
+                  </a:moveTo>
+                  <a:cubicBezTo>
+                    <a:pt x="2063565" y="0"/>
+                    <a:pt x="2658746" y="595181"/>
+                    <a:pt x="2658746" y="1329373"/>
+                  </a:cubicBezTo>
+                  <a:lnTo>
+                    <a:pt x="1994059" y="1329373"/>
+                  </a:lnTo>
+                  <a:cubicBezTo>
+                    <a:pt x="1994059" y="962277"/>
+                    <a:pt x="1696469" y="664687"/>
+                    <a:pt x="1329373" y="664687"/>
+                  </a:cubicBezTo>
+                  <a:cubicBezTo>
+                    <a:pt x="962277" y="664687"/>
+                    <a:pt x="664687" y="962277"/>
+                    <a:pt x="664687" y="1329373"/>
+                  </a:cubicBezTo>
+                  <a:lnTo>
+                    <a:pt x="0" y="1329373"/>
+                  </a:lnTo>
+                  <a:cubicBezTo>
+                    <a:pt x="0" y="595181"/>
+                    <a:pt x="595181" y="0"/>
+                    <a:pt x="1329373" y="0"/>
+                  </a:cubicBezTo>
+                  <a:close/>
+                </a:path>
+              </a:pathLst>
+            </a:custGeom>
+            <a:solidFill>
+              <a:schemeClr val="bg2"/>
+            </a:solidFill>
+            <a:ln>
+              <a:noFill/>
+            </a:ln>
+            <a:effectLst>
+              <a:innerShdw blurRad="127000" dist="50800" dir="13500000">
+                <a:schemeClr val="accent1">
+                  <a:lumMod val="40000"/>
+                  <a:lumOff val="60000"/>
+                  <a:alpha val="20000"/>
+                </a:schemeClr>
+              </a:innerShdw>
+            </a:effectLst>
+          </p:spPr>
+          <p:style>
+            <a:lnRef idx="2">
+              <a:schemeClr val="accent1">
+                <a:shade val="50000"/>
+              </a:schemeClr>
+            </a:lnRef>
+            <a:fillRef idx="1">
+              <a:schemeClr val="accent1"/>
+            </a:fillRef>
+            <a:effectRef idx="0">
+              <a:schemeClr val="accent1"/>
+            </a:effectRef>
+            <a:fontRef idx="minor">
+              <a:schemeClr val="lt1"/>
+            </a:fontRef>
+          </p:style>
+          <p:txBody>
+            <a:bodyPr rtlCol="0" anchor="ctr"/>
+            <a:lstStyle/>
+            <a:p>
+              <a:pPr algn="ctr"/>
+              <a:endParaRPr lang="en-US">
+                <a:solidFill>
+                  <a:schemeClr val="tx1"/>
+                </a:solidFill>
+              </a:endParaRPr>
+            </a:p>
+          </p:txBody>
+        </p:sp>
+        <p:sp>
+          <p:nvSpPr>
+            <p:cNvPr id="25" name="Oval 24">
+              <a:extLst>
+                <a:ext uri="{FF2B5EF4-FFF2-40B4-BE49-F238E27FC236}">
+                  <a16:creationId xmlns:a16="http://schemas.microsoft.com/office/drawing/2014/main" id="{080D8764-525A-441E-B58F-068E82F09714}"/>
+                </a:ext>
+                <a:ext uri="{C183D7F6-B498-43B3-948B-1728B52AA6E4}">
+                  <adec:decorative xmlns:adec="http://schemas.microsoft.com/office/drawing/2017/decorative" val="1"/>
+                </a:ext>
+              </a:extLst>
+            </p:cNvPr>
+            <p:cNvSpPr/>
+            <p:nvPr>
+              <p:extLst>
+                <p:ext uri="{386F3935-93C4-4BCD-93E2-E3B085C9AB24}">
+                  <p16:designElem xmlns:p16="http://schemas.microsoft.com/office/powerpoint/2015/main" val="1"/>
+                </p:ext>
+              </p:extLst>
+            </p:nvPr>
+          </p:nvSpPr>
+          <p:spPr>
+            <a:xfrm rot="8100000" flipH="1" flipV="1">
+              <a:off x="11115555" y="1939340"/>
+              <a:ext cx="53549" cy="233295"/>
+            </a:xfrm>
+            <a:prstGeom prst="ellipse">
+              <a:avLst/>
+            </a:prstGeom>
+            <a:solidFill>
+              <a:schemeClr val="bg2">
+                <a:lumMod val="90000"/>
+                <a:lumOff val="10000"/>
+              </a:schemeClr>
+            </a:solidFill>
+            <a:ln>
+              <a:noFill/>
+            </a:ln>
+            <a:effectLst>
+              <a:innerShdw blurRad="63500" dist="2540000">
+                <a:schemeClr val="accent1">
+                  <a:lumMod val="60000"/>
+                  <a:lumOff val="40000"/>
+                  <a:alpha val="0"/>
+                </a:schemeClr>
+              </a:innerShdw>
+            </a:effectLst>
+          </p:spPr>
+          <p:style>
+            <a:lnRef idx="2">
+              <a:schemeClr val="accent1">
+                <a:shade val="50000"/>
+              </a:schemeClr>
+            </a:lnRef>
+            <a:fillRef idx="1">
+              <a:schemeClr val="accent1"/>
+            </a:fillRef>
+            <a:effectRef idx="0">
+              <a:schemeClr val="accent1"/>
+            </a:effectRef>
+            <a:fontRef idx="minor">
+              <a:schemeClr val="lt1"/>
+            </a:fontRef>
+          </p:style>
+          <p:txBody>
+            <a:bodyPr rot="0" spcFirstLastPara="0" vertOverflow="overflow" horzOverflow="overflow" vert="horz" wrap="square" lIns="91440" tIns="45720" rIns="91440" bIns="45720" numCol="1" spcCol="0" rtlCol="0" fromWordArt="0" anchor="ctr" anchorCtr="0" forceAA="0" compatLnSpc="1">
+              <a:prstTxWarp prst="textNoShape">
+                <a:avLst/>
+              </a:prstTxWarp>
+              <a:noAutofit/>
+            </a:bodyPr>
+            <a:lstStyle/>
+            <a:p>
+              <a:pPr algn="ctr"/>
+              <a:endParaRPr lang="en-US"/>
+            </a:p>
+          </p:txBody>
+        </p:sp>
+        <p:sp>
+          <p:nvSpPr>
+            <p:cNvPr id="26" name="Oval 25">
+              <a:extLst>
+                <a:ext uri="{FF2B5EF4-FFF2-40B4-BE49-F238E27FC236}">
+                  <a16:creationId xmlns:a16="http://schemas.microsoft.com/office/drawing/2014/main" id="{11196109-6F2B-4738-B2FC-2CCC753AABD4}"/>
+                </a:ext>
+                <a:ext uri="{C183D7F6-B498-43B3-948B-1728B52AA6E4}">
+                  <adec:decorative xmlns:adec="http://schemas.microsoft.com/office/drawing/2017/decorative" val="1"/>
+                </a:ext>
+              </a:extLst>
+            </p:cNvPr>
+            <p:cNvSpPr/>
+            <p:nvPr>
+              <p:extLst>
+                <p:ext uri="{386F3935-93C4-4BCD-93E2-E3B085C9AB24}">
+                  <p16:designElem xmlns:p16="http://schemas.microsoft.com/office/powerpoint/2015/main" val="1"/>
+                </p:ext>
+              </p:extLst>
+            </p:nvPr>
+          </p:nvSpPr>
+          <p:spPr>
+            <a:xfrm rot="8100000" flipH="1" flipV="1">
+              <a:off x="10625042" y="1448827"/>
+              <a:ext cx="53549" cy="233295"/>
+            </a:xfrm>
+            <a:prstGeom prst="ellipse">
+              <a:avLst/>
+            </a:prstGeom>
+            <a:solidFill>
+              <a:schemeClr val="bg2">
+                <a:lumMod val="90000"/>
+                <a:lumOff val="10000"/>
+              </a:schemeClr>
+            </a:solidFill>
+            <a:ln>
+              <a:noFill/>
+            </a:ln>
+            <a:effectLst>
+              <a:innerShdw blurRad="63500" dist="2540000">
+                <a:schemeClr val="accent1">
+                  <a:lumMod val="60000"/>
+                  <a:lumOff val="40000"/>
+                  <a:alpha val="0"/>
+                </a:schemeClr>
+              </a:innerShdw>
+            </a:effectLst>
+          </p:spPr>
+          <p:style>
+            <a:lnRef idx="2">
+              <a:schemeClr val="accent1">
+                <a:shade val="50000"/>
+              </a:schemeClr>
+            </a:lnRef>
+            <a:fillRef idx="1">
+              <a:schemeClr val="accent1"/>
+            </a:fillRef>
+            <a:effectRef idx="0">
+              <a:schemeClr val="accent1"/>
+            </a:effectRef>
+            <a:fontRef idx="minor">
+              <a:schemeClr val="lt1"/>
+            </a:fontRef>
+          </p:style>
+          <p:txBody>
+            <a:bodyPr rot="0" spcFirstLastPara="0" vertOverflow="overflow" horzOverflow="overflow" vert="horz" wrap="square" lIns="91440" tIns="45720" rIns="91440" bIns="45720" numCol="1" spcCol="0" rtlCol="0" fromWordArt="0" anchor="ctr" anchorCtr="0" forceAA="0" compatLnSpc="1">
+              <a:prstTxWarp prst="textNoShape">
+                <a:avLst/>
+              </a:prstTxWarp>
+              <a:noAutofit/>
+            </a:bodyPr>
+            <a:lstStyle/>
+            <a:p>
+              <a:pPr algn="ctr"/>
+              <a:endParaRPr lang="en-US"/>
+            </a:p>
+          </p:txBody>
+        </p:sp>
+        <p:sp>
+          <p:nvSpPr>
+            <p:cNvPr id="27" name="Freeform: Shape 26">
+              <a:extLst>
+                <a:ext uri="{FF2B5EF4-FFF2-40B4-BE49-F238E27FC236}">
+                  <a16:creationId xmlns:a16="http://schemas.microsoft.com/office/drawing/2014/main" id="{F7E468C2-69B8-470B-85E3-801A3CB1D7E2}"/>
+                </a:ext>
+                <a:ext uri="{C183D7F6-B498-43B3-948B-1728B52AA6E4}">
+                  <adec:decorative xmlns:adec="http://schemas.microsoft.com/office/drawing/2017/decorative" val="1"/>
+                </a:ext>
+              </a:extLst>
+            </p:cNvPr>
+            <p:cNvSpPr>
+              <a:spLocks noChangeAspect="1"/>
+            </p:cNvSpPr>
+            <p:nvPr>
+              <p:extLst>
+                <p:ext uri="{386F3935-93C4-4BCD-93E2-E3B085C9AB24}">
+                  <p16:designElem xmlns:p16="http://schemas.microsoft.com/office/powerpoint/2015/main" val="1"/>
+                </p:ext>
+              </p:extLst>
+            </p:nvPr>
+          </p:nvSpPr>
+          <p:spPr>
+            <a:xfrm rot="2700000" flipH="1" flipV="1">
+              <a:off x="10292519" y="1686748"/>
+              <a:ext cx="926985" cy="530086"/>
+            </a:xfrm>
+            <a:custGeom>
+              <a:avLst/>
+              <a:gdLst>
+                <a:gd name="connsiteX0" fmla="*/ 1329373 w 2658746"/>
+                <a:gd name="connsiteY0" fmla="*/ 0 h 1329373"/>
+                <a:gd name="connsiteX1" fmla="*/ 2658746 w 2658746"/>
+                <a:gd name="connsiteY1" fmla="*/ 1329373 h 1329373"/>
+                <a:gd name="connsiteX2" fmla="*/ 1994059 w 2658746"/>
+                <a:gd name="connsiteY2" fmla="*/ 1329373 h 1329373"/>
+                <a:gd name="connsiteX3" fmla="*/ 1329373 w 2658746"/>
+                <a:gd name="connsiteY3" fmla="*/ 664687 h 1329373"/>
+                <a:gd name="connsiteX4" fmla="*/ 664687 w 2658746"/>
+                <a:gd name="connsiteY4" fmla="*/ 1329373 h 1329373"/>
+                <a:gd name="connsiteX5" fmla="*/ 0 w 2658746"/>
+                <a:gd name="connsiteY5" fmla="*/ 1329373 h 1329373"/>
+                <a:gd name="connsiteX6" fmla="*/ 1329373 w 2658746"/>
+                <a:gd name="connsiteY6" fmla="*/ 0 h 1329373"/>
+              </a:gdLst>
+              <a:ahLst/>
+              <a:cxnLst>
+                <a:cxn ang="0">
+                  <a:pos x="connsiteX0" y="connsiteY0"/>
+                </a:cxn>
+                <a:cxn ang="0">
+                  <a:pos x="connsiteX1" y="connsiteY1"/>
+                </a:cxn>
+                <a:cxn ang="0">
+                  <a:pos x="connsiteX2" y="connsiteY2"/>
+                </a:cxn>
+                <a:cxn ang="0">
+                  <a:pos x="connsiteX3" y="connsiteY3"/>
+                </a:cxn>
+                <a:cxn ang="0">
+                  <a:pos x="connsiteX4" y="connsiteY4"/>
+                </a:cxn>
+                <a:cxn ang="0">
+                  <a:pos x="connsiteX5" y="connsiteY5"/>
+                </a:cxn>
+                <a:cxn ang="0">
+                  <a:pos x="connsiteX6" y="connsiteY6"/>
+                </a:cxn>
+              </a:cxnLst>
+              <a:rect l="l" t="t" r="r" b="b"/>
+              <a:pathLst>
+                <a:path w="2658746" h="1329373">
+                  <a:moveTo>
+                    <a:pt x="1329373" y="0"/>
+                  </a:moveTo>
+                  <a:cubicBezTo>
+                    <a:pt x="2063565" y="0"/>
+                    <a:pt x="2658746" y="595181"/>
+                    <a:pt x="2658746" y="1329373"/>
+                  </a:cubicBezTo>
+                  <a:lnTo>
+                    <a:pt x="1994059" y="1329373"/>
+                  </a:lnTo>
+                  <a:cubicBezTo>
+                    <a:pt x="1994059" y="962277"/>
+                    <a:pt x="1696469" y="664687"/>
+                    <a:pt x="1329373" y="664687"/>
+                  </a:cubicBezTo>
+                  <a:cubicBezTo>
+                    <a:pt x="962277" y="664687"/>
+                    <a:pt x="664687" y="962277"/>
+                    <a:pt x="664687" y="1329373"/>
+                  </a:cubicBezTo>
+                  <a:lnTo>
+                    <a:pt x="0" y="1329373"/>
+                  </a:lnTo>
+                  <a:cubicBezTo>
+                    <a:pt x="0" y="595181"/>
+                    <a:pt x="595181" y="0"/>
+                    <a:pt x="1329373" y="0"/>
+                  </a:cubicBezTo>
+                  <a:close/>
+                </a:path>
+              </a:pathLst>
+            </a:custGeom>
+            <a:solidFill>
+              <a:schemeClr val="bg2">
+                <a:lumMod val="50000"/>
+                <a:lumOff val="50000"/>
+                <a:alpha val="20000"/>
+              </a:schemeClr>
+            </a:solidFill>
+            <a:ln>
+              <a:noFill/>
+            </a:ln>
+            <a:effectLst>
+              <a:softEdge rad="101600"/>
+            </a:effectLst>
+          </p:spPr>
+          <p:style>
+            <a:lnRef idx="2">
+              <a:schemeClr val="accent1">
+                <a:shade val="50000"/>
+              </a:schemeClr>
+            </a:lnRef>
+            <a:fillRef idx="1">
+              <a:schemeClr val="accent1"/>
+            </a:fillRef>
+            <a:effectRef idx="0">
+              <a:schemeClr val="accent1"/>
+            </a:effectRef>
+            <a:fontRef idx="minor">
+              <a:schemeClr val="lt1"/>
+            </a:fontRef>
+          </p:style>
+          <p:txBody>
+            <a:bodyPr rtlCol="0" anchor="ctr"/>
+            <a:lstStyle/>
+            <a:p>
+              <a:pPr algn="ctr"/>
+              <a:endParaRPr lang="en-US">
+                <a:solidFill>
+                  <a:schemeClr val="tx1"/>
+                </a:solidFill>
+              </a:endParaRPr>
+            </a:p>
+          </p:txBody>
+        </p:sp>
+      </p:grpSp>
+      <p:sp useBgFill="1">
+        <p:nvSpPr>
+          <p:cNvPr id="28" name="Rectangle 28">
+            <a:extLst>
+              <a:ext uri="{FF2B5EF4-FFF2-40B4-BE49-F238E27FC236}">
+                <a16:creationId xmlns:a16="http://schemas.microsoft.com/office/drawing/2014/main" id="{A5931BE0-4B93-4D6C-878E-ACC59D6B4587}"/>
+              </a:ext>
+              <a:ext uri="{C183D7F6-B498-43B3-948B-1728B52AA6E4}">
+                <adec:decorative xmlns:adec="http://schemas.microsoft.com/office/drawing/2017/decorative" val="1"/>
+              </a:ext>
+            </a:extLst>
+          </p:cNvPr>
+          <p:cNvSpPr>
+            <a:spLocks noGrp="1" noRot="1" noChangeAspect="1" noMove="1" noResize="1" noEditPoints="1" noAdjustHandles="1" noChangeArrowheads="1" noChangeShapeType="1" noTextEdit="1"/>
+          </p:cNvSpPr>
+          <p:nvPr>
+            <p:extLst>
+              <p:ext uri="{386F3935-93C4-4BCD-93E2-E3B085C9AB24}">
+                <p16:designElem xmlns:p16="http://schemas.microsoft.com/office/powerpoint/2015/main" val="1"/>
+              </p:ext>
+            </p:extLst>
+          </p:nvPr>
+        </p:nvSpPr>
+        <p:spPr>
+          <a:xfrm>
+            <a:off x="0" y="0"/>
+            <a:ext cx="12192000" cy="6858000"/>
+          </a:xfrm>
+          <a:prstGeom prst="rect">
+            <a:avLst/>
+          </a:prstGeom>
+          <a:ln w="12700" cap="flat" cmpd="sng" algn="ctr">
+            <a:noFill/>
+            <a:prstDash val="solid"/>
+            <a:miter lim="800000"/>
+          </a:ln>
+          <a:effectLst/>
+          <a:extLst>
+            <a:ext uri="{91240B29-F687-4F45-9708-019B960494DF}">
+              <a14:hiddenLine xmlns:a14="http://schemas.microsoft.com/office/drawing/2010/main" w="12700" cap="flat" cmpd="sng" algn="ctr">
+                <a:solidFill>
+                  <a:schemeClr val="accent1">
+                    <a:shade val="50000"/>
+                  </a:schemeClr>
+                </a:solidFill>
+                <a:prstDash val="solid"/>
+                <a:miter lim="800000"/>
+              </a14:hiddenLine>
+            </a:ext>
+          </a:extLst>
+        </p:spPr>
+        <p:style>
+          <a:lnRef idx="2">
+            <a:schemeClr val="accent1">
+              <a:shade val="50000"/>
+            </a:schemeClr>
+          </a:lnRef>
+          <a:fillRef idx="1">
+            <a:schemeClr val="accent1"/>
+          </a:fillRef>
+          <a:effectRef idx="0">
+            <a:schemeClr val="accent1"/>
+          </a:effectRef>
+          <a:fontRef idx="minor">
+            <a:schemeClr val="lt1"/>
+          </a:fontRef>
+        </p:style>
+        <p:txBody>
+          <a:bodyPr rtlCol="0" anchor="ctr"/>
+          <a:lstStyle/>
+          <a:p>
+            <a:pPr algn="ctr"/>
+            <a:endParaRPr lang="en-US"/>
+          </a:p>
+        </p:txBody>
+      </p:sp>
+      <p:sp>
+        <p:nvSpPr>
+          <p:cNvPr id="2" name="Title 1">
+            <a:extLst>
+              <a:ext uri="{FF2B5EF4-FFF2-40B4-BE49-F238E27FC236}">
+                <a16:creationId xmlns:a16="http://schemas.microsoft.com/office/drawing/2014/main" id="{BB736461-28E6-4233-B00E-A3D1E6921EA4}"/>
+              </a:ext>
+            </a:extLst>
+          </p:cNvPr>
+          <p:cNvSpPr>
+            <a:spLocks noGrp="1"/>
+          </p:cNvSpPr>
+          <p:nvPr>
+            <p:ph type="title"/>
+          </p:nvPr>
+        </p:nvSpPr>
+        <p:spPr>
+          <a:xfrm>
+            <a:off x="509674" y="3962743"/>
+            <a:ext cx="4500562" cy="1562959"/>
+          </a:xfrm>
+        </p:spPr>
+        <p:txBody>
+          <a:bodyPr vert="horz" wrap="square" lIns="0" tIns="0" rIns="0" bIns="0" rtlCol="0" anchor="t" anchorCtr="0">
+            <a:normAutofit/>
+          </a:bodyPr>
+          <a:lstStyle/>
+          <a:p>
+            <a:r>
+              <a:rPr lang="en-US" sz="4800"/>
+              <a:t>Sales algorithm structure</a:t>
+            </a:r>
+            <a:endParaRPr lang="en-US" sz="4800" kern="1200">
+              <a:latin typeface="+mj-lt"/>
+            </a:endParaRPr>
+          </a:p>
+        </p:txBody>
+      </p:sp>
+      <p:pic>
+        <p:nvPicPr>
+          <p:cNvPr id="5" name="Picture 5" descr="Text&#10;&#10;Description automatically generated">
+            <a:extLst>
+              <a:ext uri="{FF2B5EF4-FFF2-40B4-BE49-F238E27FC236}">
+                <a16:creationId xmlns:a16="http://schemas.microsoft.com/office/drawing/2014/main" id="{54E6B541-9E1F-424D-88E2-F39DBCC42966}"/>
+              </a:ext>
+            </a:extLst>
+          </p:cNvPr>
+          <p:cNvPicPr>
+            <a:picLocks noGrp="1" noChangeAspect="1"/>
+          </p:cNvPicPr>
+          <p:nvPr>
+            <p:ph type="pic" idx="1"/>
+          </p:nvPr>
+        </p:nvPicPr>
+        <p:blipFill rotWithShape="1">
+          <a:blip r:embed="rId2"/>
+          <a:srcRect r="3862" b="-438"/>
+          <a:stretch/>
+        </p:blipFill>
+        <p:spPr>
+          <a:xfrm>
+            <a:off x="20" y="1"/>
+            <a:ext cx="12191439" cy="3793757"/>
+          </a:xfrm>
+          <a:custGeom>
+            <a:avLst/>
+            <a:gdLst/>
+            <a:ahLst/>
+            <a:cxnLst/>
+            <a:rect l="l" t="t" r="r" b="b"/>
+            <a:pathLst>
+              <a:path w="12192000" h="3777175">
+                <a:moveTo>
+                  <a:pt x="0" y="0"/>
+                </a:moveTo>
+                <a:lnTo>
+                  <a:pt x="12192000" y="0"/>
+                </a:lnTo>
+                <a:lnTo>
+                  <a:pt x="12192000" y="3777175"/>
+                </a:lnTo>
+                <a:lnTo>
+                  <a:pt x="0" y="3777175"/>
+                </a:lnTo>
+                <a:close/>
+              </a:path>
+            </a:pathLst>
+          </a:custGeom>
+        </p:spPr>
+      </p:pic>
+      <p:sp>
+        <p:nvSpPr>
+          <p:cNvPr id="30" name="Oval 30">
+            <a:extLst>
+              <a:ext uri="{FF2B5EF4-FFF2-40B4-BE49-F238E27FC236}">
+                <a16:creationId xmlns:a16="http://schemas.microsoft.com/office/drawing/2014/main" id="{C5D31EF7-7A67-43B2-8B5E-B4A6241B1A83}"/>
+              </a:ext>
+              <a:ext uri="{C183D7F6-B498-43B3-948B-1728B52AA6E4}">
+                <adec:decorative xmlns:adec="http://schemas.microsoft.com/office/drawing/2017/decorative" val="1"/>
+              </a:ext>
+            </a:extLst>
+          </p:cNvPr>
+          <p:cNvSpPr>
+            <a:spLocks noGrp="1" noRot="1" noChangeAspect="1" noMove="1" noResize="1" noEditPoints="1" noAdjustHandles="1" noChangeArrowheads="1" noChangeShapeType="1" noTextEdit="1"/>
+          </p:cNvSpPr>
+          <p:nvPr>
+            <p:extLst>
+              <p:ext uri="{386F3935-93C4-4BCD-93E2-E3B085C9AB24}">
+                <p16:designElem xmlns:p16="http://schemas.microsoft.com/office/powerpoint/2015/main" val="1"/>
+              </p:ext>
+            </p:extLst>
+          </p:nvPr>
+        </p:nvSpPr>
+        <p:spPr>
+          <a:xfrm>
+            <a:off x="783613" y="3602837"/>
+            <a:ext cx="360000" cy="360000"/>
+          </a:xfrm>
+          <a:prstGeom prst="ellipse">
+            <a:avLst/>
+          </a:prstGeom>
+          <a:gradFill flip="none" rotWithShape="1">
+            <a:gsLst>
+              <a:gs pos="100000">
+                <a:schemeClr val="bg2">
+                  <a:lumMod val="50000"/>
+                  <a:lumOff val="50000"/>
+                </a:schemeClr>
+              </a:gs>
+              <a:gs pos="60000">
+                <a:schemeClr val="bg2"/>
+              </a:gs>
+            </a:gsLst>
+            <a:path path="circle">
+              <a:fillToRect l="100000" b="100000"/>
+            </a:path>
+            <a:tileRect t="-100000" r="-100000"/>
+          </a:gradFill>
+          <a:ln>
+            <a:noFill/>
+          </a:ln>
+          <a:effectLst>
+            <a:innerShdw blurRad="127000" dist="63500" dir="2700000">
+              <a:schemeClr val="accent1">
+                <a:lumMod val="60000"/>
+                <a:lumOff val="40000"/>
+                <a:alpha val="20000"/>
+              </a:schemeClr>
+            </a:innerShdw>
+            <a:softEdge rad="0"/>
+          </a:effectLst>
+        </p:spPr>
+        <p:style>
+          <a:lnRef idx="2">
+            <a:schemeClr val="accent1">
+              <a:shade val="50000"/>
+            </a:schemeClr>
+          </a:lnRef>
+          <a:fillRef idx="1">
+            <a:schemeClr val="accent1"/>
+          </a:fillRef>
+          <a:effectRef idx="0">
+            <a:schemeClr val="accent1"/>
+          </a:effectRef>
+          <a:fontRef idx="minor">
+            <a:schemeClr val="lt1"/>
+          </a:fontRef>
+        </p:style>
+        <p:txBody>
+          <a:bodyPr rot="0" spcFirstLastPara="0" vertOverflow="overflow" horzOverflow="overflow" vert="horz" wrap="square" lIns="91440" tIns="45720" rIns="91440" bIns="45720" numCol="1" spcCol="0" rtlCol="0" fromWordArt="0" anchor="ctr" anchorCtr="0" forceAA="0" compatLnSpc="1">
+            <a:prstTxWarp prst="textNoShape">
+              <a:avLst/>
+            </a:prstTxWarp>
+            <a:noAutofit/>
+          </a:bodyPr>
+          <a:lstStyle/>
+          <a:p>
+            <a:pPr algn="ctr"/>
+            <a:endParaRPr lang="en-US"/>
+          </a:p>
+        </p:txBody>
+      </p:sp>
+      <p:sp>
+        <p:nvSpPr>
+          <p:cNvPr id="4" name="Text Placeholder 3">
+            <a:extLst>
+              <a:ext uri="{FF2B5EF4-FFF2-40B4-BE49-F238E27FC236}">
+                <a16:creationId xmlns:a16="http://schemas.microsoft.com/office/drawing/2014/main" id="{537F9C93-DDBA-4169-995D-50409DDE938A}"/>
+              </a:ext>
+            </a:extLst>
+          </p:cNvPr>
+          <p:cNvSpPr>
+            <a:spLocks noGrp="1"/>
+          </p:cNvSpPr>
+          <p:nvPr>
+            <p:ph type="body" sz="half" idx="2"/>
+          </p:nvPr>
+        </p:nvSpPr>
+        <p:spPr>
+          <a:xfrm>
+            <a:off x="5267325" y="3965706"/>
+            <a:ext cx="6373813" cy="2105753"/>
+          </a:xfrm>
+        </p:spPr>
+        <p:txBody>
+          <a:bodyPr vert="horz" wrap="square" lIns="0" tIns="0" rIns="0" bIns="0" rtlCol="0" anchor="t">
+            <a:normAutofit/>
+          </a:bodyPr>
+          <a:lstStyle/>
+          <a:p>
+            <a:pPr indent="-228600">
+              <a:buFont typeface="Arial" panose="020B0604020202020204" pitchFamily="34" charset="0"/>
+              <a:buChar char="•"/>
+            </a:pPr>
+            <a:r>
+              <a:rPr lang="en-US" sz="2200">
+                <a:solidFill>
+                  <a:srgbClr val="FFFFFF">
+                    <a:alpha val="60000"/>
+                  </a:srgbClr>
+                </a:solidFill>
+                <a:ea typeface="Source Sans Pro"/>
+              </a:rPr>
+              <a:t>The algorithm first allocates a list of current Dunder Mifflin Sales Representatives as shown here and goes through a list of five numbered steps</a:t>
+            </a:r>
+            <a:r>
+              <a:rPr lang="en-US" sz="2400">
+                <a:solidFill>
+                  <a:srgbClr val="FFFFFF">
+                    <a:alpha val="60000"/>
+                  </a:srgbClr>
+                </a:solidFill>
+                <a:ea typeface="Source Sans Pro"/>
+              </a:rPr>
+              <a:t>.</a:t>
+            </a:r>
+            <a:endParaRPr lang="en-US">
+              <a:solidFill>
+                <a:srgbClr val="FFFFFF">
+                  <a:alpha val="60000"/>
+                </a:srgbClr>
+              </a:solidFill>
+              <a:ea typeface="Source Sans Pro"/>
+            </a:endParaRPr>
+          </a:p>
+        </p:txBody>
+      </p:sp>
+    </p:spTree>
+    <p:extLst>
+      <p:ext uri="{BB962C8B-B14F-4D97-AF65-F5344CB8AC3E}">
+        <p14:creationId xmlns:p14="http://schemas.microsoft.com/office/powerpoint/2010/main" val="1616419267"/>
       </p:ext>
     </p:extLst>
   </p:cSld>
@@ -9145,8 +12728,8 @@
   </p:clrMapOvr>
   <mc:AlternateContent xmlns:mc="http://schemas.openxmlformats.org/markup-compatibility/2006">
     <mc:Choice xmlns:p14="http://schemas.microsoft.com/office/powerpoint/2010/main" Requires="p14">
-      <p:transition spd="slow" p14:dur="4000">
-        <p14:vortex dir="r"/>
+      <p:transition spd="slow" p14:dur="3400">
+        <p14:reveal/>
       </p:transition>
     </mc:Choice>
     <mc:Fallback>
@@ -9158,7 +12741,7 @@
 </p:sld>
 </file>
 
-<file path=ppt/slides/slide7.xml><?xml version="1.0" encoding="utf-8"?>
+<file path=ppt/slides/slide8.xml><?xml version="1.0" encoding="utf-8"?>
 <p:sld xmlns:a="http://schemas.openxmlformats.org/drawingml/2006/main" xmlns:r="http://schemas.openxmlformats.org/officeDocument/2006/relationships" xmlns:p="http://schemas.openxmlformats.org/presentationml/2006/main">
   <p:cSld>
     <p:spTree>
@@ -9180,7 +12763,7 @@
           <p:cNvPr id="2" name="Title 1">
             <a:extLst>
               <a:ext uri="{FF2B5EF4-FFF2-40B4-BE49-F238E27FC236}">
-                <a16:creationId xmlns:a16="http://schemas.microsoft.com/office/drawing/2014/main" id="{179D0612-EF72-443C-B783-C419DB860EC5}"/>
+                <a16:creationId xmlns:a16="http://schemas.microsoft.com/office/drawing/2014/main" id="{380FF145-197E-406D-AABF-E44B3A2E20BB}"/>
               </a:ext>
             </a:extLst>
           </p:cNvPr>
@@ -9191,49 +12774,58 @@
             <p:ph type="title"/>
           </p:nvPr>
         </p:nvSpPr>
-        <p:spPr/>
+        <p:spPr>
+          <a:xfrm>
+            <a:off x="550863" y="549275"/>
+            <a:ext cx="11090274" cy="930406"/>
+          </a:xfrm>
+        </p:spPr>
         <p:txBody>
           <a:bodyPr/>
           <a:lstStyle/>
           <a:p>
             <a:r>
-              <a:rPr lang="en-US" dirty="0"/>
-              <a:t>Sales</a:t>
+              <a:rPr lang="en-US"/>
+              <a:t>Monthly Sales locator</a:t>
             </a:r>
           </a:p>
         </p:txBody>
       </p:sp>
-      <p:sp>
-        <p:nvSpPr>
-          <p:cNvPr id="3" name="Content Placeholder 2">
+      <p:pic>
+        <p:nvPicPr>
+          <p:cNvPr id="5" name="Picture 5" descr="Text&#10;&#10;Description automatically generated">
             <a:extLst>
               <a:ext uri="{FF2B5EF4-FFF2-40B4-BE49-F238E27FC236}">
-                <a16:creationId xmlns:a16="http://schemas.microsoft.com/office/drawing/2014/main" id="{77BEB638-E38F-438A-AFE1-3D941DE87C82}"/>
+                <a16:creationId xmlns:a16="http://schemas.microsoft.com/office/drawing/2014/main" id="{CCCBDB32-AC41-4F85-8097-330AC9DEE5E1}"/>
               </a:ext>
             </a:extLst>
           </p:cNvPr>
-          <p:cNvSpPr>
-            <a:spLocks noGrp="1"/>
-          </p:cNvSpPr>
+          <p:cNvPicPr>
+            <a:picLocks noGrp="1" noChangeAspect="1"/>
+          </p:cNvPicPr>
           <p:nvPr>
             <p:ph sz="half" idx="1"/>
           </p:nvPr>
-        </p:nvSpPr>
-        <p:spPr/>
-        <p:txBody>
-          <a:bodyPr/>
-          <a:lstStyle/>
-          <a:p>
-            <a:endParaRPr lang="en-US"/>
-          </a:p>
-        </p:txBody>
-      </p:sp>
+        </p:nvPicPr>
+        <p:blipFill>
+          <a:blip r:embed="rId2"/>
+          <a:stretch>
+            <a:fillRect/>
+          </a:stretch>
+        </p:blipFill>
+        <p:spPr>
+          <a:xfrm>
+            <a:off x="550862" y="1487072"/>
+            <a:ext cx="5548870" cy="4352435"/>
+          </a:xfrm>
+        </p:spPr>
+      </p:pic>
       <p:sp>
         <p:nvSpPr>
           <p:cNvPr id="4" name="Content Placeholder 3">
             <a:extLst>
               <a:ext uri="{FF2B5EF4-FFF2-40B4-BE49-F238E27FC236}">
-                <a16:creationId xmlns:a16="http://schemas.microsoft.com/office/drawing/2014/main" id="{4BCA656B-5BFF-4C71-9A84-7BB43A4F9B9D}"/>
+                <a16:creationId xmlns:a16="http://schemas.microsoft.com/office/drawing/2014/main" id="{0526F023-6824-41FD-A91C-2E4C72FD2D17}"/>
               </a:ext>
             </a:extLst>
           </p:cNvPr>
@@ -9244,25 +12836,191 @@
             <p:ph sz="half" idx="2"/>
           </p:nvPr>
         </p:nvSpPr>
-        <p:spPr/>
+        <p:spPr>
+          <a:xfrm>
+            <a:off x="6298214" y="1489634"/>
+            <a:ext cx="5435600" cy="4356055"/>
+          </a:xfrm>
+        </p:spPr>
         <p:txBody>
-          <a:bodyPr/>
+          <a:bodyPr vert="horz" wrap="square" lIns="0" tIns="0" rIns="0" bIns="0" rtlCol="0" anchor="t">
+            <a:normAutofit/>
+          </a:bodyPr>
           <a:lstStyle/>
           <a:p>
-            <a:endParaRPr lang="en-US"/>
+            <a:r>
+              <a:rPr lang="en-US" sz="2200">
+                <a:solidFill>
+                  <a:srgbClr val="FFFFFF">
+                    <a:alpha val="60000"/>
+                  </a:srgbClr>
+                </a:solidFill>
+                <a:ea typeface="Source Sans Pro"/>
+              </a:rPr>
+              <a:t>Shown here is the program searching for the total monthly sales count of Dunder Mifflin office supplies retailers. The program finds a representative and shows their address and annual salary through an integrated ID system.</a:t>
+            </a:r>
           </a:p>
         </p:txBody>
       </p:sp>
     </p:spTree>
     <p:extLst>
       <p:ext uri="{BB962C8B-B14F-4D97-AF65-F5344CB8AC3E}">
-        <p14:creationId xmlns:p14="http://schemas.microsoft.com/office/powerpoint/2010/main" val="327040597"/>
+        <p14:creationId xmlns:p14="http://schemas.microsoft.com/office/powerpoint/2010/main" val="3833442739"/>
       </p:ext>
     </p:extLst>
   </p:cSld>
   <p:clrMapOvr>
     <a:masterClrMapping/>
   </p:clrMapOvr>
+  <mc:AlternateContent xmlns:mc="http://schemas.openxmlformats.org/markup-compatibility/2006">
+    <mc:Choice xmlns:p15="http://schemas.microsoft.com/office/powerpoint/2012/main" Requires="p15">
+      <p:transition xmlns:p14="http://schemas.microsoft.com/office/powerpoint/2010/main" spd="slow" p14:dur="2000">
+        <p15:prstTrans prst="drape"/>
+      </p:transition>
+    </mc:Choice>
+    <mc:Fallback>
+      <p:transition spd="slow">
+        <p:fade/>
+      </p:transition>
+    </mc:Fallback>
+  </mc:AlternateContent>
+</p:sld>
+</file>
+
+<file path=ppt/slides/slide9.xml><?xml version="1.0" encoding="utf-8"?>
+<p:sld xmlns:a="http://schemas.openxmlformats.org/drawingml/2006/main" xmlns:r="http://schemas.openxmlformats.org/officeDocument/2006/relationships" xmlns:p="http://schemas.openxmlformats.org/presentationml/2006/main">
+  <p:cSld>
+    <p:spTree>
+      <p:nvGrpSpPr>
+        <p:cNvPr id="1" name=""/>
+        <p:cNvGrpSpPr/>
+        <p:nvPr/>
+      </p:nvGrpSpPr>
+      <p:grpSpPr>
+        <a:xfrm>
+          <a:off x="0" y="0"/>
+          <a:ext cx="0" cy="0"/>
+          <a:chOff x="0" y="0"/>
+          <a:chExt cx="0" cy="0"/>
+        </a:xfrm>
+      </p:grpSpPr>
+      <p:sp>
+        <p:nvSpPr>
+          <p:cNvPr id="2" name="Title 1">
+            <a:extLst>
+              <a:ext uri="{FF2B5EF4-FFF2-40B4-BE49-F238E27FC236}">
+                <a16:creationId xmlns:a16="http://schemas.microsoft.com/office/drawing/2014/main" id="{53C9650C-15AB-4ECF-91EA-688DFBB47662}"/>
+              </a:ext>
+            </a:extLst>
+          </p:cNvPr>
+          <p:cNvSpPr>
+            <a:spLocks noGrp="1"/>
+          </p:cNvSpPr>
+          <p:nvPr>
+            <p:ph type="title"/>
+          </p:nvPr>
+        </p:nvSpPr>
+        <p:spPr>
+          <a:xfrm>
+            <a:off x="550863" y="549275"/>
+            <a:ext cx="11090274" cy="1053973"/>
+          </a:xfrm>
+        </p:spPr>
+        <p:txBody>
+          <a:bodyPr/>
+          <a:lstStyle/>
+          <a:p>
+            <a:r>
+              <a:rPr lang="en-US"/>
+              <a:t>Current Sales Representatives</a:t>
+            </a:r>
+          </a:p>
+        </p:txBody>
+      </p:sp>
+      <p:pic>
+        <p:nvPicPr>
+          <p:cNvPr id="5" name="Picture 5" descr="Text&#10;&#10;Description automatically generated">
+            <a:extLst>
+              <a:ext uri="{FF2B5EF4-FFF2-40B4-BE49-F238E27FC236}">
+                <a16:creationId xmlns:a16="http://schemas.microsoft.com/office/drawing/2014/main" id="{454431F4-BAAF-4FAE-8A2C-D6BF10175249}"/>
+              </a:ext>
+            </a:extLst>
+          </p:cNvPr>
+          <p:cNvPicPr>
+            <a:picLocks noGrp="1" noChangeAspect="1"/>
+          </p:cNvPicPr>
+          <p:nvPr>
+            <p:ph sz="half" idx="1"/>
+          </p:nvPr>
+        </p:nvPicPr>
+        <p:blipFill>
+          <a:blip r:embed="rId2"/>
+          <a:stretch>
+            <a:fillRect/>
+          </a:stretch>
+        </p:blipFill>
+        <p:spPr>
+          <a:xfrm>
+            <a:off x="603821" y="1617412"/>
+            <a:ext cx="4856006" cy="4697743"/>
+          </a:xfrm>
+        </p:spPr>
+      </p:pic>
+      <p:sp>
+        <p:nvSpPr>
+          <p:cNvPr id="4" name="Content Placeholder 3">
+            <a:extLst>
+              <a:ext uri="{FF2B5EF4-FFF2-40B4-BE49-F238E27FC236}">
+                <a16:creationId xmlns:a16="http://schemas.microsoft.com/office/drawing/2014/main" id="{37D0CFEB-9027-4B7B-B9D3-658BDFA38AD0}"/>
+              </a:ext>
+            </a:extLst>
+          </p:cNvPr>
+          <p:cNvSpPr>
+            <a:spLocks noGrp="1"/>
+          </p:cNvSpPr>
+          <p:nvPr>
+            <p:ph sz="half" idx="2"/>
+          </p:nvPr>
+        </p:nvSpPr>
+        <p:spPr>
+          <a:xfrm>
+            <a:off x="5659782" y="1613203"/>
+            <a:ext cx="5991653" cy="4479622"/>
+          </a:xfrm>
+        </p:spPr>
+        <p:txBody>
+          <a:bodyPr vert="horz" wrap="square" lIns="0" tIns="0" rIns="0" bIns="0" rtlCol="0" anchor="t">
+            <a:normAutofit/>
+          </a:bodyPr>
+          <a:lstStyle/>
+          <a:p>
+            <a:r>
+              <a:rPr lang="en-US" sz="2200">
+                <a:solidFill>
+                  <a:srgbClr val="FFFFFF">
+                    <a:alpha val="60000"/>
+                  </a:srgbClr>
+                </a:solidFill>
+                <a:ea typeface="Source Sans Pro"/>
+              </a:rPr>
+              <a:t>Here is an example of the Salesrep.exe algorithm listing all Sales Representatives information by extracting the SalesRep.txt file input to the program.  </a:t>
+            </a:r>
+          </a:p>
+        </p:txBody>
+      </p:sp>
+    </p:spTree>
+    <p:extLst>
+      <p:ext uri="{BB962C8B-B14F-4D97-AF65-F5344CB8AC3E}">
+        <p14:creationId xmlns:p14="http://schemas.microsoft.com/office/powerpoint/2010/main" val="3342804087"/>
+      </p:ext>
+    </p:extLst>
+  </p:cSld>
+  <p:clrMapOvr>
+    <a:masterClrMapping/>
+  </p:clrMapOvr>
+  <p:transition spd="slow">
+    <p:cover/>
+  </p:transition>
 </p:sld>
 </file>
 
@@ -9465,4 +13223,212 @@
     </a:ext>
   </a:extLst>
 </a:theme>
+</file>
+
+<file path=customXml/item1.xml><?xml version="1.0" encoding="utf-8"?>
+<p:properties xmlns:p="http://schemas.microsoft.com/office/2006/metadata/properties" xmlns:xsi="http://www.w3.org/2001/XMLSchema-instance" xmlns:pc="http://schemas.microsoft.com/office/infopath/2007/PartnerControls">
+  <documentManagement/>
+</p:properties>
+</file>
+
+<file path=customXml/item2.xml><?xml version="1.0" encoding="utf-8"?>
+<?mso-contentType ?>
+<FormTemplates xmlns="http://schemas.microsoft.com/sharepoint/v3/contenttype/forms">
+  <Display>DocumentLibraryForm</Display>
+  <Edit>DocumentLibraryForm</Edit>
+  <New>DocumentLibraryForm</New>
+</FormTemplates>
+</file>
+
+<file path=customXml/item3.xml><?xml version="1.0" encoding="utf-8"?>
+<ct:contentTypeSchema xmlns:ct="http://schemas.microsoft.com/office/2006/metadata/contentType" xmlns:ma="http://schemas.microsoft.com/office/2006/metadata/properties/metaAttributes" ct:_="" ma:_="" ma:contentTypeName="Document" ma:contentTypeID="0x010100D83CB2BB7D64204EA974A91500AB3498" ma:contentTypeVersion="6" ma:contentTypeDescription="Create a new document." ma:contentTypeScope="" ma:versionID="65ef57f2ef82ed42d159a85fb712f749">
+  <xsd:schema xmlns:xsd="http://www.w3.org/2001/XMLSchema" xmlns:xs="http://www.w3.org/2001/XMLSchema" xmlns:p="http://schemas.microsoft.com/office/2006/metadata/properties" xmlns:ns2="338f0800-8063-4ad2-8c56-1d9be0c4e091" targetNamespace="http://schemas.microsoft.com/office/2006/metadata/properties" ma:root="true" ma:fieldsID="d33503a4621ebcf0777078f2f9bf2efb" ns2:_="">
+    <xsd:import namespace="338f0800-8063-4ad2-8c56-1d9be0c4e091"/>
+    <xsd:element name="properties">
+      <xsd:complexType>
+        <xsd:sequence>
+          <xsd:element name="documentManagement">
+            <xsd:complexType>
+              <xsd:all>
+                <xsd:element ref="ns2:MediaServiceMetadata" minOccurs="0"/>
+                <xsd:element ref="ns2:MediaServiceFastMetadata" minOccurs="0"/>
+                <xsd:element ref="ns2:MediaServiceAutoTags" minOccurs="0"/>
+                <xsd:element ref="ns2:MediaServiceOCR" minOccurs="0"/>
+                <xsd:element ref="ns2:MediaServiceGenerationTime" minOccurs="0"/>
+                <xsd:element ref="ns2:MediaServiceEventHashCode" minOccurs="0"/>
+              </xsd:all>
+            </xsd:complexType>
+          </xsd:element>
+        </xsd:sequence>
+      </xsd:complexType>
+    </xsd:element>
+  </xsd:schema>
+  <xsd:schema xmlns:xsd="http://www.w3.org/2001/XMLSchema" xmlns:xs="http://www.w3.org/2001/XMLSchema" xmlns:dms="http://schemas.microsoft.com/office/2006/documentManagement/types" xmlns:pc="http://schemas.microsoft.com/office/infopath/2007/PartnerControls" targetNamespace="338f0800-8063-4ad2-8c56-1d9be0c4e091" elementFormDefault="qualified">
+    <xsd:import namespace="http://schemas.microsoft.com/office/2006/documentManagement/types"/>
+    <xsd:import namespace="http://schemas.microsoft.com/office/infopath/2007/PartnerControls"/>
+    <xsd:element name="MediaServiceMetadata" ma:index="8" nillable="true" ma:displayName="MediaServiceMetadata" ma:hidden="true" ma:internalName="MediaServiceMetadata" ma:readOnly="true">
+      <xsd:simpleType>
+        <xsd:restriction base="dms:Note"/>
+      </xsd:simpleType>
+    </xsd:element>
+    <xsd:element name="MediaServiceFastMetadata" ma:index="9" nillable="true" ma:displayName="MediaServiceFastMetadata" ma:hidden="true" ma:internalName="MediaServiceFastMetadata" ma:readOnly="true">
+      <xsd:simpleType>
+        <xsd:restriction base="dms:Note"/>
+      </xsd:simpleType>
+    </xsd:element>
+    <xsd:element name="MediaServiceAutoTags" ma:index="10" nillable="true" ma:displayName="Tags" ma:internalName="MediaServiceAutoTags" ma:readOnly="true">
+      <xsd:simpleType>
+        <xsd:restriction base="dms:Text"/>
+      </xsd:simpleType>
+    </xsd:element>
+    <xsd:element name="MediaServiceOCR" ma:index="11" nillable="true" ma:displayName="Extracted Text" ma:internalName="MediaServiceOCR" ma:readOnly="true">
+      <xsd:simpleType>
+        <xsd:restriction base="dms:Note">
+          <xsd:maxLength value="255"/>
+        </xsd:restriction>
+      </xsd:simpleType>
+    </xsd:element>
+    <xsd:element name="MediaServiceGenerationTime" ma:index="12" nillable="true" ma:displayName="MediaServiceGenerationTime" ma:hidden="true" ma:internalName="MediaServiceGenerationTime" ma:readOnly="true">
+      <xsd:simpleType>
+        <xsd:restriction base="dms:Text"/>
+      </xsd:simpleType>
+    </xsd:element>
+    <xsd:element name="MediaServiceEventHashCode" ma:index="13" nillable="true" ma:displayName="MediaServiceEventHashCode" ma:hidden="true" ma:internalName="MediaServiceEventHashCode" ma:readOnly="true">
+      <xsd:simpleType>
+        <xsd:restriction base="dms:Text"/>
+      </xsd:simpleType>
+    </xsd:element>
+  </xsd:schema>
+  <xsd:schema xmlns="http://schemas.openxmlformats.org/package/2006/metadata/core-properties" xmlns:xsd="http://www.w3.org/2001/XMLSchema" xmlns:xsi="http://www.w3.org/2001/XMLSchema-instance" xmlns:dc="http://purl.org/dc/elements/1.1/" xmlns:dcterms="http://purl.org/dc/terms/" xmlns:odoc="http://schemas.microsoft.com/internal/obd" targetNamespace="http://schemas.openxmlformats.org/package/2006/metadata/core-properties" elementFormDefault="qualified" attributeFormDefault="unqualified" blockDefault="#all">
+    <xsd:import namespace="http://purl.org/dc/elements/1.1/" schemaLocation="http://dublincore.org/schemas/xmls/qdc/2003/04/02/dc.xsd"/>
+    <xsd:import namespace="http://purl.org/dc/terms/" schemaLocation="http://dublincore.org/schemas/xmls/qdc/2003/04/02/dcterms.xsd"/>
+    <xsd:element name="coreProperties" type="CT_coreProperties"/>
+    <xsd:complexType name="CT_coreProperties">
+      <xsd:all>
+        <xsd:element ref="dc:creator" minOccurs="0" maxOccurs="1"/>
+        <xsd:element ref="dcterms:created" minOccurs="0" maxOccurs="1"/>
+        <xsd:element ref="dc:identifier" minOccurs="0" maxOccurs="1"/>
+        <xsd:element name="contentType" minOccurs="0" maxOccurs="1" type="xsd:string" ma:index="0" ma:displayName="Content Type"/>
+        <xsd:element ref="dc:title" minOccurs="0" maxOccurs="1" ma:index="4" ma:displayName="Title"/>
+        <xsd:element ref="dc:subject" minOccurs="0" maxOccurs="1"/>
+        <xsd:element ref="dc:description" minOccurs="0" maxOccurs="1"/>
+        <xsd:element name="keywords" minOccurs="0" maxOccurs="1" type="xsd:string"/>
+        <xsd:element ref="dc:language" minOccurs="0" maxOccurs="1"/>
+        <xsd:element name="category" minOccurs="0" maxOccurs="1" type="xsd:string"/>
+        <xsd:element name="version" minOccurs="0" maxOccurs="1" type="xsd:string"/>
+        <xsd:element name="revision" minOccurs="0" maxOccurs="1" type="xsd:string">
+          <xsd:annotation>
+            <xsd:documentation>
+                        This value indicates the number of saves or revisions. The application is responsible for updating this value after each revision.
+                    </xsd:documentation>
+          </xsd:annotation>
+        </xsd:element>
+        <xsd:element name="lastModifiedBy" minOccurs="0" maxOccurs="1" type="xsd:string"/>
+        <xsd:element ref="dcterms:modified" minOccurs="0" maxOccurs="1"/>
+        <xsd:element name="contentStatus" minOccurs="0" maxOccurs="1" type="xsd:string"/>
+      </xsd:all>
+    </xsd:complexType>
+  </xsd:schema>
+  <xs:schema xmlns:pc="http://schemas.microsoft.com/office/infopath/2007/PartnerControls" xmlns:xs="http://www.w3.org/2001/XMLSchema" targetNamespace="http://schemas.microsoft.com/office/infopath/2007/PartnerControls" elementFormDefault="qualified" attributeFormDefault="unqualified">
+    <xs:element name="Person">
+      <xs:complexType>
+        <xs:sequence>
+          <xs:element ref="pc:DisplayName" minOccurs="0"/>
+          <xs:element ref="pc:AccountId" minOccurs="0"/>
+          <xs:element ref="pc:AccountType" minOccurs="0"/>
+        </xs:sequence>
+      </xs:complexType>
+    </xs:element>
+    <xs:element name="DisplayName" type="xs:string"/>
+    <xs:element name="AccountId" type="xs:string"/>
+    <xs:element name="AccountType" type="xs:string"/>
+    <xs:element name="BDCAssociatedEntity">
+      <xs:complexType>
+        <xs:sequence>
+          <xs:element ref="pc:BDCEntity" minOccurs="0" maxOccurs="unbounded"/>
+        </xs:sequence>
+        <xs:attribute ref="pc:EntityNamespace"/>
+        <xs:attribute ref="pc:EntityName"/>
+        <xs:attribute ref="pc:SystemInstanceName"/>
+        <xs:attribute ref="pc:AssociationName"/>
+      </xs:complexType>
+    </xs:element>
+    <xs:attribute name="EntityNamespace" type="xs:string"/>
+    <xs:attribute name="EntityName" type="xs:string"/>
+    <xs:attribute name="SystemInstanceName" type="xs:string"/>
+    <xs:attribute name="AssociationName" type="xs:string"/>
+    <xs:element name="BDCEntity">
+      <xs:complexType>
+        <xs:sequence>
+          <xs:element ref="pc:EntityDisplayName" minOccurs="0"/>
+          <xs:element ref="pc:EntityInstanceReference" minOccurs="0"/>
+          <xs:element ref="pc:EntityId1" minOccurs="0"/>
+          <xs:element ref="pc:EntityId2" minOccurs="0"/>
+          <xs:element ref="pc:EntityId3" minOccurs="0"/>
+          <xs:element ref="pc:EntityId4" minOccurs="0"/>
+          <xs:element ref="pc:EntityId5" minOccurs="0"/>
+        </xs:sequence>
+      </xs:complexType>
+    </xs:element>
+    <xs:element name="EntityDisplayName" type="xs:string"/>
+    <xs:element name="EntityInstanceReference" type="xs:string"/>
+    <xs:element name="EntityId1" type="xs:string"/>
+    <xs:element name="EntityId2" type="xs:string"/>
+    <xs:element name="EntityId3" type="xs:string"/>
+    <xs:element name="EntityId4" type="xs:string"/>
+    <xs:element name="EntityId5" type="xs:string"/>
+    <xs:element name="Terms">
+      <xs:complexType>
+        <xs:sequence>
+          <xs:element ref="pc:TermInfo" minOccurs="0" maxOccurs="unbounded"/>
+        </xs:sequence>
+      </xs:complexType>
+    </xs:element>
+    <xs:element name="TermInfo">
+      <xs:complexType>
+        <xs:sequence>
+          <xs:element ref="pc:TermName" minOccurs="0"/>
+          <xs:element ref="pc:TermId" minOccurs="0"/>
+        </xs:sequence>
+      </xs:complexType>
+    </xs:element>
+    <xs:element name="TermName" type="xs:string"/>
+    <xs:element name="TermId" type="xs:string"/>
+  </xs:schema>
+</ct:contentTypeSchema>
+</file>
+
+<file path=customXml/itemProps1.xml><?xml version="1.0" encoding="utf-8"?>
+<ds:datastoreItem xmlns:ds="http://schemas.openxmlformats.org/officeDocument/2006/customXml" ds:itemID="{816915F3-97E3-4FF3-96BE-07A431D5CD22}">
+  <ds:schemaRefs>
+    <ds:schemaRef ds:uri="http://schemas.microsoft.com/office/2006/metadata/properties"/>
+    <ds:schemaRef ds:uri="http://schemas.microsoft.com/office/infopath/2007/PartnerControls"/>
+  </ds:schemaRefs>
+</ds:datastoreItem>
+</file>
+
+<file path=customXml/itemProps2.xml><?xml version="1.0" encoding="utf-8"?>
+<ds:datastoreItem xmlns:ds="http://schemas.openxmlformats.org/officeDocument/2006/customXml" ds:itemID="{36339D29-E8D8-4BB3-8FF7-A2EE18B76C24}">
+  <ds:schemaRefs>
+    <ds:schemaRef ds:uri="http://schemas.microsoft.com/sharepoint/v3/contenttype/forms"/>
+  </ds:schemaRefs>
+</ds:datastoreItem>
+</file>
+
+<file path=customXml/itemProps3.xml><?xml version="1.0" encoding="utf-8"?>
+<ds:datastoreItem xmlns:ds="http://schemas.openxmlformats.org/officeDocument/2006/customXml" ds:itemID="{D91B7DE7-1A36-4FDB-8A1F-9EF128763394}">
+  <ds:schemaRefs>
+    <ds:schemaRef ds:uri="338f0800-8063-4ad2-8c56-1d9be0c4e091"/>
+    <ds:schemaRef ds:uri="http://purl.org/dc/elements/1.1/"/>
+    <ds:schemaRef ds:uri="http://purl.org/dc/terms/"/>
+    <ds:schemaRef ds:uri="http://schemas.microsoft.com/internal/obd"/>
+    <ds:schemaRef ds:uri="http://schemas.microsoft.com/office/2006/documentManagement/types"/>
+    <ds:schemaRef ds:uri="http://schemas.microsoft.com/office/2006/metadata/contentType"/>
+    <ds:schemaRef ds:uri="http://schemas.microsoft.com/office/2006/metadata/properties"/>
+    <ds:schemaRef ds:uri="http://schemas.microsoft.com/office/2006/metadata/properties/metaAttributes"/>
+    <ds:schemaRef ds:uri="http://schemas.microsoft.com/office/infopath/2007/PartnerControls"/>
+    <ds:schemaRef ds:uri="http://schemas.openxmlformats.org/package/2006/metadata/core-properties"/>
+    <ds:schemaRef ds:uri="http://www.w3.org/2001/XMLSchema"/>
+  </ds:schemaRefs>
+</ds:datastoreItem>
 </file>